--- a/res/presentation1/final_presentation.pptx
+++ b/res/presentation1/final_presentation.pptx
@@ -6,42 +6,33 @@
     <p:sldMasterId id="2147483661" r:id="rId2"/>
   </p:sldMasterIdLst>
   <p:notesMasterIdLst>
-    <p:notesMasterId r:id="rId36"/>
+    <p:notesMasterId r:id="rId27"/>
   </p:notesMasterIdLst>
   <p:sldIdLst>
     <p:sldId id="271" r:id="rId3"/>
-    <p:sldId id="263" r:id="rId4"/>
-    <p:sldId id="264" r:id="rId5"/>
-    <p:sldId id="265" r:id="rId6"/>
-    <p:sldId id="267" r:id="rId7"/>
-    <p:sldId id="268" r:id="rId8"/>
-    <p:sldId id="269" r:id="rId9"/>
-    <p:sldId id="273" r:id="rId10"/>
-    <p:sldId id="276" r:id="rId11"/>
+    <p:sldId id="265" r:id="rId4"/>
+    <p:sldId id="263" r:id="rId5"/>
+    <p:sldId id="264" r:id="rId6"/>
+    <p:sldId id="296" r:id="rId7"/>
+    <p:sldId id="303" r:id="rId8"/>
+    <p:sldId id="297" r:id="rId9"/>
+    <p:sldId id="302" r:id="rId10"/>
+    <p:sldId id="304" r:id="rId11"/>
     <p:sldId id="275" r:id="rId12"/>
-    <p:sldId id="257" r:id="rId13"/>
-    <p:sldId id="258" r:id="rId14"/>
-    <p:sldId id="259" r:id="rId15"/>
-    <p:sldId id="260" r:id="rId16"/>
-    <p:sldId id="261" r:id="rId17"/>
-    <p:sldId id="262" r:id="rId18"/>
-    <p:sldId id="278" r:id="rId19"/>
-    <p:sldId id="289" r:id="rId20"/>
-    <p:sldId id="290" r:id="rId21"/>
-    <p:sldId id="291" r:id="rId22"/>
-    <p:sldId id="279" r:id="rId23"/>
-    <p:sldId id="280" r:id="rId24"/>
-    <p:sldId id="281" r:id="rId25"/>
-    <p:sldId id="292" r:id="rId26"/>
-    <p:sldId id="293" r:id="rId27"/>
-    <p:sldId id="294" r:id="rId28"/>
-    <p:sldId id="282" r:id="rId29"/>
-    <p:sldId id="283" r:id="rId30"/>
-    <p:sldId id="284" r:id="rId31"/>
-    <p:sldId id="285" r:id="rId32"/>
-    <p:sldId id="286" r:id="rId33"/>
-    <p:sldId id="295" r:id="rId34"/>
-    <p:sldId id="287" r:id="rId35"/>
+    <p:sldId id="268" r:id="rId13"/>
+    <p:sldId id="298" r:id="rId14"/>
+    <p:sldId id="301" r:id="rId15"/>
+    <p:sldId id="257" r:id="rId16"/>
+    <p:sldId id="258" r:id="rId17"/>
+    <p:sldId id="294" r:id="rId18"/>
+    <p:sldId id="292" r:id="rId19"/>
+    <p:sldId id="281" r:id="rId20"/>
+    <p:sldId id="282" r:id="rId21"/>
+    <p:sldId id="283" r:id="rId22"/>
+    <p:sldId id="285" r:id="rId23"/>
+    <p:sldId id="299" r:id="rId24"/>
+    <p:sldId id="295" r:id="rId25"/>
+    <p:sldId id="287" r:id="rId26"/>
   </p:sldIdLst>
   <p:sldSz cx="12192000" cy="6858000"/>
   <p:notesSz cx="6858000" cy="9144000"/>
@@ -142,7 +133,7 @@
   </p:defaultTextStyle>
   <p:extLst>
     <p:ext uri="{EFAFB233-063F-42B5-8137-9DF3F51BA10A}">
-      <p15:sldGuideLst xmlns:p15="http://schemas.microsoft.com/office/powerpoint/2012/main" xmlns="">
+      <p15:sldGuideLst xmlns="" xmlns:p15="http://schemas.microsoft.com/office/powerpoint/2012/main">
         <p15:guide id="1" orient="horz" pos="2160">
           <p15:clr>
             <a:srgbClr val="A4A3A4"/>
@@ -241,7 +232,7 @@
           <a:p>
             <a:fld id="{03A84A43-FEA2-4AC1-8197-BEBDF906671F}" type="datetimeFigureOut">
               <a:rPr lang="en-GB" smtClean="0"/>
-              <a:t>04/12/2014</a:t>
+              <a:t>19/04/2015</a:t>
             </a:fld>
             <a:endParaRPr lang="en-GB"/>
           </a:p>
@@ -547,9 +538,9 @@
           <a:p>
             <a:pPr lvl="0"/>
             <a:fld id="{4F94452D-8B2E-460E-ACCC-B56C3D8CECF5}" type="slidenum">
-              <a:t>11</a:t>
+              <a:t>14</a:t>
             </a:fld>
-            <a:endParaRPr lang="en-GB"/>
+            <a:endParaRPr lang="en-GB" dirty="0"/>
           </a:p>
         </p:txBody>
       </p:sp>
@@ -596,7 +587,7 @@
           </a:bodyPr>
           <a:lstStyle/>
           <a:p>
-            <a:endParaRPr lang="en-GB"/>
+            <a:endParaRPr lang="en-GB" dirty="0"/>
           </a:p>
         </p:txBody>
       </p:sp>
@@ -604,214 +595,6 @@
     <p:extLst>
       <p:ext uri="{BB962C8B-B14F-4D97-AF65-F5344CB8AC3E}">
         <p14:creationId xmlns:p14="http://schemas.microsoft.com/office/powerpoint/2010/main" val="2439009077"/>
-      </p:ext>
-    </p:extLst>
-  </p:cSld>
-  <p:clrMapOvr>
-    <a:masterClrMapping/>
-  </p:clrMapOvr>
-</p:notes>
-</file>
-
-<file path=ppt/notesSlides/notesSlide10.xml><?xml version="1.0" encoding="utf-8"?>
-<p:notes xmlns:a="http://schemas.openxmlformats.org/drawingml/2006/main" xmlns:r="http://schemas.openxmlformats.org/officeDocument/2006/relationships" xmlns:p="http://schemas.openxmlformats.org/presentationml/2006/main">
-  <p:cSld>
-    <p:spTree>
-      <p:nvGrpSpPr>
-        <p:cNvPr id="1" name=""/>
-        <p:cNvGrpSpPr/>
-        <p:nvPr/>
-      </p:nvGrpSpPr>
-      <p:grpSpPr>
-        <a:xfrm>
-          <a:off x="0" y="0"/>
-          <a:ext cx="0" cy="0"/>
-          <a:chOff x="0" y="0"/>
-          <a:chExt cx="0" cy="0"/>
-        </a:xfrm>
-      </p:grpSpPr>
-      <p:sp>
-        <p:nvSpPr>
-          <p:cNvPr id="7" name=" 6"/>
-          <p:cNvSpPr txBox="1">
-            <a:spLocks noGrp="1"/>
-          </p:cNvSpPr>
-          <p:nvPr>
-            <p:ph type="sldNum" sz="quarter" idx="5"/>
-          </p:nvPr>
-        </p:nvSpPr>
-        <p:spPr>
-          <a:ln/>
-        </p:spPr>
-        <p:txBody>
-          <a:bodyPr lIns="0" tIns="0" rIns="0" bIns="0" anchor="b" anchorCtr="0">
-            <a:noAutofit/>
-          </a:bodyPr>
-          <a:lstStyle/>
-          <a:p>
-            <a:pPr lvl="0"/>
-            <a:fld id="{6DD5F923-8CF0-409D-990C-17665D35C858}" type="slidenum">
-              <a:t>30</a:t>
-            </a:fld>
-            <a:endParaRPr lang="en-GB"/>
-          </a:p>
-        </p:txBody>
-      </p:sp>
-      <p:sp>
-        <p:nvSpPr>
-          <p:cNvPr id="2" name="Slide Image Placeholder 1"/>
-          <p:cNvSpPr>
-            <a:spLocks noGrp="1" noRot="1" noChangeAspect="1" noResize="1"/>
-          </p:cNvSpPr>
-          <p:nvPr>
-            <p:ph type="sldImg"/>
-          </p:nvPr>
-        </p:nvSpPr>
-        <p:spPr>
-          <a:xfrm>
-            <a:off x="217488" y="812800"/>
-            <a:ext cx="7123112" cy="4008438"/>
-          </a:xfrm>
-          <a:solidFill>
-            <a:schemeClr val="accent1"/>
-          </a:solidFill>
-          <a:ln w="25400">
-            <a:solidFill>
-              <a:schemeClr val="accent1">
-                <a:shade val="50000"/>
-              </a:schemeClr>
-            </a:solidFill>
-            <a:prstDash val="solid"/>
-          </a:ln>
-        </p:spPr>
-      </p:sp>
-      <p:sp>
-        <p:nvSpPr>
-          <p:cNvPr id="3" name=" 2"/>
-          <p:cNvSpPr txBox="1">
-            <a:spLocks noGrp="1"/>
-          </p:cNvSpPr>
-          <p:nvPr>
-            <p:ph type="body" sz="quarter" idx="1"/>
-          </p:nvPr>
-        </p:nvSpPr>
-        <p:spPr/>
-        <p:txBody>
-          <a:bodyPr/>
-          <a:lstStyle/>
-          <a:p>
-            <a:endParaRPr lang="en-GB"/>
-          </a:p>
-        </p:txBody>
-      </p:sp>
-    </p:spTree>
-    <p:extLst>
-      <p:ext uri="{BB962C8B-B14F-4D97-AF65-F5344CB8AC3E}">
-        <p14:creationId xmlns:p14="http://schemas.microsoft.com/office/powerpoint/2010/main" val="679268391"/>
-      </p:ext>
-    </p:extLst>
-  </p:cSld>
-  <p:clrMapOvr>
-    <a:masterClrMapping/>
-  </p:clrMapOvr>
-</p:notes>
-</file>
-
-<file path=ppt/notesSlides/notesSlide11.xml><?xml version="1.0" encoding="utf-8"?>
-<p:notes xmlns:a="http://schemas.openxmlformats.org/drawingml/2006/main" xmlns:r="http://schemas.openxmlformats.org/officeDocument/2006/relationships" xmlns:p="http://schemas.openxmlformats.org/presentationml/2006/main">
-  <p:cSld>
-    <p:spTree>
-      <p:nvGrpSpPr>
-        <p:cNvPr id="1" name=""/>
-        <p:cNvGrpSpPr/>
-        <p:nvPr/>
-      </p:nvGrpSpPr>
-      <p:grpSpPr>
-        <a:xfrm>
-          <a:off x="0" y="0"/>
-          <a:ext cx="0" cy="0"/>
-          <a:chOff x="0" y="0"/>
-          <a:chExt cx="0" cy="0"/>
-        </a:xfrm>
-      </p:grpSpPr>
-      <p:sp>
-        <p:nvSpPr>
-          <p:cNvPr id="7" name=" 6"/>
-          <p:cNvSpPr txBox="1">
-            <a:spLocks noGrp="1"/>
-          </p:cNvSpPr>
-          <p:nvPr>
-            <p:ph type="sldNum" sz="quarter" idx="5"/>
-          </p:nvPr>
-        </p:nvSpPr>
-        <p:spPr>
-          <a:ln/>
-        </p:spPr>
-        <p:txBody>
-          <a:bodyPr lIns="0" tIns="0" rIns="0" bIns="0" anchor="b" anchorCtr="0">
-            <a:noAutofit/>
-          </a:bodyPr>
-          <a:lstStyle/>
-          <a:p>
-            <a:pPr lvl="0"/>
-            <a:fld id="{484F1371-E931-41F3-8E4C-96917AD29584}" type="slidenum">
-              <a:t>31</a:t>
-            </a:fld>
-            <a:endParaRPr lang="en-GB"/>
-          </a:p>
-        </p:txBody>
-      </p:sp>
-      <p:sp>
-        <p:nvSpPr>
-          <p:cNvPr id="2" name="Slide Image Placeholder 1"/>
-          <p:cNvSpPr>
-            <a:spLocks noGrp="1" noRot="1" noChangeAspect="1" noResize="1"/>
-          </p:cNvSpPr>
-          <p:nvPr>
-            <p:ph type="sldImg"/>
-          </p:nvPr>
-        </p:nvSpPr>
-        <p:spPr>
-          <a:xfrm>
-            <a:off x="217488" y="812800"/>
-            <a:ext cx="7123112" cy="4008438"/>
-          </a:xfrm>
-          <a:solidFill>
-            <a:schemeClr val="accent1"/>
-          </a:solidFill>
-          <a:ln w="25400">
-            <a:solidFill>
-              <a:schemeClr val="accent1">
-                <a:shade val="50000"/>
-              </a:schemeClr>
-            </a:solidFill>
-            <a:prstDash val="solid"/>
-          </a:ln>
-        </p:spPr>
-      </p:sp>
-      <p:sp>
-        <p:nvSpPr>
-          <p:cNvPr id="3" name=" 2"/>
-          <p:cNvSpPr txBox="1">
-            <a:spLocks noGrp="1"/>
-          </p:cNvSpPr>
-          <p:nvPr>
-            <p:ph type="body" sz="quarter" idx="1"/>
-          </p:nvPr>
-        </p:nvSpPr>
-        <p:spPr/>
-        <p:txBody>
-          <a:bodyPr/>
-          <a:lstStyle/>
-          <a:p>
-            <a:endParaRPr lang="en-GB"/>
-          </a:p>
-        </p:txBody>
-      </p:sp>
-    </p:spTree>
-    <p:extLst>
-      <p:ext uri="{BB962C8B-B14F-4D97-AF65-F5344CB8AC3E}">
-        <p14:creationId xmlns:p14="http://schemas.microsoft.com/office/powerpoint/2010/main" val="1410317536"/>
       </p:ext>
     </p:extLst>
   </p:cSld>
@@ -859,7 +642,7 @@
           <a:p>
             <a:pPr lvl="0"/>
             <a:fld id="{0EC48DF0-F3ED-4D6D-9A17-3F10BD05F2E6}" type="slidenum">
-              <a:t>12</a:t>
+              <a:t>15</a:t>
             </a:fld>
             <a:endParaRPr lang="en-GB"/>
           </a:p>
@@ -942,7 +725,7 @@
       </p:grpSpPr>
       <p:sp>
         <p:nvSpPr>
-          <p:cNvPr id="7" name="Slide Number Placeholder 6"/>
+          <p:cNvPr id="7" name=" 6"/>
           <p:cNvSpPr txBox="1">
             <a:spLocks noGrp="1"/>
           </p:cNvSpPr>
@@ -960,8 +743,8 @@
           <a:lstStyle/>
           <a:p>
             <a:pPr lvl="0"/>
-            <a:fld id="{EE3E2F50-2D65-4CEE-8535-AC20A246D68F}" type="slidenum">
-              <a:t>13</a:t>
+            <a:fld id="{DDC9E417-7D99-40E6-93CF-40159C6409E5}" type="slidenum">
+              <a:t>19</a:t>
             </a:fld>
             <a:endParaRPr lang="en-GB"/>
           </a:p>
@@ -983,11 +766,13 @@
             <a:ext cx="7123112" cy="4008438"/>
           </a:xfrm>
           <a:solidFill>
-            <a:srgbClr val="99CCFF"/>
+            <a:schemeClr val="accent1"/>
           </a:solidFill>
           <a:ln w="25400">
             <a:solidFill>
-              <a:srgbClr val="000000"/>
+              <a:schemeClr val="accent1">
+                <a:shade val="50000"/>
+              </a:schemeClr>
             </a:solidFill>
             <a:prstDash val="solid"/>
           </a:ln>
@@ -995,7 +780,7 @@
       </p:sp>
       <p:sp>
         <p:nvSpPr>
-          <p:cNvPr id="3" name="Notes Placeholder 2"/>
+          <p:cNvPr id="3" name=" 2"/>
           <p:cNvSpPr txBox="1">
             <a:spLocks noGrp="1"/>
           </p:cNvSpPr>
@@ -1005,7 +790,9 @@
         </p:nvSpPr>
         <p:spPr/>
         <p:txBody>
-          <a:bodyPr/>
+          <a:bodyPr>
+            <a:spAutoFit/>
+          </a:bodyPr>
           <a:lstStyle/>
           <a:p>
             <a:endParaRPr lang="en-GB"/>
@@ -1015,7 +802,7 @@
     </p:spTree>
     <p:extLst>
       <p:ext uri="{BB962C8B-B14F-4D97-AF65-F5344CB8AC3E}">
-        <p14:creationId xmlns:p14="http://schemas.microsoft.com/office/powerpoint/2010/main" val="1605426582"/>
+        <p14:creationId xmlns:p14="http://schemas.microsoft.com/office/powerpoint/2010/main" val="892068472"/>
       </p:ext>
     </p:extLst>
   </p:cSld>
@@ -1044,7 +831,7 @@
       </p:grpSpPr>
       <p:sp>
         <p:nvSpPr>
-          <p:cNvPr id="7" name="Slide Number Placeholder 6"/>
+          <p:cNvPr id="7" name=" 6"/>
           <p:cNvSpPr txBox="1">
             <a:spLocks noGrp="1"/>
           </p:cNvSpPr>
@@ -1062,8 +849,8 @@
           <a:lstStyle/>
           <a:p>
             <a:pPr lvl="0"/>
-            <a:fld id="{A5EE37F4-EE2F-49A8-8DAC-A358D9E4DAB8}" type="slidenum">
-              <a:t>14</a:t>
+            <a:fld id="{913CF9F0-0137-498F-83FB-9E925AC6D187}" type="slidenum">
+              <a:t>20</a:t>
             </a:fld>
             <a:endParaRPr lang="en-GB"/>
           </a:p>
@@ -1085,11 +872,13 @@
             <a:ext cx="7123112" cy="4008438"/>
           </a:xfrm>
           <a:solidFill>
-            <a:srgbClr val="99CCFF"/>
+            <a:schemeClr val="accent1"/>
           </a:solidFill>
           <a:ln w="25400">
             <a:solidFill>
-              <a:srgbClr val="000000"/>
+              <a:schemeClr val="accent1">
+                <a:shade val="50000"/>
+              </a:schemeClr>
             </a:solidFill>
             <a:prstDash val="solid"/>
           </a:ln>
@@ -1097,7 +886,7 @@
       </p:sp>
       <p:sp>
         <p:nvSpPr>
-          <p:cNvPr id="3" name="Notes Placeholder 2"/>
+          <p:cNvPr id="3" name=" 2"/>
           <p:cNvSpPr txBox="1">
             <a:spLocks noGrp="1"/>
           </p:cNvSpPr>
@@ -1117,7 +906,7 @@
     </p:spTree>
     <p:extLst>
       <p:ext uri="{BB962C8B-B14F-4D97-AF65-F5344CB8AC3E}">
-        <p14:creationId xmlns:p14="http://schemas.microsoft.com/office/powerpoint/2010/main" val="2202155235"/>
+        <p14:creationId xmlns:p14="http://schemas.microsoft.com/office/powerpoint/2010/main" val="110207513"/>
       </p:ext>
     </p:extLst>
   </p:cSld>
@@ -1146,7 +935,7 @@
       </p:grpSpPr>
       <p:sp>
         <p:nvSpPr>
-          <p:cNvPr id="7" name="Slide Number Placeholder 6"/>
+          <p:cNvPr id="7" name=" 6"/>
           <p:cNvSpPr txBox="1">
             <a:spLocks noGrp="1"/>
           </p:cNvSpPr>
@@ -1164,212 +953,8 @@
           <a:lstStyle/>
           <a:p>
             <a:pPr lvl="0"/>
-            <a:fld id="{6A528E47-79DA-4A44-AEE2-F505292B9269}" type="slidenum">
-              <a:t>15</a:t>
-            </a:fld>
-            <a:endParaRPr lang="en-GB"/>
-          </a:p>
-        </p:txBody>
-      </p:sp>
-      <p:sp>
-        <p:nvSpPr>
-          <p:cNvPr id="2" name="Slide Image Placeholder 1"/>
-          <p:cNvSpPr>
-            <a:spLocks noGrp="1" noRot="1" noChangeAspect="1" noResize="1"/>
-          </p:cNvSpPr>
-          <p:nvPr>
-            <p:ph type="sldImg"/>
-          </p:nvPr>
-        </p:nvSpPr>
-        <p:spPr>
-          <a:xfrm>
-            <a:off x="217488" y="812800"/>
-            <a:ext cx="7123112" cy="4008438"/>
-          </a:xfrm>
-          <a:solidFill>
-            <a:srgbClr val="99CCFF"/>
-          </a:solidFill>
-          <a:ln w="25400">
-            <a:solidFill>
-              <a:srgbClr val="000000"/>
-            </a:solidFill>
-            <a:prstDash val="solid"/>
-          </a:ln>
-        </p:spPr>
-      </p:sp>
-      <p:sp>
-        <p:nvSpPr>
-          <p:cNvPr id="3" name="Notes Placeholder 2"/>
-          <p:cNvSpPr txBox="1">
-            <a:spLocks noGrp="1"/>
-          </p:cNvSpPr>
-          <p:nvPr>
-            <p:ph type="body" sz="quarter" idx="1"/>
-          </p:nvPr>
-        </p:nvSpPr>
-        <p:spPr/>
-        <p:txBody>
-          <a:bodyPr/>
-          <a:lstStyle/>
-          <a:p>
-            <a:endParaRPr lang="en-GB"/>
-          </a:p>
-        </p:txBody>
-      </p:sp>
-    </p:spTree>
-    <p:extLst>
-      <p:ext uri="{BB962C8B-B14F-4D97-AF65-F5344CB8AC3E}">
-        <p14:creationId xmlns:p14="http://schemas.microsoft.com/office/powerpoint/2010/main" val="1408295585"/>
-      </p:ext>
-    </p:extLst>
-  </p:cSld>
-  <p:clrMapOvr>
-    <a:masterClrMapping/>
-  </p:clrMapOvr>
-</p:notes>
-</file>
-
-<file path=ppt/notesSlides/notesSlide6.xml><?xml version="1.0" encoding="utf-8"?>
-<p:notes xmlns:a="http://schemas.openxmlformats.org/drawingml/2006/main" xmlns:r="http://schemas.openxmlformats.org/officeDocument/2006/relationships" xmlns:p="http://schemas.openxmlformats.org/presentationml/2006/main">
-  <p:cSld>
-    <p:spTree>
-      <p:nvGrpSpPr>
-        <p:cNvPr id="1" name=""/>
-        <p:cNvGrpSpPr/>
-        <p:nvPr/>
-      </p:nvGrpSpPr>
-      <p:grpSpPr>
-        <a:xfrm>
-          <a:off x="0" y="0"/>
-          <a:ext cx="0" cy="0"/>
-          <a:chOff x="0" y="0"/>
-          <a:chExt cx="0" cy="0"/>
-        </a:xfrm>
-      </p:grpSpPr>
-      <p:sp>
-        <p:nvSpPr>
-          <p:cNvPr id="7" name="Slide Number Placeholder 6"/>
-          <p:cNvSpPr txBox="1">
-            <a:spLocks noGrp="1"/>
-          </p:cNvSpPr>
-          <p:nvPr>
-            <p:ph type="sldNum" sz="quarter" idx="5"/>
-          </p:nvPr>
-        </p:nvSpPr>
-        <p:spPr>
-          <a:ln/>
-        </p:spPr>
-        <p:txBody>
-          <a:bodyPr lIns="0" tIns="0" rIns="0" bIns="0" anchor="b" anchorCtr="0">
-            <a:noAutofit/>
-          </a:bodyPr>
-          <a:lstStyle/>
-          <a:p>
-            <a:pPr lvl="0"/>
-            <a:fld id="{37692519-18D1-49A2-9087-47B3F851084B}" type="slidenum">
-              <a:t>16</a:t>
-            </a:fld>
-            <a:endParaRPr lang="en-GB"/>
-          </a:p>
-        </p:txBody>
-      </p:sp>
-      <p:sp>
-        <p:nvSpPr>
-          <p:cNvPr id="2" name="Slide Image Placeholder 1"/>
-          <p:cNvSpPr>
-            <a:spLocks noGrp="1" noRot="1" noChangeAspect="1" noResize="1"/>
-          </p:cNvSpPr>
-          <p:nvPr>
-            <p:ph type="sldImg"/>
-          </p:nvPr>
-        </p:nvSpPr>
-        <p:spPr>
-          <a:xfrm>
-            <a:off x="217488" y="812800"/>
-            <a:ext cx="7123112" cy="4008438"/>
-          </a:xfrm>
-          <a:solidFill>
-            <a:srgbClr val="99CCFF"/>
-          </a:solidFill>
-          <a:ln w="25400">
-            <a:solidFill>
-              <a:srgbClr val="000000"/>
-            </a:solidFill>
-            <a:prstDash val="solid"/>
-          </a:ln>
-        </p:spPr>
-      </p:sp>
-      <p:sp>
-        <p:nvSpPr>
-          <p:cNvPr id="3" name="Notes Placeholder 2"/>
-          <p:cNvSpPr txBox="1">
-            <a:spLocks noGrp="1"/>
-          </p:cNvSpPr>
-          <p:nvPr>
-            <p:ph type="body" sz="quarter" idx="1"/>
-          </p:nvPr>
-        </p:nvSpPr>
-        <p:spPr/>
-        <p:txBody>
-          <a:bodyPr/>
-          <a:lstStyle/>
-          <a:p>
-            <a:endParaRPr lang="en-GB"/>
-          </a:p>
-        </p:txBody>
-      </p:sp>
-    </p:spTree>
-    <p:extLst>
-      <p:ext uri="{BB962C8B-B14F-4D97-AF65-F5344CB8AC3E}">
-        <p14:creationId xmlns:p14="http://schemas.microsoft.com/office/powerpoint/2010/main" val="3046303454"/>
-      </p:ext>
-    </p:extLst>
-  </p:cSld>
-  <p:clrMapOvr>
-    <a:masterClrMapping/>
-  </p:clrMapOvr>
-</p:notes>
-</file>
-
-<file path=ppt/notesSlides/notesSlide7.xml><?xml version="1.0" encoding="utf-8"?>
-<p:notes xmlns:a="http://schemas.openxmlformats.org/drawingml/2006/main" xmlns:r="http://schemas.openxmlformats.org/officeDocument/2006/relationships" xmlns:p="http://schemas.openxmlformats.org/presentationml/2006/main">
-  <p:cSld>
-    <p:spTree>
-      <p:nvGrpSpPr>
-        <p:cNvPr id="1" name=""/>
-        <p:cNvGrpSpPr/>
-        <p:nvPr/>
-      </p:nvGrpSpPr>
-      <p:grpSpPr>
-        <a:xfrm>
-          <a:off x="0" y="0"/>
-          <a:ext cx="0" cy="0"/>
-          <a:chOff x="0" y="0"/>
-          <a:chExt cx="0" cy="0"/>
-        </a:xfrm>
-      </p:grpSpPr>
-      <p:sp>
-        <p:nvSpPr>
-          <p:cNvPr id="7" name=" 6"/>
-          <p:cNvSpPr txBox="1">
-            <a:spLocks noGrp="1"/>
-          </p:cNvSpPr>
-          <p:nvPr>
-            <p:ph type="sldNum" sz="quarter" idx="5"/>
-          </p:nvPr>
-        </p:nvSpPr>
-        <p:spPr>
-          <a:ln/>
-        </p:spPr>
-        <p:txBody>
-          <a:bodyPr lIns="0" tIns="0" rIns="0" bIns="0" anchor="b" anchorCtr="0">
-            <a:noAutofit/>
-          </a:bodyPr>
-          <a:lstStyle/>
-          <a:p>
-            <a:pPr lvl="0"/>
-            <a:fld id="{DDC9E417-7D99-40E6-93CF-40159C6409E5}" type="slidenum">
-              <a:t>27</a:t>
+            <a:fld id="{6DD5F923-8CF0-409D-990C-17665D35C858}" type="slidenum">
+              <a:t>21</a:t>
             </a:fld>
             <a:endParaRPr lang="en-GB"/>
           </a:p>
@@ -1415,9 +1000,7 @@
         </p:nvSpPr>
         <p:spPr/>
         <p:txBody>
-          <a:bodyPr>
-            <a:spAutoFit/>
-          </a:bodyPr>
+          <a:bodyPr/>
           <a:lstStyle/>
           <a:p>
             <a:endParaRPr lang="en-GB"/>
@@ -1427,215 +1010,7 @@
     </p:spTree>
     <p:extLst>
       <p:ext uri="{BB962C8B-B14F-4D97-AF65-F5344CB8AC3E}">
-        <p14:creationId xmlns:p14="http://schemas.microsoft.com/office/powerpoint/2010/main" val="892068472"/>
-      </p:ext>
-    </p:extLst>
-  </p:cSld>
-  <p:clrMapOvr>
-    <a:masterClrMapping/>
-  </p:clrMapOvr>
-</p:notes>
-</file>
-
-<file path=ppt/notesSlides/notesSlide8.xml><?xml version="1.0" encoding="utf-8"?>
-<p:notes xmlns:a="http://schemas.openxmlformats.org/drawingml/2006/main" xmlns:r="http://schemas.openxmlformats.org/officeDocument/2006/relationships" xmlns:p="http://schemas.openxmlformats.org/presentationml/2006/main">
-  <p:cSld>
-    <p:spTree>
-      <p:nvGrpSpPr>
-        <p:cNvPr id="1" name=""/>
-        <p:cNvGrpSpPr/>
-        <p:nvPr/>
-      </p:nvGrpSpPr>
-      <p:grpSpPr>
-        <a:xfrm>
-          <a:off x="0" y="0"/>
-          <a:ext cx="0" cy="0"/>
-          <a:chOff x="0" y="0"/>
-          <a:chExt cx="0" cy="0"/>
-        </a:xfrm>
-      </p:grpSpPr>
-      <p:sp>
-        <p:nvSpPr>
-          <p:cNvPr id="7" name=" 6"/>
-          <p:cNvSpPr txBox="1">
-            <a:spLocks noGrp="1"/>
-          </p:cNvSpPr>
-          <p:nvPr>
-            <p:ph type="sldNum" sz="quarter" idx="5"/>
-          </p:nvPr>
-        </p:nvSpPr>
-        <p:spPr>
-          <a:ln/>
-        </p:spPr>
-        <p:txBody>
-          <a:bodyPr lIns="0" tIns="0" rIns="0" bIns="0" anchor="b" anchorCtr="0">
-            <a:noAutofit/>
-          </a:bodyPr>
-          <a:lstStyle/>
-          <a:p>
-            <a:pPr lvl="0"/>
-            <a:fld id="{913CF9F0-0137-498F-83FB-9E925AC6D187}" type="slidenum">
-              <a:t>28</a:t>
-            </a:fld>
-            <a:endParaRPr lang="en-GB"/>
-          </a:p>
-        </p:txBody>
-      </p:sp>
-      <p:sp>
-        <p:nvSpPr>
-          <p:cNvPr id="2" name="Slide Image Placeholder 1"/>
-          <p:cNvSpPr>
-            <a:spLocks noGrp="1" noRot="1" noChangeAspect="1" noResize="1"/>
-          </p:cNvSpPr>
-          <p:nvPr>
-            <p:ph type="sldImg"/>
-          </p:nvPr>
-        </p:nvSpPr>
-        <p:spPr>
-          <a:xfrm>
-            <a:off x="217488" y="812800"/>
-            <a:ext cx="7123112" cy="4008438"/>
-          </a:xfrm>
-          <a:solidFill>
-            <a:schemeClr val="accent1"/>
-          </a:solidFill>
-          <a:ln w="25400">
-            <a:solidFill>
-              <a:schemeClr val="accent1">
-                <a:shade val="50000"/>
-              </a:schemeClr>
-            </a:solidFill>
-            <a:prstDash val="solid"/>
-          </a:ln>
-        </p:spPr>
-      </p:sp>
-      <p:sp>
-        <p:nvSpPr>
-          <p:cNvPr id="3" name=" 2"/>
-          <p:cNvSpPr txBox="1">
-            <a:spLocks noGrp="1"/>
-          </p:cNvSpPr>
-          <p:nvPr>
-            <p:ph type="body" sz="quarter" idx="1"/>
-          </p:nvPr>
-        </p:nvSpPr>
-        <p:spPr/>
-        <p:txBody>
-          <a:bodyPr/>
-          <a:lstStyle/>
-          <a:p>
-            <a:endParaRPr lang="en-GB"/>
-          </a:p>
-        </p:txBody>
-      </p:sp>
-    </p:spTree>
-    <p:extLst>
-      <p:ext uri="{BB962C8B-B14F-4D97-AF65-F5344CB8AC3E}">
-        <p14:creationId xmlns:p14="http://schemas.microsoft.com/office/powerpoint/2010/main" val="110207513"/>
-      </p:ext>
-    </p:extLst>
-  </p:cSld>
-  <p:clrMapOvr>
-    <a:masterClrMapping/>
-  </p:clrMapOvr>
-</p:notes>
-</file>
-
-<file path=ppt/notesSlides/notesSlide9.xml><?xml version="1.0" encoding="utf-8"?>
-<p:notes xmlns:a="http://schemas.openxmlformats.org/drawingml/2006/main" xmlns:r="http://schemas.openxmlformats.org/officeDocument/2006/relationships" xmlns:p="http://schemas.openxmlformats.org/presentationml/2006/main">
-  <p:cSld>
-    <p:spTree>
-      <p:nvGrpSpPr>
-        <p:cNvPr id="1" name=""/>
-        <p:cNvGrpSpPr/>
-        <p:nvPr/>
-      </p:nvGrpSpPr>
-      <p:grpSpPr>
-        <a:xfrm>
-          <a:off x="0" y="0"/>
-          <a:ext cx="0" cy="0"/>
-          <a:chOff x="0" y="0"/>
-          <a:chExt cx="0" cy="0"/>
-        </a:xfrm>
-      </p:grpSpPr>
-      <p:sp>
-        <p:nvSpPr>
-          <p:cNvPr id="7" name=" 6"/>
-          <p:cNvSpPr txBox="1">
-            <a:spLocks noGrp="1"/>
-          </p:cNvSpPr>
-          <p:nvPr>
-            <p:ph type="sldNum" sz="quarter" idx="5"/>
-          </p:nvPr>
-        </p:nvSpPr>
-        <p:spPr>
-          <a:ln/>
-        </p:spPr>
-        <p:txBody>
-          <a:bodyPr lIns="0" tIns="0" rIns="0" bIns="0" anchor="b" anchorCtr="0">
-            <a:noAutofit/>
-          </a:bodyPr>
-          <a:lstStyle/>
-          <a:p>
-            <a:pPr lvl="0"/>
-            <a:fld id="{C7824BA0-D50C-4D09-AC63-C3184AE449DA}" type="slidenum">
-              <a:t>29</a:t>
-            </a:fld>
-            <a:endParaRPr lang="en-GB"/>
-          </a:p>
-        </p:txBody>
-      </p:sp>
-      <p:sp>
-        <p:nvSpPr>
-          <p:cNvPr id="2" name="Slide Image Placeholder 1"/>
-          <p:cNvSpPr>
-            <a:spLocks noGrp="1" noRot="1" noChangeAspect="1" noResize="1"/>
-          </p:cNvSpPr>
-          <p:nvPr>
-            <p:ph type="sldImg"/>
-          </p:nvPr>
-        </p:nvSpPr>
-        <p:spPr>
-          <a:xfrm>
-            <a:off x="217488" y="812800"/>
-            <a:ext cx="7123112" cy="4008438"/>
-          </a:xfrm>
-          <a:solidFill>
-            <a:schemeClr val="accent1"/>
-          </a:solidFill>
-          <a:ln w="25400">
-            <a:solidFill>
-              <a:schemeClr val="accent1">
-                <a:shade val="50000"/>
-              </a:schemeClr>
-            </a:solidFill>
-            <a:prstDash val="solid"/>
-          </a:ln>
-        </p:spPr>
-      </p:sp>
-      <p:sp>
-        <p:nvSpPr>
-          <p:cNvPr id="3" name=" 2"/>
-          <p:cNvSpPr txBox="1">
-            <a:spLocks noGrp="1"/>
-          </p:cNvSpPr>
-          <p:nvPr>
-            <p:ph type="body" sz="quarter" idx="1"/>
-          </p:nvPr>
-        </p:nvSpPr>
-        <p:spPr/>
-        <p:txBody>
-          <a:bodyPr/>
-          <a:lstStyle/>
-          <a:p>
-            <a:endParaRPr lang="en-GB"/>
-          </a:p>
-        </p:txBody>
-      </p:sp>
-    </p:spTree>
-    <p:extLst>
-      <p:ext uri="{BB962C8B-B14F-4D97-AF65-F5344CB8AC3E}">
-        <p14:creationId xmlns:p14="http://schemas.microsoft.com/office/powerpoint/2010/main" val="3379221998"/>
+        <p14:creationId xmlns:p14="http://schemas.microsoft.com/office/powerpoint/2010/main" val="679268391"/>
       </p:ext>
     </p:extLst>
   </p:cSld>
@@ -1871,7 +1246,7 @@
           <a:p>
             <a:fld id="{4BDF68E2-58F2-4D09-BE8B-E3BD06533059}" type="datetimeFigureOut">
               <a:rPr lang="en-US" dirty="0"/>
-              <a:t>12/4/2014</a:t>
+              <a:t>4/19/2015</a:t>
             </a:fld>
             <a:endParaRPr lang="en-US" dirty="0"/>
           </a:p>
@@ -1962,6 +1337,13 @@
   <p:clrMapOvr>
     <a:masterClrMapping/>
   </p:clrMapOvr>
+  <p:timing>
+    <p:tnLst>
+      <p:par>
+        <p:cTn id="1" dur="indefinite" restart="never" nodeType="tmRoot"/>
+      </p:par>
+    </p:tnLst>
+  </p:timing>
 </p:sldLayout>
 </file>
 
@@ -2074,7 +1456,7 @@
           <a:p>
             <a:fld id="{2E2D6473-DF6D-4702-B328-E0DD40540A4E}" type="datetimeFigureOut">
               <a:rPr lang="en-US" dirty="0"/>
-              <a:t>12/4/2014</a:t>
+              <a:t>4/19/2015</a:t>
             </a:fld>
             <a:endParaRPr lang="en-US" dirty="0"/>
           </a:p>
@@ -2325,7 +1707,7 @@
           <a:p>
             <a:fld id="{E26F7E3A-B166-407D-9866-32884E7D5B37}" type="datetimeFigureOut">
               <a:rPr lang="en-US" dirty="0"/>
-              <a:t>12/4/2014</a:t>
+              <a:t>4/19/2015</a:t>
             </a:fld>
             <a:endParaRPr lang="en-US" dirty="0"/>
           </a:p>
@@ -2561,7 +1943,7 @@
           <a:p>
             <a:fld id="{D728701E-CAF4-4159-9B3E-41C86DFFA30D}" type="datetimeFigureOut">
               <a:rPr lang="en-US" smtClean="0"/>
-              <a:t>12/4/2014</a:t>
+              <a:t>4/19/2015</a:t>
             </a:fld>
             <a:endParaRPr lang="en-US"/>
           </a:p>
@@ -2924,7 +2306,7 @@
           <a:p>
             <a:fld id="{D728701E-CAF4-4159-9B3E-41C86DFFA30D}" type="datetimeFigureOut">
               <a:rPr lang="en-US" smtClean="0"/>
-              <a:t>12/4/2014</a:t>
+              <a:t>4/19/2015</a:t>
             </a:fld>
             <a:endParaRPr lang="en-US"/>
           </a:p>
@@ -3320,7 +2702,7 @@
           <a:p>
             <a:fld id="{D728701E-CAF4-4159-9B3E-41C86DFFA30D}" type="datetimeFigureOut">
               <a:rPr lang="en-US" smtClean="0"/>
-              <a:t>12/4/2014</a:t>
+              <a:t>4/19/2015</a:t>
             </a:fld>
             <a:endParaRPr lang="en-US"/>
           </a:p>
@@ -3809,7 +3191,7 @@
                 </a:solidFill>
               </a:rPr>
               <a:pPr/>
-              <a:t>04/12/2014</a:t>
+              <a:t>19/04/2015</a:t>
             </a:fld>
             <a:endParaRPr lang="en-GB">
               <a:solidFill>
@@ -4011,7 +3393,7 @@
                 </a:solidFill>
               </a:rPr>
               <a:pPr/>
-              <a:t>04/12/2014</a:t>
+              <a:t>19/04/2015</a:t>
             </a:fld>
             <a:endParaRPr lang="en-GB">
               <a:solidFill>
@@ -4289,7 +3671,7 @@
                 </a:solidFill>
               </a:rPr>
               <a:pPr/>
-              <a:t>04/12/2014</a:t>
+              <a:t>19/04/2015</a:t>
             </a:fld>
             <a:endParaRPr lang="en-GB">
               <a:solidFill>
@@ -4609,7 +3991,7 @@
                 </a:solidFill>
               </a:rPr>
               <a:pPr/>
-              <a:t>04/12/2014</a:t>
+              <a:t>19/04/2015</a:t>
             </a:fld>
             <a:endParaRPr lang="en-GB">
               <a:solidFill>
@@ -5063,7 +4445,7 @@
                 </a:solidFill>
               </a:rPr>
               <a:pPr/>
-              <a:t>04/12/2014</a:t>
+              <a:t>19/04/2015</a:t>
             </a:fld>
             <a:endParaRPr lang="en-GB">
               <a:solidFill>
@@ -5178,67 +4560,103 @@
         </p:nvSpPr>
         <p:spPr/>
         <p:txBody>
+          <a:bodyPr>
+            <a:normAutofit/>
+          </a:bodyPr>
+          <a:lstStyle>
+            <a:lvl1pPr marL="0">
+              <a:defRPr sz="4800">
+                <a:latin typeface="Open Sans" pitchFamily="34" charset="0"/>
+                <a:ea typeface="Open Sans" pitchFamily="34" charset="0"/>
+                <a:cs typeface="Open Sans" pitchFamily="34" charset="0"/>
+              </a:defRPr>
+            </a:lvl1pPr>
+          </a:lstStyle>
+          <a:p>
+            <a:r>
+              <a:rPr lang="en-US" dirty="0" smtClean="0"/>
+              <a:t>Click </a:t>
+            </a:r>
+            <a:r>
+              <a:rPr lang="en-US" dirty="0" smtClean="0"/>
+              <a:t>to </a:t>
+            </a:r>
+            <a:r>
+              <a:rPr lang="en-US" dirty="0" smtClean="0"/>
+              <a:t>edit Master title style</a:t>
+            </a:r>
+            <a:endParaRPr lang="en-US" dirty="0"/>
+          </a:p>
+        </p:txBody>
+      </p:sp>
+      <p:sp>
+        <p:nvSpPr>
+          <p:cNvPr id="3" name="Content Placeholder 2"/>
+          <p:cNvSpPr>
+            <a:spLocks noGrp="1"/>
+          </p:cNvSpPr>
+          <p:nvPr>
+            <p:ph idx="1"/>
+          </p:nvPr>
+        </p:nvSpPr>
+        <p:spPr/>
+        <p:txBody>
           <a:bodyPr/>
           <a:lstStyle>
-            <a:lvl1pPr marL="0">
-              <a:defRPr/>
-            </a:lvl1pPr>
+            <a:lvl2pPr marL="384048" indent="-182880">
+              <a:buFont typeface="Arial" pitchFamily="34" charset="0"/>
+              <a:buChar char="•"/>
+              <a:defRPr sz="2400">
+                <a:latin typeface="Open Sans" pitchFamily="34" charset="0"/>
+                <a:ea typeface="Open Sans" pitchFamily="34" charset="0"/>
+                <a:cs typeface="Open Sans" pitchFamily="34" charset="0"/>
+              </a:defRPr>
+            </a:lvl2pPr>
+            <a:lvl3pPr marL="384048" indent="0">
+              <a:buNone/>
+              <a:defRPr sz="2200"/>
+            </a:lvl3pPr>
+            <a:lvl4pPr>
+              <a:defRPr sz="2000"/>
+            </a:lvl4pPr>
           </a:lstStyle>
           <a:p>
-            <a:r>
-              <a:rPr lang="en-US" smtClean="0"/>
-              <a:t>Click to edit Master title style</a:t>
-            </a:r>
-            <a:endParaRPr lang="en-US" dirty="0"/>
-          </a:p>
-        </p:txBody>
-      </p:sp>
-      <p:sp>
-        <p:nvSpPr>
-          <p:cNvPr id="3" name="Content Placeholder 2"/>
-          <p:cNvSpPr>
-            <a:spLocks noGrp="1"/>
-          </p:cNvSpPr>
-          <p:nvPr>
-            <p:ph idx="1"/>
-          </p:nvPr>
-        </p:nvSpPr>
-        <p:spPr/>
-        <p:txBody>
-          <a:bodyPr/>
-          <a:lstStyle/>
-          <a:p>
             <a:pPr lvl="0"/>
             <a:r>
-              <a:rPr lang="en-US" smtClean="0"/>
+              <a:rPr lang="en-US" dirty="0" smtClean="0"/>
               <a:t>Click to edit Master text styles</a:t>
             </a:r>
           </a:p>
           <a:p>
             <a:pPr lvl="1"/>
             <a:r>
-              <a:rPr lang="en-US" smtClean="0"/>
+              <a:rPr lang="en-US" dirty="0" smtClean="0"/>
               <a:t>Second level</a:t>
             </a:r>
           </a:p>
           <a:p>
             <a:pPr lvl="2"/>
             <a:r>
-              <a:rPr lang="en-US" smtClean="0"/>
-              <a:t>Third level</a:t>
-            </a:r>
+              <a:rPr lang="en-US" dirty="0" smtClean="0"/>
+              <a:t>Third </a:t>
+            </a:r>
+            <a:r>
+              <a:rPr lang="en-US" dirty="0" smtClean="0"/>
+              <a:t>level</a:t>
+            </a:r>
+            <a:endParaRPr lang="en-US" dirty="0" smtClean="0"/>
           </a:p>
           <a:p>
             <a:pPr lvl="3"/>
             <a:r>
-              <a:rPr lang="en-US" smtClean="0"/>
+              <a:rPr lang="en-US" dirty="0" smtClean="0"/>
               <a:t>Fourth level</a:t>
             </a:r>
           </a:p>
           <a:p>
             <a:pPr lvl="4"/>
             <a:r>
-              <a:rPr lang="en-US" smtClean="0"/>
+              <a:rPr lang="en-US" dirty="0" smtClean="0"/>
               <a:t>Fifth level</a:t>
             </a:r>
             <a:endParaRPr lang="en-US" dirty="0"/>
@@ -5262,7 +4680,7 @@
           <a:p>
             <a:fld id="{528FC5F6-F338-4AE4-BB23-26385BCFC423}" type="datetimeFigureOut">
               <a:rPr lang="en-US" dirty="0"/>
-              <a:t>12/4/2014</a:t>
+              <a:t>4/19/2015</a:t>
             </a:fld>
             <a:endParaRPr lang="en-US" dirty="0"/>
           </a:p>
@@ -5315,6 +4733,13 @@
   <p:clrMapOvr>
     <a:masterClrMapping/>
   </p:clrMapOvr>
+  <p:timing>
+    <p:tnLst>
+      <p:par>
+        <p:cTn id="1" dur="indefinite" restart="never" nodeType="tmRoot"/>
+      </p:par>
+    </p:tnLst>
+  </p:timing>
 </p:sldLayout>
 </file>
 
@@ -5382,7 +4807,7 @@
                 </a:solidFill>
               </a:rPr>
               <a:pPr/>
-              <a:t>04/12/2014</a:t>
+              <a:t>19/04/2015</a:t>
             </a:fld>
             <a:endParaRPr lang="en-GB">
               <a:solidFill>
@@ -5509,7 +4934,7 @@
                 </a:solidFill>
               </a:rPr>
               <a:pPr/>
-              <a:t>04/12/2014</a:t>
+              <a:t>19/04/2015</a:t>
             </a:fld>
             <a:endParaRPr lang="en-GB">
               <a:solidFill>
@@ -5818,7 +5243,7 @@
                 </a:solidFill>
               </a:rPr>
               <a:pPr/>
-              <a:t>04/12/2014</a:t>
+              <a:t>19/04/2015</a:t>
             </a:fld>
             <a:endParaRPr lang="en-GB">
               <a:solidFill>
@@ -6103,7 +5528,7 @@
                 </a:solidFill>
               </a:rPr>
               <a:pPr/>
-              <a:t>04/12/2014</a:t>
+              <a:t>19/04/2015</a:t>
             </a:fld>
             <a:endParaRPr lang="en-GB">
               <a:solidFill>
@@ -6305,7 +5730,7 @@
                 </a:solidFill>
               </a:rPr>
               <a:pPr/>
-              <a:t>04/12/2014</a:t>
+              <a:t>19/04/2015</a:t>
             </a:fld>
             <a:endParaRPr lang="en-GB">
               <a:solidFill>
@@ -6517,7 +5942,7 @@
                 </a:solidFill>
               </a:rPr>
               <a:pPr/>
-              <a:t>04/12/2014</a:t>
+              <a:t>19/04/2015</a:t>
             </a:fld>
             <a:endParaRPr lang="en-GB">
               <a:solidFill>
@@ -6885,7 +6310,7 @@
           <a:p>
             <a:fld id="{20EBB0C4-6273-4C6E-B9BD-2EDC30F1CD52}" type="datetimeFigureOut">
               <a:rPr lang="en-US" dirty="0"/>
-              <a:t>12/4/2014</a:t>
+              <a:t>4/19/2015</a:t>
             </a:fld>
             <a:endParaRPr lang="en-US" dirty="0"/>
           </a:p>
@@ -7155,7 +6580,7 @@
           <a:p>
             <a:fld id="{19AB4D41-86C1-4908-B66A-0B50CEB3BF29}" type="datetimeFigureOut">
               <a:rPr lang="en-US" dirty="0"/>
-              <a:t>12/4/2014</a:t>
+              <a:t>4/19/2015</a:t>
             </a:fld>
             <a:endParaRPr lang="en-US" dirty="0"/>
           </a:p>
@@ -7529,7 +6954,7 @@
           <a:p>
             <a:fld id="{E6426E2C-56C1-4E0D-A793-0088A7FDD37E}" type="datetimeFigureOut">
               <a:rPr lang="en-US" dirty="0"/>
-              <a:t>12/4/2014</a:t>
+              <a:t>4/19/2015</a:t>
             </a:fld>
             <a:endParaRPr lang="en-US" dirty="0"/>
           </a:p>
@@ -7642,7 +7067,7 @@
           <a:p>
             <a:fld id="{C8C39B41-D8B5-4052-B551-9B5525EAA8B6}" type="datetimeFigureOut">
               <a:rPr lang="en-US" dirty="0"/>
-              <a:t>12/4/2014</a:t>
+              <a:t>4/19/2015</a:t>
             </a:fld>
             <a:endParaRPr lang="en-US" dirty="0"/>
           </a:p>
@@ -7808,7 +7233,7 @@
           <a:p>
             <a:fld id="{4D94136C-8742-45B2-AF27-D93DF72833A9}" type="datetimeFigureOut">
               <a:rPr lang="en-US" dirty="0"/>
-              <a:t>12/4/2014</a:t>
+              <a:t>4/19/2015</a:t>
             </a:fld>
             <a:endParaRPr lang="en-US" dirty="0"/>
           </a:p>
@@ -8158,7 +7583,7 @@
           <a:p>
             <a:fld id="{32ABBEA6-7C60-4B02-AE87-00D78D8422AF}" type="datetimeFigureOut">
               <a:rPr lang="en-US" dirty="0"/>
-              <a:t>12/4/2014</a:t>
+              <a:t>4/19/2015</a:t>
             </a:fld>
             <a:endParaRPr lang="en-US" dirty="0"/>
           </a:p>
@@ -8536,7 +7961,7 @@
           <a:p>
             <a:fld id="{C9CAD897-D46E-4AD2-BD9B-49DD3E640873}" type="datetimeFigureOut">
               <a:rPr lang="en-US" dirty="0"/>
-              <a:t>12/4/2014</a:t>
+              <a:t>4/19/2015</a:t>
             </a:fld>
             <a:endParaRPr lang="en-US" dirty="0"/>
           </a:p>
@@ -8818,7 +8243,7 @@
           <a:p>
             <a:fld id="{98624D31-43A5-475A-80CF-332C9F6DCF35}" type="datetimeFigureOut">
               <a:rPr lang="en-US" dirty="0"/>
-              <a:t>12/4/2014</a:t>
+              <a:t>4/19/2015</a:t>
             </a:fld>
             <a:endParaRPr lang="en-US" dirty="0"/>
           </a:p>
@@ -8956,6 +8381,13 @@
     <p:sldLayoutId id="2147483674" r:id="rId13"/>
     <p:sldLayoutId id="2147483675" r:id="rId14"/>
   </p:sldLayoutIdLst>
+  <p:timing>
+    <p:tnLst>
+      <p:par>
+        <p:cTn id="1" dur="indefinite" restart="never" nodeType="tmRoot"/>
+      </p:par>
+    </p:tnLst>
+  </p:timing>
   <p:hf sldNum="0" hdr="0" ftr="0" dt="0"/>
   <p:txStyles>
     <p:titleStyle>
@@ -9485,7 +8917,7 @@
                 </a:solidFill>
               </a:rPr>
               <a:pPr defTabSz="914400"/>
-              <a:t>04/12/2014</a:t>
+              <a:t>19/04/2015</a:t>
             </a:fld>
             <a:endParaRPr lang="en-GB">
               <a:solidFill>
@@ -9993,21 +9425,90 @@
           <a:lstStyle/>
           <a:p>
             <a:r>
-              <a:rPr lang="en-GB" dirty="0"/>
-              <a:t>Logged out users cannot rate or review.</a:t>
-            </a:r>
+              <a:rPr lang="en-GB" dirty="0" smtClean="0"/>
+              <a:t>Accommodation and Reviews</a:t>
+            </a:r>
+            <a:endParaRPr lang="en-GB" dirty="0"/>
+          </a:p>
+        </p:txBody>
+      </p:sp>
+      <p:sp>
+        <p:nvSpPr>
+          <p:cNvPr id="6" name="Content Placeholder 5"/>
+          <p:cNvSpPr>
+            <a:spLocks noGrp="1"/>
+          </p:cNvSpPr>
+          <p:nvPr>
+            <p:ph idx="1"/>
+          </p:nvPr>
+        </p:nvSpPr>
+        <p:spPr>
+          <a:xfrm>
+            <a:off x="1123038" y="2064675"/>
+            <a:ext cx="10058400" cy="4023360"/>
+          </a:xfrm>
+        </p:spPr>
+        <p:txBody>
+          <a:bodyPr>
+            <a:normAutofit/>
+          </a:bodyPr>
+          <a:lstStyle/>
+          <a:p>
+            <a:pPr lvl="1"/>
+            <a:r>
+              <a:rPr lang="en-GB" sz="2400" dirty="0" smtClean="0"/>
+              <a:t>Avoiding </a:t>
+            </a:r>
+            <a:r>
+              <a:rPr lang="en-GB" sz="2400" dirty="0" smtClean="0"/>
+              <a:t>spam by not letting non-registered </a:t>
+            </a:r>
+            <a:r>
+              <a:rPr lang="en-GB" sz="2400" dirty="0" smtClean="0"/>
+              <a:t>or logged out users </a:t>
+            </a:r>
+            <a:r>
+              <a:rPr lang="en-GB" sz="2400" dirty="0" smtClean="0"/>
+              <a:t>to rate/review.</a:t>
+            </a:r>
+          </a:p>
+          <a:p>
+            <a:pPr lvl="1">
+              <a:buFont typeface="Arial" panose="020B0604020202020204" pitchFamily="34" charset="0"/>
+              <a:buChar char="•"/>
+            </a:pPr>
+            <a:r>
+              <a:rPr lang="en-GB" sz="2400" dirty="0" smtClean="0"/>
+              <a:t>Reviews would be checked and filtered, to assure the maximum quality</a:t>
+            </a:r>
+            <a:r>
+              <a:rPr lang="en-GB" sz="2400" dirty="0" smtClean="0"/>
+              <a:t>.</a:t>
+            </a:r>
+          </a:p>
+          <a:p>
+            <a:pPr lvl="1">
+              <a:buFont typeface="Arial" panose="020B0604020202020204" pitchFamily="34" charset="0"/>
+              <a:buChar char="•"/>
+            </a:pPr>
+            <a:endParaRPr lang="en-GB" dirty="0"/>
+          </a:p>
+          <a:p>
+            <a:pPr lvl="1">
+              <a:buFont typeface="Arial" panose="020B0604020202020204" pitchFamily="34" charset="0"/>
+              <a:buChar char="•"/>
+            </a:pPr>
+            <a:endParaRPr lang="en-GB" sz="2400" dirty="0" smtClean="0"/>
           </a:p>
         </p:txBody>
       </p:sp>
       <p:pic>
         <p:nvPicPr>
-          <p:cNvPr id="5" name="Content Placeholder 4" descr="rate_and_review_small.jpg"/>
+          <p:cNvPr id="9" name="Content Placeholder 3"/>
           <p:cNvPicPr>
-            <a:picLocks noGrp="1" noChangeAspect="1"/>
+            <a:picLocks noChangeAspect="1"/>
           </p:cNvPicPr>
-          <p:nvPr>
-            <p:ph sz="half" idx="1"/>
-          </p:nvPr>
+          <p:nvPr/>
         </p:nvPicPr>
         <p:blipFill>
           <a:blip r:embed="rId2">
@@ -10023,537 +9524,17 @@
         </p:blipFill>
         <p:spPr>
           <a:xfrm>
-            <a:off x="3363119" y="2016125"/>
-            <a:ext cx="4695825" cy="1905000"/>
-          </a:xfrm>
-        </p:spPr>
-      </p:pic>
-      <p:sp>
-        <p:nvSpPr>
-          <p:cNvPr id="6" name="Content Placeholder 5"/>
-          <p:cNvSpPr>
-            <a:spLocks noGrp="1"/>
-          </p:cNvSpPr>
-          <p:nvPr>
-            <p:ph sz="half" idx="14"/>
-          </p:nvPr>
-        </p:nvSpPr>
-        <p:spPr/>
-        <p:txBody>
-          <a:bodyPr>
-            <a:normAutofit/>
-          </a:bodyPr>
-          <a:lstStyle/>
-          <a:p>
-            <a:pPr lvl="1">
-              <a:buFont typeface="Arial" panose="020B0604020202020204" pitchFamily="34" charset="0"/>
-              <a:buChar char="•"/>
-            </a:pPr>
-            <a:r>
-              <a:rPr lang="en-GB" sz="2400" dirty="0" smtClean="0"/>
-              <a:t>Avoiding spam by not letting non-registered users to rate/review.</a:t>
-            </a:r>
-          </a:p>
-          <a:p>
-            <a:pPr lvl="1">
-              <a:buFont typeface="Arial" panose="020B0604020202020204" pitchFamily="34" charset="0"/>
-              <a:buChar char="•"/>
-            </a:pPr>
-            <a:r>
-              <a:rPr lang="en-GB" sz="2400" dirty="0" smtClean="0"/>
-              <a:t>Reviews would be checked and filtered, to assure the maximum quality.</a:t>
-            </a:r>
-          </a:p>
-        </p:txBody>
-      </p:sp>
-    </p:spTree>
-    <p:extLst>
-      <p:ext uri="{BB962C8B-B14F-4D97-AF65-F5344CB8AC3E}">
-        <p14:creationId xmlns:p14="http://schemas.microsoft.com/office/powerpoint/2010/main" val="2825025170"/>
-      </p:ext>
-    </p:extLst>
-  </p:cSld>
-  <p:clrMapOvr>
-    <a:masterClrMapping/>
-  </p:clrMapOvr>
-  <p:transition spd="slow">
-    <p:push/>
-  </p:transition>
-  <p:timing>
-    <p:tnLst>
-      <p:par>
-        <p:cTn id="1" dur="indefinite" restart="never" nodeType="tmRoot"/>
-      </p:par>
-    </p:tnLst>
-  </p:timing>
-</p:sld>
-</file>
-
-<file path=ppt/slides/slide11.xml><?xml version="1.0" encoding="utf-8"?>
-<p:sld xmlns:a="http://schemas.openxmlformats.org/drawingml/2006/main" xmlns:r="http://schemas.openxmlformats.org/officeDocument/2006/relationships" xmlns:p="http://schemas.openxmlformats.org/presentationml/2006/main">
-  <p:cSld>
-    <p:spTree>
-      <p:nvGrpSpPr>
-        <p:cNvPr id="1" name=""/>
-        <p:cNvGrpSpPr/>
-        <p:nvPr/>
-      </p:nvGrpSpPr>
-      <p:grpSpPr>
-        <a:xfrm>
-          <a:off x="0" y="0"/>
-          <a:ext cx="0" cy="0"/>
-          <a:chOff x="0" y="0"/>
-          <a:chExt cx="0" cy="0"/>
-        </a:xfrm>
-      </p:grpSpPr>
-      <p:sp>
-        <p:nvSpPr>
-          <p:cNvPr id="2" name="Title 1"/>
-          <p:cNvSpPr txBox="1">
-            <a:spLocks noGrp="1"/>
-          </p:cNvSpPr>
-          <p:nvPr>
-            <p:ph type="title"/>
-          </p:nvPr>
-        </p:nvSpPr>
-        <p:spPr/>
-        <p:txBody>
-          <a:bodyPr>
-            <a:spAutoFit/>
-          </a:bodyPr>
-          <a:lstStyle/>
-          <a:p>
-            <a:pPr lvl="0"/>
-            <a:r>
-              <a:rPr lang="en-GB" dirty="0"/>
-              <a:t>Connecting to Social networks</a:t>
-            </a:r>
-          </a:p>
-        </p:txBody>
-      </p:sp>
-      <p:sp>
-        <p:nvSpPr>
-          <p:cNvPr id="3" name="TextBox 2"/>
-          <p:cNvSpPr txBox="1"/>
-          <p:nvPr/>
-        </p:nvSpPr>
-        <p:spPr>
-          <a:xfrm>
-            <a:off x="917046" y="2085143"/>
-            <a:ext cx="10421797" cy="1585162"/>
+            <a:off x="466987" y="3854976"/>
+            <a:ext cx="4744112" cy="1743318"/>
           </a:xfrm>
           <a:prstGeom prst="rect">
             <a:avLst/>
           </a:prstGeom>
-          <a:noFill/>
-          <a:ln>
-            <a:noFill/>
-          </a:ln>
-        </p:spPr>
-        <p:txBody>
-          <a:bodyPr vert="horz" wrap="none" lIns="81646" tIns="40823" rIns="81646" bIns="40823" anchorCtr="0" compatLnSpc="0">
-            <a:spAutoFit/>
-          </a:bodyPr>
-          <a:lstStyle/>
-          <a:p>
-            <a:pPr hangingPunct="0"/>
-            <a:r>
-              <a:rPr lang="en-GB" sz="2400" dirty="0">
-                <a:solidFill>
-                  <a:schemeClr val="tx1">
-                    <a:lumMod val="75000"/>
-                    <a:lumOff val="25000"/>
-                  </a:schemeClr>
-                </a:solidFill>
-                <a:ea typeface="DejaVu Sans" pitchFamily="2"/>
-                <a:cs typeface="DejaVu Sans" pitchFamily="2"/>
-              </a:rPr>
-              <a:t>The ability to link your Roomies account to other popular social networks, such as:</a:t>
-            </a:r>
-          </a:p>
-          <a:p>
-            <a:pPr marL="342900" indent="-342900" hangingPunct="0">
-              <a:buClr>
-                <a:schemeClr val="accent1"/>
-              </a:buClr>
-              <a:buSzPct val="100000"/>
-              <a:buFont typeface="Arial" panose="020B0604020202020204" pitchFamily="34" charset="0"/>
-              <a:buChar char="•"/>
-            </a:pPr>
-            <a:r>
-              <a:rPr lang="en-GB" sz="2400" dirty="0" smtClean="0">
-                <a:solidFill>
-                  <a:schemeClr val="tx1">
-                    <a:lumMod val="75000"/>
-                    <a:lumOff val="25000"/>
-                  </a:schemeClr>
-                </a:solidFill>
-                <a:ea typeface="DejaVu Sans" pitchFamily="2"/>
-                <a:cs typeface="DejaVu Sans" pitchFamily="2"/>
-              </a:rPr>
-              <a:t>Facebook</a:t>
-            </a:r>
-            <a:endParaRPr lang="en-GB" sz="2400" dirty="0">
-              <a:solidFill>
-                <a:schemeClr val="tx1">
-                  <a:lumMod val="75000"/>
-                  <a:lumOff val="25000"/>
-                </a:schemeClr>
-              </a:solidFill>
-              <a:ea typeface="DejaVu Sans" pitchFamily="2"/>
-              <a:cs typeface="DejaVu Sans" pitchFamily="2"/>
-            </a:endParaRPr>
-          </a:p>
-          <a:p>
-            <a:pPr marL="342900" indent="-342900" hangingPunct="0">
-              <a:buClr>
-                <a:schemeClr val="accent1"/>
-              </a:buClr>
-              <a:buSzPct val="100000"/>
-              <a:buFont typeface="Arial" panose="020B0604020202020204" pitchFamily="34" charset="0"/>
-              <a:buChar char="•"/>
-            </a:pPr>
-            <a:r>
-              <a:rPr lang="en-GB" sz="2400" dirty="0">
-                <a:solidFill>
-                  <a:schemeClr val="tx1">
-                    <a:lumMod val="75000"/>
-                    <a:lumOff val="25000"/>
-                  </a:schemeClr>
-                </a:solidFill>
-                <a:ea typeface="DejaVu Sans" pitchFamily="2"/>
-                <a:cs typeface="DejaVu Sans" pitchFamily="2"/>
-              </a:rPr>
-              <a:t>Twitter</a:t>
-            </a:r>
-          </a:p>
-          <a:p>
-            <a:pPr marL="342900" indent="-342900" hangingPunct="0">
-              <a:buClr>
-                <a:schemeClr val="accent1"/>
-              </a:buClr>
-              <a:buSzPct val="100000"/>
-              <a:buFont typeface="Arial" panose="020B0604020202020204" pitchFamily="34" charset="0"/>
-              <a:buChar char="•"/>
-            </a:pPr>
-            <a:r>
-              <a:rPr lang="en-GB" sz="2400" dirty="0">
-                <a:solidFill>
-                  <a:schemeClr val="tx1">
-                    <a:lumMod val="75000"/>
-                    <a:lumOff val="25000"/>
-                  </a:schemeClr>
-                </a:solidFill>
-                <a:ea typeface="DejaVu Sans" pitchFamily="2"/>
-                <a:cs typeface="DejaVu Sans" pitchFamily="2"/>
-              </a:rPr>
-              <a:t>Google +</a:t>
-            </a:r>
-          </a:p>
-        </p:txBody>
-      </p:sp>
-      <p:pic>
-        <p:nvPicPr>
-          <p:cNvPr id="4" name="Picture 3"/>
-          <p:cNvPicPr>
-            <a:picLocks noChangeAspect="1"/>
-          </p:cNvPicPr>
-          <p:nvPr/>
-        </p:nvPicPr>
-        <p:blipFill>
-          <a:blip r:embed="rId3"/>
-          <a:srcRect/>
-          <a:stretch>
-            <a:fillRect/>
-          </a:stretch>
-        </p:blipFill>
-        <p:spPr>
-          <a:xfrm>
-            <a:off x="9771233" y="4023885"/>
-            <a:ext cx="1567610" cy="1442773"/>
-          </a:xfrm>
-          <a:prstGeom prst="rect">
-            <a:avLst/>
-          </a:prstGeom>
-          <a:noFill/>
-          <a:ln>
-            <a:noFill/>
-          </a:ln>
         </p:spPr>
       </p:pic>
       <p:pic>
         <p:nvPicPr>
-          <p:cNvPr id="5" name="Picture 4"/>
-          <p:cNvPicPr>
-            <a:picLocks noChangeAspect="1"/>
-          </p:cNvPicPr>
-          <p:nvPr/>
-        </p:nvPicPr>
-        <p:blipFill>
-          <a:blip r:embed="rId4"/>
-          <a:srcRect/>
-          <a:stretch>
-            <a:fillRect/>
-          </a:stretch>
-        </p:blipFill>
-        <p:spPr>
-          <a:xfrm>
-            <a:off x="5055416" y="4029682"/>
-            <a:ext cx="1698244" cy="1502292"/>
-          </a:xfrm>
-          <a:prstGeom prst="rect">
-            <a:avLst/>
-          </a:prstGeom>
-          <a:noFill/>
-          <a:ln>
-            <a:noFill/>
-          </a:ln>
-        </p:spPr>
-      </p:pic>
-      <p:pic>
-        <p:nvPicPr>
-          <p:cNvPr id="6" name="Picture 5"/>
-          <p:cNvPicPr>
-            <a:picLocks noChangeAspect="1"/>
-          </p:cNvPicPr>
-          <p:nvPr/>
-        </p:nvPicPr>
-        <p:blipFill>
-          <a:blip r:embed="rId5"/>
-          <a:srcRect/>
-          <a:stretch>
-            <a:fillRect/>
-          </a:stretch>
-        </p:blipFill>
-        <p:spPr>
-          <a:xfrm>
-            <a:off x="914117" y="4029682"/>
-            <a:ext cx="1567610" cy="1436976"/>
-          </a:xfrm>
-          <a:prstGeom prst="rect">
-            <a:avLst/>
-          </a:prstGeom>
-          <a:noFill/>
-          <a:ln>
-            <a:noFill/>
-          </a:ln>
-        </p:spPr>
-      </p:pic>
-    </p:spTree>
-    <p:extLst>
-      <p:ext uri="{BB962C8B-B14F-4D97-AF65-F5344CB8AC3E}">
-        <p14:creationId xmlns:p14="http://schemas.microsoft.com/office/powerpoint/2010/main" val="293352318"/>
-      </p:ext>
-    </p:extLst>
-  </p:cSld>
-  <p:clrMapOvr>
-    <a:masterClrMapping/>
-  </p:clrMapOvr>
-  <p:transition spd="slow">
-    <p:push dir="u"/>
-  </p:transition>
-  <p:timing>
-    <p:tnLst>
-      <p:par>
-        <p:cTn id="1" dur="indefinite" restart="never" nodeType="tmRoot"/>
-      </p:par>
-    </p:tnLst>
-  </p:timing>
-</p:sld>
-</file>
-
-<file path=ppt/slides/slide12.xml><?xml version="1.0" encoding="utf-8"?>
-<p:sld xmlns:a="http://schemas.openxmlformats.org/drawingml/2006/main" xmlns:r="http://schemas.openxmlformats.org/officeDocument/2006/relationships" xmlns:p="http://schemas.openxmlformats.org/presentationml/2006/main">
-  <p:cSld>
-    <p:spTree>
-      <p:nvGrpSpPr>
-        <p:cNvPr id="1" name=""/>
-        <p:cNvGrpSpPr/>
-        <p:nvPr/>
-      </p:nvGrpSpPr>
-      <p:grpSpPr>
-        <a:xfrm>
-          <a:off x="0" y="0"/>
-          <a:ext cx="0" cy="0"/>
-          <a:chOff x="0" y="0"/>
-          <a:chExt cx="0" cy="0"/>
-        </a:xfrm>
-      </p:grpSpPr>
-      <p:sp>
-        <p:nvSpPr>
-          <p:cNvPr id="2" name="Title 1"/>
-          <p:cNvSpPr txBox="1">
-            <a:spLocks noGrp="1"/>
-          </p:cNvSpPr>
-          <p:nvPr>
-            <p:ph type="title"/>
-          </p:nvPr>
-        </p:nvSpPr>
-        <p:spPr/>
-        <p:txBody>
-          <a:bodyPr/>
-          <a:lstStyle/>
-          <a:p>
-            <a:pPr lvl="0"/>
-            <a:r>
-              <a:rPr lang="en-GB" dirty="0"/>
-              <a:t>Get to know each other</a:t>
-            </a:r>
-          </a:p>
-        </p:txBody>
-      </p:sp>
-      <p:sp>
-        <p:nvSpPr>
-          <p:cNvPr id="3" name="Text Placeholder 2"/>
-          <p:cNvSpPr txBox="1">
-            <a:spLocks noGrp="1"/>
-          </p:cNvSpPr>
-          <p:nvPr>
-            <p:ph type="subTitle" idx="4294967295"/>
-          </p:nvPr>
-        </p:nvSpPr>
-        <p:spPr>
-          <a:xfrm>
-            <a:off x="1097280" y="2246313"/>
-            <a:ext cx="10058400" cy="1143000"/>
-          </a:xfrm>
-        </p:spPr>
-        <p:txBody>
-          <a:bodyPr>
-            <a:normAutofit/>
-          </a:bodyPr>
-          <a:lstStyle/>
-          <a:p>
-            <a:pPr lvl="1">
-              <a:buFont typeface="Arial" panose="020B0604020202020204" pitchFamily="34" charset="0"/>
-              <a:buChar char="•"/>
-            </a:pPr>
-            <a:r>
-              <a:rPr lang="en-GB" sz="2400" dirty="0"/>
-              <a:t>Learn more about each other.</a:t>
-            </a:r>
-          </a:p>
-          <a:p>
-            <a:pPr lvl="1">
-              <a:buFont typeface="Arial" panose="020B0604020202020204" pitchFamily="34" charset="0"/>
-              <a:buChar char="•"/>
-            </a:pPr>
-            <a:r>
-              <a:rPr lang="en-GB" sz="2400" dirty="0"/>
-              <a:t>Familiar platform to communicate with each other</a:t>
-            </a:r>
-          </a:p>
-        </p:txBody>
-      </p:sp>
-    </p:spTree>
-    <p:extLst>
-      <p:ext uri="{BB962C8B-B14F-4D97-AF65-F5344CB8AC3E}">
-        <p14:creationId xmlns:p14="http://schemas.microsoft.com/office/powerpoint/2010/main" val="2228897202"/>
-      </p:ext>
-    </p:extLst>
-  </p:cSld>
-  <p:clrMapOvr>
-    <a:masterClrMapping/>
-  </p:clrMapOvr>
-  <p:transition spd="slow">
-    <p:push/>
-  </p:transition>
-  <p:timing>
-    <p:tnLst>
-      <p:par>
-        <p:cTn id="1" dur="indefinite" restart="never" nodeType="tmRoot"/>
-      </p:par>
-    </p:tnLst>
-  </p:timing>
-</p:sld>
-</file>
-
-<file path=ppt/slides/slide13.xml><?xml version="1.0" encoding="utf-8"?>
-<p:sld xmlns:a="http://schemas.openxmlformats.org/drawingml/2006/main" xmlns:r="http://schemas.openxmlformats.org/officeDocument/2006/relationships" xmlns:p="http://schemas.openxmlformats.org/presentationml/2006/main">
-  <p:cSld>
-    <p:spTree>
-      <p:nvGrpSpPr>
-        <p:cNvPr id="1" name=""/>
-        <p:cNvGrpSpPr/>
-        <p:nvPr/>
-      </p:nvGrpSpPr>
-      <p:grpSpPr>
-        <a:xfrm>
-          <a:off x="0" y="0"/>
-          <a:ext cx="0" cy="0"/>
-          <a:chOff x="0" y="0"/>
-          <a:chExt cx="0" cy="0"/>
-        </a:xfrm>
-      </p:grpSpPr>
-      <p:sp>
-        <p:nvSpPr>
-          <p:cNvPr id="2" name="Title 1"/>
-          <p:cNvSpPr txBox="1">
-            <a:spLocks noGrp="1"/>
-          </p:cNvSpPr>
-          <p:nvPr>
-            <p:ph type="title"/>
-          </p:nvPr>
-        </p:nvSpPr>
-        <p:spPr/>
-        <p:txBody>
-          <a:bodyPr/>
-          <a:lstStyle/>
-          <a:p>
-            <a:pPr lvl="0"/>
-            <a:r>
-              <a:rPr lang="en-GB" dirty="0"/>
-              <a:t>Linking accounts</a:t>
-            </a:r>
-          </a:p>
-        </p:txBody>
-      </p:sp>
-      <p:sp>
-        <p:nvSpPr>
-          <p:cNvPr id="3" name="Text Placeholder 2"/>
-          <p:cNvSpPr txBox="1">
-            <a:spLocks noGrp="1"/>
-          </p:cNvSpPr>
-          <p:nvPr>
-            <p:ph type="body" idx="4294967295"/>
-          </p:nvPr>
-        </p:nvSpPr>
-        <p:spPr>
-          <a:xfrm>
-            <a:off x="1097280" y="2235200"/>
-            <a:ext cx="10058400" cy="3946525"/>
-          </a:xfrm>
-        </p:spPr>
-        <p:txBody>
-          <a:bodyPr>
-            <a:normAutofit/>
-          </a:bodyPr>
-          <a:lstStyle/>
-          <a:p>
-            <a:pPr lvl="1">
-              <a:buFont typeface="Arial" panose="020B0604020202020204" pitchFamily="34" charset="0"/>
-              <a:buChar char="•"/>
-            </a:pPr>
-            <a:r>
-              <a:rPr lang="en-GB" sz="2400" dirty="0"/>
-              <a:t>Each user will be able to link accounts through a simple settings interface</a:t>
-            </a:r>
-          </a:p>
-          <a:p>
-            <a:pPr lvl="1">
-              <a:buFont typeface="Arial" panose="020B0604020202020204" pitchFamily="34" charset="0"/>
-              <a:buChar char="•"/>
-            </a:pPr>
-            <a:r>
-              <a:rPr lang="en-GB" sz="2400" dirty="0"/>
-              <a:t>Connect and disconnect each social media account at the users choice</a:t>
-            </a:r>
-          </a:p>
-        </p:txBody>
-      </p:sp>
-      <p:pic>
-        <p:nvPicPr>
-          <p:cNvPr id="5" name="Picture 4"/>
+          <p:cNvPr id="10" name="Picture 9"/>
           <p:cNvPicPr>
             <a:picLocks noChangeAspect="1"/>
           </p:cNvPicPr>
@@ -10573,8 +9554,8 @@
         </p:blipFill>
         <p:spPr>
           <a:xfrm>
-            <a:off x="6292245" y="3939818"/>
-            <a:ext cx="5899755" cy="2241907"/>
+            <a:off x="6033647" y="3492658"/>
+            <a:ext cx="5132336" cy="2839731"/>
           </a:xfrm>
           <a:prstGeom prst="rect">
             <a:avLst/>
@@ -10584,608 +9565,7 @@
     </p:spTree>
     <p:extLst>
       <p:ext uri="{BB962C8B-B14F-4D97-AF65-F5344CB8AC3E}">
-        <p14:creationId xmlns:p14="http://schemas.microsoft.com/office/powerpoint/2010/main" val="2985921390"/>
-      </p:ext>
-    </p:extLst>
-  </p:cSld>
-  <p:clrMapOvr>
-    <a:masterClrMapping/>
-  </p:clrMapOvr>
-  <p:transition spd="slow">
-    <p:push/>
-  </p:transition>
-  <p:timing>
-    <p:tnLst>
-      <p:par>
-        <p:cTn id="1" dur="indefinite" restart="never" nodeType="tmRoot"/>
-      </p:par>
-    </p:tnLst>
-  </p:timing>
-</p:sld>
-</file>
-
-<file path=ppt/slides/slide14.xml><?xml version="1.0" encoding="utf-8"?>
-<p:sld xmlns:a="http://schemas.openxmlformats.org/drawingml/2006/main" xmlns:r="http://schemas.openxmlformats.org/officeDocument/2006/relationships" xmlns:p="http://schemas.openxmlformats.org/presentationml/2006/main">
-  <p:cSld>
-    <p:spTree>
-      <p:nvGrpSpPr>
-        <p:cNvPr id="1" name=""/>
-        <p:cNvGrpSpPr/>
-        <p:nvPr/>
-      </p:nvGrpSpPr>
-      <p:grpSpPr>
-        <a:xfrm>
-          <a:off x="0" y="0"/>
-          <a:ext cx="0" cy="0"/>
-          <a:chOff x="0" y="0"/>
-          <a:chExt cx="0" cy="0"/>
-        </a:xfrm>
-      </p:grpSpPr>
-      <p:sp>
-        <p:nvSpPr>
-          <p:cNvPr id="2" name="Title 1"/>
-          <p:cNvSpPr txBox="1">
-            <a:spLocks noGrp="1"/>
-          </p:cNvSpPr>
-          <p:nvPr>
-            <p:ph type="title"/>
-          </p:nvPr>
-        </p:nvSpPr>
-        <p:spPr/>
-        <p:txBody>
-          <a:bodyPr/>
-          <a:lstStyle/>
-          <a:p>
-            <a:pPr lvl="0"/>
-            <a:r>
-              <a:rPr lang="en-GB" dirty="0"/>
-              <a:t>Chat System</a:t>
-            </a:r>
-          </a:p>
-        </p:txBody>
-      </p:sp>
-      <p:sp>
-        <p:nvSpPr>
-          <p:cNvPr id="3" name="Text Placeholder 2"/>
-          <p:cNvSpPr txBox="1">
-            <a:spLocks noGrp="1"/>
-          </p:cNvSpPr>
-          <p:nvPr>
-            <p:ph type="body" idx="4294967295"/>
-          </p:nvPr>
-        </p:nvSpPr>
-        <p:spPr>
-          <a:xfrm>
-            <a:off x="1097280" y="2095500"/>
-            <a:ext cx="10345420" cy="3786188"/>
-          </a:xfrm>
-        </p:spPr>
-        <p:txBody>
-          <a:bodyPr>
-            <a:normAutofit/>
-          </a:bodyPr>
-          <a:lstStyle/>
-          <a:p>
-            <a:pPr lvl="1">
-              <a:buFont typeface="Arial" panose="020B0604020202020204" pitchFamily="34" charset="0"/>
-              <a:buChar char="•"/>
-            </a:pPr>
-            <a:r>
-              <a:rPr lang="en-GB" sz="2400" dirty="0"/>
-              <a:t>We plan on implementing </a:t>
-            </a:r>
-            <a:r>
-              <a:rPr lang="en-GB" sz="2400" dirty="0" smtClean="0"/>
-              <a:t>a built-in instant messaging system</a:t>
-            </a:r>
-          </a:p>
-          <a:p>
-            <a:pPr lvl="1">
-              <a:buFont typeface="Arial" panose="020B0604020202020204" pitchFamily="34" charset="0"/>
-              <a:buChar char="•"/>
-            </a:pPr>
-            <a:r>
-              <a:rPr lang="en-GB" sz="2400" dirty="0" smtClean="0"/>
-              <a:t>Remove </a:t>
-            </a:r>
-            <a:r>
-              <a:rPr lang="en-GB" sz="2400" dirty="0"/>
-              <a:t>the need to use alternate websites such as Facebook to </a:t>
-            </a:r>
-            <a:r>
-              <a:rPr lang="en-GB" sz="2400" dirty="0" smtClean="0"/>
-              <a:t>communicate</a:t>
-            </a:r>
-            <a:endParaRPr lang="en-GB" sz="2400" dirty="0"/>
-          </a:p>
-          <a:p>
-            <a:pPr lvl="1">
-              <a:buFont typeface="Arial" panose="020B0604020202020204" pitchFamily="34" charset="0"/>
-              <a:buChar char="•"/>
-            </a:pPr>
-            <a:r>
-              <a:rPr lang="en-GB" sz="2400" dirty="0"/>
-              <a:t>Allow users to </a:t>
-            </a:r>
-            <a:r>
-              <a:rPr lang="en-GB" sz="2400" dirty="0" smtClean="0"/>
-              <a:t>communicate better </a:t>
-            </a:r>
-            <a:r>
-              <a:rPr lang="en-GB" sz="2400" dirty="0"/>
-              <a:t>with the students they are matched </a:t>
-            </a:r>
-            <a:r>
-              <a:rPr lang="en-GB" sz="2400" dirty="0" smtClean="0"/>
-              <a:t>with</a:t>
-            </a:r>
-            <a:endParaRPr lang="en-GB" sz="2400" dirty="0"/>
-          </a:p>
-        </p:txBody>
-      </p:sp>
-    </p:spTree>
-    <p:extLst>
-      <p:ext uri="{BB962C8B-B14F-4D97-AF65-F5344CB8AC3E}">
-        <p14:creationId xmlns:p14="http://schemas.microsoft.com/office/powerpoint/2010/main" val="3116626970"/>
-      </p:ext>
-    </p:extLst>
-  </p:cSld>
-  <p:clrMapOvr>
-    <a:masterClrMapping/>
-  </p:clrMapOvr>
-  <p:transition spd="slow">
-    <p:push/>
-  </p:transition>
-  <p:timing>
-    <p:tnLst>
-      <p:par>
-        <p:cTn id="1" dur="indefinite" restart="never" nodeType="tmRoot"/>
-      </p:par>
-    </p:tnLst>
-  </p:timing>
-</p:sld>
-</file>
-
-<file path=ppt/slides/slide15.xml><?xml version="1.0" encoding="utf-8"?>
-<p:sld xmlns:a="http://schemas.openxmlformats.org/drawingml/2006/main" xmlns:r="http://schemas.openxmlformats.org/officeDocument/2006/relationships" xmlns:p="http://schemas.openxmlformats.org/presentationml/2006/main">
-  <p:cSld>
-    <p:spTree>
-      <p:nvGrpSpPr>
-        <p:cNvPr id="1" name=""/>
-        <p:cNvGrpSpPr/>
-        <p:nvPr/>
-      </p:nvGrpSpPr>
-      <p:grpSpPr>
-        <a:xfrm>
-          <a:off x="0" y="0"/>
-          <a:ext cx="0" cy="0"/>
-          <a:chOff x="0" y="0"/>
-          <a:chExt cx="0" cy="0"/>
-        </a:xfrm>
-      </p:grpSpPr>
-      <p:sp>
-        <p:nvSpPr>
-          <p:cNvPr id="2" name="Title 1"/>
-          <p:cNvSpPr txBox="1">
-            <a:spLocks noGrp="1"/>
-          </p:cNvSpPr>
-          <p:nvPr>
-            <p:ph type="title"/>
-          </p:nvPr>
-        </p:nvSpPr>
-        <p:spPr/>
-        <p:txBody>
-          <a:bodyPr/>
-          <a:lstStyle/>
-          <a:p>
-            <a:pPr lvl="0"/>
-            <a:r>
-              <a:rPr lang="en-GB"/>
-              <a:t>Integrating Facebook Chat</a:t>
-            </a:r>
-          </a:p>
-        </p:txBody>
-      </p:sp>
-      <p:sp>
-        <p:nvSpPr>
-          <p:cNvPr id="3" name="Text Placeholder 2"/>
-          <p:cNvSpPr txBox="1">
-            <a:spLocks noGrp="1"/>
-          </p:cNvSpPr>
-          <p:nvPr>
-            <p:ph type="body" idx="4294967295"/>
-          </p:nvPr>
-        </p:nvSpPr>
-        <p:spPr>
-          <a:xfrm>
-            <a:off x="1097280" y="2171700"/>
-            <a:ext cx="10058400" cy="3633788"/>
-          </a:xfrm>
-        </p:spPr>
-        <p:txBody>
-          <a:bodyPr>
-            <a:normAutofit/>
-          </a:bodyPr>
-          <a:lstStyle/>
-          <a:p>
-            <a:pPr lvl="1">
-              <a:buFont typeface="Arial" panose="020B0604020202020204" pitchFamily="34" charset="0"/>
-              <a:buChar char="•"/>
-            </a:pPr>
-            <a:r>
-              <a:rPr lang="en-GB" sz="2400" dirty="0"/>
-              <a:t>Use the Facebook </a:t>
-            </a:r>
-            <a:r>
-              <a:rPr lang="en-GB" sz="2400" dirty="0" err="1"/>
-              <a:t>api</a:t>
-            </a:r>
-            <a:r>
-              <a:rPr lang="en-GB" sz="2400" dirty="0"/>
-              <a:t> to include Facebook chat into our own chat system</a:t>
-            </a:r>
-          </a:p>
-          <a:p>
-            <a:pPr lvl="1">
-              <a:buFont typeface="Arial" panose="020B0604020202020204" pitchFamily="34" charset="0"/>
-              <a:buChar char="•"/>
-            </a:pPr>
-            <a:r>
-              <a:rPr lang="en-GB" sz="2400" dirty="0"/>
-              <a:t>Improve the chances of communication between </a:t>
-            </a:r>
-            <a:r>
-              <a:rPr lang="en-GB" sz="2400" dirty="0" smtClean="0"/>
-              <a:t>roommates</a:t>
-            </a:r>
-            <a:endParaRPr lang="en-GB" sz="2400" dirty="0"/>
-          </a:p>
-        </p:txBody>
-      </p:sp>
-    </p:spTree>
-    <p:extLst>
-      <p:ext uri="{BB962C8B-B14F-4D97-AF65-F5344CB8AC3E}">
-        <p14:creationId xmlns:p14="http://schemas.microsoft.com/office/powerpoint/2010/main" val="4128879150"/>
-      </p:ext>
-    </p:extLst>
-  </p:cSld>
-  <p:clrMapOvr>
-    <a:masterClrMapping/>
-  </p:clrMapOvr>
-  <p:transition spd="slow">
-    <p:push/>
-  </p:transition>
-  <p:timing>
-    <p:tnLst>
-      <p:par>
-        <p:cTn id="1" dur="indefinite" restart="never" nodeType="tmRoot"/>
-      </p:par>
-    </p:tnLst>
-  </p:timing>
-</p:sld>
-</file>
-
-<file path=ppt/slides/slide16.xml><?xml version="1.0" encoding="utf-8"?>
-<p:sld xmlns:a="http://schemas.openxmlformats.org/drawingml/2006/main" xmlns:r="http://schemas.openxmlformats.org/officeDocument/2006/relationships" xmlns:p="http://schemas.openxmlformats.org/presentationml/2006/main" show="0">
-  <p:cSld>
-    <p:spTree>
-      <p:nvGrpSpPr>
-        <p:cNvPr id="1" name=""/>
-        <p:cNvGrpSpPr/>
-        <p:nvPr/>
-      </p:nvGrpSpPr>
-      <p:grpSpPr>
-        <a:xfrm>
-          <a:off x="0" y="0"/>
-          <a:ext cx="0" cy="0"/>
-          <a:chOff x="0" y="0"/>
-          <a:chExt cx="0" cy="0"/>
-        </a:xfrm>
-      </p:grpSpPr>
-      <p:sp>
-        <p:nvSpPr>
-          <p:cNvPr id="2" name="Title 1"/>
-          <p:cNvSpPr txBox="1">
-            <a:spLocks noGrp="1"/>
-          </p:cNvSpPr>
-          <p:nvPr>
-            <p:ph type="title"/>
-          </p:nvPr>
-        </p:nvSpPr>
-        <p:spPr/>
-        <p:txBody>
-          <a:bodyPr/>
-          <a:lstStyle/>
-          <a:p>
-            <a:pPr lvl="0"/>
-            <a:r>
-              <a:rPr lang="en-GB" dirty="0"/>
-              <a:t>Integrating Facebook Comments</a:t>
-            </a:r>
-          </a:p>
-        </p:txBody>
-      </p:sp>
-      <p:sp>
-        <p:nvSpPr>
-          <p:cNvPr id="3" name="Text Placeholder 2"/>
-          <p:cNvSpPr txBox="1">
-            <a:spLocks noGrp="1"/>
-          </p:cNvSpPr>
-          <p:nvPr>
-            <p:ph type="body" idx="4294967295"/>
-          </p:nvPr>
-        </p:nvSpPr>
-        <p:spPr>
-          <a:xfrm>
-            <a:off x="1097280" y="2146300"/>
-            <a:ext cx="10058400" cy="3709988"/>
-          </a:xfrm>
-        </p:spPr>
-        <p:txBody>
-          <a:bodyPr/>
-          <a:lstStyle/>
-          <a:p>
-            <a:pPr lvl="1">
-              <a:buSzPct val="100000"/>
-              <a:buFont typeface="Arial" panose="020B0604020202020204" pitchFamily="34" charset="0"/>
-              <a:buChar char="•"/>
-            </a:pPr>
-            <a:r>
-              <a:rPr lang="en-GB" sz="2400" dirty="0" smtClean="0"/>
-              <a:t>Facebook </a:t>
-            </a:r>
-            <a:r>
-              <a:rPr lang="en-GB" sz="2400" dirty="0"/>
-              <a:t>comments for the student accommodation </a:t>
-            </a:r>
-            <a:r>
-              <a:rPr lang="en-GB" sz="2400" dirty="0" smtClean="0"/>
-              <a:t>reviews</a:t>
-            </a:r>
-          </a:p>
-          <a:p>
-            <a:pPr lvl="1">
-              <a:buSzPct val="100000"/>
-              <a:buFont typeface="Arial" panose="020B0604020202020204" pitchFamily="34" charset="0"/>
-              <a:buChar char="•"/>
-            </a:pPr>
-            <a:r>
-              <a:rPr lang="en-GB" sz="2400" dirty="0" smtClean="0"/>
-              <a:t>Built-in review system for those not connected with Facebook</a:t>
-            </a:r>
-            <a:endParaRPr lang="en-GB" sz="2400" dirty="0"/>
-          </a:p>
-          <a:p>
-            <a:pPr marL="0" lvl="0" indent="0">
-              <a:buSzPct val="45000"/>
-              <a:buNone/>
-            </a:pPr>
-            <a:endParaRPr lang="en-GB" dirty="0"/>
-          </a:p>
-        </p:txBody>
-      </p:sp>
-    </p:spTree>
-    <p:extLst>
-      <p:ext uri="{BB962C8B-B14F-4D97-AF65-F5344CB8AC3E}">
-        <p14:creationId xmlns:p14="http://schemas.microsoft.com/office/powerpoint/2010/main" val="3440907820"/>
-      </p:ext>
-    </p:extLst>
-  </p:cSld>
-  <p:clrMapOvr>
-    <a:masterClrMapping/>
-  </p:clrMapOvr>
-  <p:transition spd="slow">
-    <p:push dir="r"/>
-  </p:transition>
-  <p:timing>
-    <p:tnLst>
-      <p:par>
-        <p:cTn id="1" dur="indefinite" restart="never" nodeType="tmRoot"/>
-      </p:par>
-    </p:tnLst>
-  </p:timing>
-</p:sld>
-</file>
-
-<file path=ppt/slides/slide17.xml><?xml version="1.0" encoding="utf-8"?>
-<p:sld xmlns:a="http://schemas.openxmlformats.org/drawingml/2006/main" xmlns:r="http://schemas.openxmlformats.org/officeDocument/2006/relationships" xmlns:p="http://schemas.openxmlformats.org/presentationml/2006/main">
-  <p:cSld>
-    <p:spTree>
-      <p:nvGrpSpPr>
-        <p:cNvPr id="1" name=""/>
-        <p:cNvGrpSpPr/>
-        <p:nvPr/>
-      </p:nvGrpSpPr>
-      <p:grpSpPr>
-        <a:xfrm>
-          <a:off x="0" y="0"/>
-          <a:ext cx="0" cy="0"/>
-          <a:chOff x="0" y="0"/>
-          <a:chExt cx="0" cy="0"/>
-        </a:xfrm>
-      </p:grpSpPr>
-      <p:sp>
-        <p:nvSpPr>
-          <p:cNvPr id="4" name="Title 3"/>
-          <p:cNvSpPr>
-            <a:spLocks noGrp="1"/>
-          </p:cNvSpPr>
-          <p:nvPr>
-            <p:ph type="title"/>
-          </p:nvPr>
-        </p:nvSpPr>
-        <p:spPr/>
-        <p:txBody>
-          <a:bodyPr/>
-          <a:lstStyle/>
-          <a:p>
-            <a:r>
-              <a:rPr lang="en-GB" dirty="0" smtClean="0"/>
-              <a:t>Technical Stuff</a:t>
-            </a:r>
-            <a:endParaRPr lang="en-GB" dirty="0"/>
-          </a:p>
-        </p:txBody>
-      </p:sp>
-      <p:sp>
-        <p:nvSpPr>
-          <p:cNvPr id="3" name="TextBox 2"/>
-          <p:cNvSpPr txBox="1"/>
-          <p:nvPr/>
-        </p:nvSpPr>
-        <p:spPr>
-          <a:xfrm>
-            <a:off x="1541417" y="2050869"/>
-            <a:ext cx="8491107" cy="2308324"/>
-          </a:xfrm>
-          <a:prstGeom prst="rect">
-            <a:avLst/>
-          </a:prstGeom>
-          <a:noFill/>
-        </p:spPr>
-        <p:txBody>
-          <a:bodyPr wrap="none" rtlCol="0">
-            <a:spAutoFit/>
-          </a:bodyPr>
-          <a:lstStyle/>
-          <a:p>
-            <a:pPr marL="285750" indent="-285750">
-              <a:buClr>
-                <a:schemeClr val="accent1"/>
-              </a:buClr>
-              <a:buFont typeface="Arial" panose="020B0604020202020204" pitchFamily="34" charset="0"/>
-              <a:buChar char="•"/>
-            </a:pPr>
-            <a:r>
-              <a:rPr lang="en-GB" sz="2400" dirty="0" smtClean="0">
-                <a:solidFill>
-                  <a:schemeClr val="tx1">
-                    <a:lumMod val="75000"/>
-                    <a:lumOff val="25000"/>
-                  </a:schemeClr>
-                </a:solidFill>
-              </a:rPr>
-              <a:t>HTML and CSS for building the webpages (duh)</a:t>
-            </a:r>
-          </a:p>
-          <a:p>
-            <a:pPr marL="285750" indent="-285750">
-              <a:buClr>
-                <a:schemeClr val="accent1"/>
-              </a:buClr>
-              <a:buFont typeface="Arial" panose="020B0604020202020204" pitchFamily="34" charset="0"/>
-              <a:buChar char="•"/>
-            </a:pPr>
-            <a:r>
-              <a:rPr lang="en-GB" sz="2400" dirty="0" smtClean="0">
-                <a:solidFill>
-                  <a:schemeClr val="tx1">
-                    <a:lumMod val="75000"/>
-                    <a:lumOff val="25000"/>
-                  </a:schemeClr>
-                </a:solidFill>
-              </a:rPr>
-              <a:t>MYSQL 		– a perfect relational database management system</a:t>
-            </a:r>
-          </a:p>
-          <a:p>
-            <a:pPr marL="285750" indent="-285750">
-              <a:buClr>
-                <a:schemeClr val="accent1"/>
-              </a:buClr>
-              <a:buFont typeface="Arial" panose="020B0604020202020204" pitchFamily="34" charset="0"/>
-              <a:buChar char="•"/>
-            </a:pPr>
-            <a:r>
-              <a:rPr lang="en-GB" sz="2400" dirty="0" smtClean="0">
-                <a:solidFill>
-                  <a:schemeClr val="tx1">
-                    <a:lumMod val="75000"/>
-                    <a:lumOff val="25000"/>
-                  </a:schemeClr>
-                </a:solidFill>
-              </a:rPr>
-              <a:t>PHP </a:t>
-            </a:r>
-            <a:r>
-              <a:rPr lang="en-GB" sz="2400" dirty="0">
-                <a:solidFill>
-                  <a:schemeClr val="tx1">
-                    <a:lumMod val="75000"/>
-                    <a:lumOff val="25000"/>
-                  </a:schemeClr>
-                </a:solidFill>
-              </a:rPr>
-              <a:t>	</a:t>
-            </a:r>
-            <a:r>
-              <a:rPr lang="en-GB" sz="2400" dirty="0" smtClean="0">
-                <a:solidFill>
-                  <a:schemeClr val="tx1">
-                    <a:lumMod val="75000"/>
-                    <a:lumOff val="25000"/>
-                  </a:schemeClr>
-                </a:solidFill>
-              </a:rPr>
-              <a:t>		– great for server-side processing</a:t>
-            </a:r>
-          </a:p>
-          <a:p>
-            <a:pPr marL="285750" indent="-285750">
-              <a:buClr>
-                <a:schemeClr val="accent1"/>
-              </a:buClr>
-              <a:buFont typeface="Arial" panose="020B0604020202020204" pitchFamily="34" charset="0"/>
-              <a:buChar char="•"/>
-            </a:pPr>
-            <a:r>
-              <a:rPr lang="en-GB" sz="2400" dirty="0" smtClean="0">
-                <a:solidFill>
-                  <a:schemeClr val="tx1">
-                    <a:lumMod val="75000"/>
-                    <a:lumOff val="25000"/>
-                  </a:schemeClr>
-                </a:solidFill>
-              </a:rPr>
-              <a:t>PYTHON 	– useful for real-time server communications</a:t>
-            </a:r>
-          </a:p>
-          <a:p>
-            <a:pPr marL="285750" indent="-285750">
-              <a:buClr>
-                <a:schemeClr val="accent1"/>
-              </a:buClr>
-              <a:buFont typeface="Arial" panose="020B0604020202020204" pitchFamily="34" charset="0"/>
-              <a:buChar char="•"/>
-            </a:pPr>
-            <a:r>
-              <a:rPr lang="en-GB" sz="2400" dirty="0" smtClean="0">
-                <a:solidFill>
-                  <a:schemeClr val="tx1">
-                    <a:lumMod val="75000"/>
-                    <a:lumOff val="25000"/>
-                  </a:schemeClr>
-                </a:solidFill>
-              </a:rPr>
-              <a:t>JAVASCRIPT	– makes things more dynamic</a:t>
-            </a:r>
-          </a:p>
-          <a:p>
-            <a:endParaRPr lang="en-GB" sz="2400" dirty="0">
-              <a:solidFill>
-                <a:schemeClr val="tx1">
-                  <a:lumMod val="75000"/>
-                  <a:lumOff val="25000"/>
-                </a:schemeClr>
-              </a:solidFill>
-            </a:endParaRPr>
-          </a:p>
-        </p:txBody>
-      </p:sp>
-    </p:spTree>
-    <p:extLst>
-      <p:ext uri="{BB962C8B-B14F-4D97-AF65-F5344CB8AC3E}">
-        <p14:creationId xmlns:p14="http://schemas.microsoft.com/office/powerpoint/2010/main" val="2411024927"/>
+        <p14:creationId xmlns:p14="http://schemas.microsoft.com/office/powerpoint/2010/main" val="2825025170"/>
       </p:ext>
     </p:extLst>
   </p:cSld>
@@ -11194,158 +9574,6 @@
   </p:clrMapOvr>
   <p:transition spd="slow">
     <p:push dir="u"/>
-  </p:transition>
-  <p:timing>
-    <p:tnLst>
-      <p:par>
-        <p:cTn id="1" dur="indefinite" restart="never" nodeType="tmRoot"/>
-      </p:par>
-    </p:tnLst>
-  </p:timing>
-</p:sld>
-</file>
-
-<file path=ppt/slides/slide18.xml><?xml version="1.0" encoding="utf-8"?>
-<p:sld xmlns:a="http://schemas.openxmlformats.org/drawingml/2006/main" xmlns:r="http://schemas.openxmlformats.org/officeDocument/2006/relationships" xmlns:p="http://schemas.openxmlformats.org/presentationml/2006/main">
-  <p:cSld>
-    <p:spTree>
-      <p:nvGrpSpPr>
-        <p:cNvPr id="1" name=""/>
-        <p:cNvGrpSpPr/>
-        <p:nvPr/>
-      </p:nvGrpSpPr>
-      <p:grpSpPr>
-        <a:xfrm>
-          <a:off x="0" y="0"/>
-          <a:ext cx="0" cy="0"/>
-          <a:chOff x="0" y="0"/>
-          <a:chExt cx="0" cy="0"/>
-        </a:xfrm>
-      </p:grpSpPr>
-      <p:sp>
-        <p:nvSpPr>
-          <p:cNvPr id="2" name="Title 1"/>
-          <p:cNvSpPr>
-            <a:spLocks noGrp="1"/>
-          </p:cNvSpPr>
-          <p:nvPr>
-            <p:ph type="title"/>
-          </p:nvPr>
-        </p:nvSpPr>
-        <p:spPr/>
-        <p:txBody>
-          <a:bodyPr/>
-          <a:lstStyle/>
-          <a:p>
-            <a:r>
-              <a:rPr lang="en-GB" dirty="0" smtClean="0"/>
-              <a:t>HTML &amp; CSS</a:t>
-            </a:r>
-            <a:endParaRPr lang="en-GB" dirty="0"/>
-          </a:p>
-        </p:txBody>
-      </p:sp>
-      <p:sp>
-        <p:nvSpPr>
-          <p:cNvPr id="4" name="Content Placeholder 3"/>
-          <p:cNvSpPr>
-            <a:spLocks noGrp="1"/>
-          </p:cNvSpPr>
-          <p:nvPr>
-            <p:ph idx="1"/>
-          </p:nvPr>
-        </p:nvSpPr>
-        <p:spPr>
-          <a:xfrm>
-            <a:off x="1097280" y="2064214"/>
-            <a:ext cx="4554918" cy="3811694"/>
-          </a:xfrm>
-        </p:spPr>
-        <p:txBody>
-          <a:bodyPr/>
-          <a:lstStyle/>
-          <a:p>
-            <a:pPr lvl="1">
-              <a:buFont typeface="Arial" panose="020B0604020202020204" pitchFamily="34" charset="0"/>
-              <a:buChar char="•"/>
-            </a:pPr>
-            <a:r>
-              <a:rPr lang="en-GB" sz="2400" dirty="0" smtClean="0"/>
-              <a:t>We build a website so we need HTML (unexpected)</a:t>
-            </a:r>
-          </a:p>
-          <a:p>
-            <a:pPr lvl="1">
-              <a:buFont typeface="Arial" panose="020B0604020202020204" pitchFamily="34" charset="0"/>
-              <a:buChar char="•"/>
-            </a:pPr>
-            <a:r>
-              <a:rPr lang="en-GB" sz="2400" dirty="0" smtClean="0"/>
-              <a:t>Useless if it does the perfect job, but looks like a potato</a:t>
-            </a:r>
-          </a:p>
-          <a:p>
-            <a:pPr marL="201168" lvl="1" indent="0">
-              <a:buNone/>
-            </a:pPr>
-            <a:r>
-              <a:rPr lang="en-GB" dirty="0"/>
-              <a:t> </a:t>
-            </a:r>
-            <a:r>
-              <a:rPr lang="en-GB" dirty="0" smtClean="0"/>
-              <a:t> 	</a:t>
-            </a:r>
-            <a:r>
-              <a:rPr lang="en-GB" sz="2200" dirty="0" smtClean="0"/>
-              <a:t>So yeah, we need CSS</a:t>
-            </a:r>
-            <a:endParaRPr lang="en-GB" sz="2200" dirty="0"/>
-          </a:p>
-        </p:txBody>
-      </p:sp>
-      <p:pic>
-        <p:nvPicPr>
-          <p:cNvPr id="6" name="Picture 5"/>
-          <p:cNvPicPr>
-            <a:picLocks noChangeAspect="1"/>
-          </p:cNvPicPr>
-          <p:nvPr/>
-        </p:nvPicPr>
-        <p:blipFill>
-          <a:blip r:embed="rId2">
-            <a:extLst>
-              <a:ext uri="{28A0092B-C50C-407E-A947-70E740481C1C}">
-                <a14:useLocalDpi xmlns:a14="http://schemas.microsoft.com/office/drawing/2010/main" val="0"/>
-              </a:ext>
-            </a:extLst>
-          </a:blip>
-          <a:stretch>
-            <a:fillRect/>
-          </a:stretch>
-        </p:blipFill>
-        <p:spPr>
-          <a:xfrm>
-            <a:off x="5269607" y="1011981"/>
-            <a:ext cx="6922393" cy="5190781"/>
-          </a:xfrm>
-          <a:prstGeom prst="rect">
-            <a:avLst/>
-          </a:prstGeom>
-        </p:spPr>
-      </p:pic>
-    </p:spTree>
-    <p:extLst>
-      <p:ext uri="{BB962C8B-B14F-4D97-AF65-F5344CB8AC3E}">
-        <p14:creationId xmlns:p14="http://schemas.microsoft.com/office/powerpoint/2010/main" val="3741746512"/>
-      </p:ext>
-    </p:extLst>
-  </p:cSld>
-  <p:clrMapOvr>
-    <a:masterClrMapping/>
-  </p:clrMapOvr>
-  <p:transition spd="slow">
-    <p:push/>
   </p:transition>
   <p:timing>
     <p:tnLst>
@@ -11368,7 +9596,7 @@
                             </p:stCondLst>
                             <p:childTnLst>
                               <p:par>
-                                <p:cTn id="5" presetID="53" presetClass="entr" presetSubtype="16" fill="hold" nodeType="clickEffect">
+                                <p:cTn id="5" presetID="10" presetClass="entr" presetSubtype="0" fill="hold" nodeType="clickEffect">
                                   <p:stCondLst>
                                     <p:cond delay="0"/>
                                   </p:stCondLst>
@@ -11381,101 +9609,7 @@
                                           </p:stCondLst>
                                         </p:cTn>
                                         <p:tgtEl>
-                                          <p:spTgt spid="6"/>
-                                        </p:tgtEl>
-                                        <p:attrNameLst>
-                                          <p:attrName>style.visibility</p:attrName>
-                                        </p:attrNameLst>
-                                      </p:cBhvr>
-                                      <p:to>
-                                        <p:strVal val="visible"/>
-                                      </p:to>
-                                    </p:set>
-                                    <p:anim calcmode="lin" valueType="num">
-                                      <p:cBhvr>
-                                        <p:cTn id="7" dur="500" fill="hold"/>
-                                        <p:tgtEl>
-                                          <p:spTgt spid="6"/>
-                                        </p:tgtEl>
-                                        <p:attrNameLst>
-                                          <p:attrName>ppt_w</p:attrName>
-                                        </p:attrNameLst>
-                                      </p:cBhvr>
-                                      <p:tavLst>
-                                        <p:tav tm="0">
-                                          <p:val>
-                                            <p:fltVal val="0"/>
-                                          </p:val>
-                                        </p:tav>
-                                        <p:tav tm="100000">
-                                          <p:val>
-                                            <p:strVal val="#ppt_w"/>
-                                          </p:val>
-                                        </p:tav>
-                                      </p:tavLst>
-                                    </p:anim>
-                                    <p:anim calcmode="lin" valueType="num">
-                                      <p:cBhvr>
-                                        <p:cTn id="8" dur="500" fill="hold"/>
-                                        <p:tgtEl>
-                                          <p:spTgt spid="6"/>
-                                        </p:tgtEl>
-                                        <p:attrNameLst>
-                                          <p:attrName>ppt_h</p:attrName>
-                                        </p:attrNameLst>
-                                      </p:cBhvr>
-                                      <p:tavLst>
-                                        <p:tav tm="0">
-                                          <p:val>
-                                            <p:fltVal val="0"/>
-                                          </p:val>
-                                        </p:tav>
-                                        <p:tav tm="100000">
-                                          <p:val>
-                                            <p:strVal val="#ppt_h"/>
-                                          </p:val>
-                                        </p:tav>
-                                      </p:tavLst>
-                                    </p:anim>
-                                    <p:animEffect transition="in" filter="fade">
-                                      <p:cBhvr>
-                                        <p:cTn id="9" dur="500"/>
-                                        <p:tgtEl>
-                                          <p:spTgt spid="6"/>
-                                        </p:tgtEl>
-                                      </p:cBhvr>
-                                    </p:animEffect>
-                                  </p:childTnLst>
-                                </p:cTn>
-                              </p:par>
-                            </p:childTnLst>
-                          </p:cTn>
-                        </p:par>
-                        <p:par>
-                          <p:cTn id="10" fill="hold">
-                            <p:stCondLst>
-                              <p:cond delay="500"/>
-                            </p:stCondLst>
-                            <p:childTnLst>
-                              <p:par>
-                                <p:cTn id="11" presetID="10" presetClass="entr" presetSubtype="0" fill="hold" nodeType="afterEffect">
-                                  <p:stCondLst>
-                                    <p:cond delay="2000"/>
-                                  </p:stCondLst>
-                                  <p:childTnLst>
-                                    <p:set>
-                                      <p:cBhvr>
-                                        <p:cTn id="12" dur="1" fill="hold">
-                                          <p:stCondLst>
-                                            <p:cond delay="0"/>
-                                          </p:stCondLst>
-                                        </p:cTn>
-                                        <p:tgtEl>
-                                          <p:spTgt spid="4">
-                                            <p:txEl>
-                                              <p:pRg st="2" end="2"/>
-                                            </p:txEl>
-                                          </p:spTgt>
+                                          <p:spTgt spid="9"/>
                                         </p:tgtEl>
                                         <p:attrNameLst>
                                           <p:attrName>style.visibility</p:attrName>
@@ -11487,13 +9621,62 @@
                                     </p:set>
                                     <p:animEffect transition="in" filter="fade">
                                       <p:cBhvr>
-                                        <p:cTn id="13" dur="500"/>
+                                        <p:cTn id="7" dur="500"/>
                                         <p:tgtEl>
-                                          <p:spTgt spid="4">
-                                            <p:txEl>
-                                              <p:pRg st="2" end="2"/>
-                                            </p:txEl>
-                                          </p:spTgt>
+                                          <p:spTgt spid="9"/>
+                                        </p:tgtEl>
+                                      </p:cBhvr>
+                                    </p:animEffect>
+                                  </p:childTnLst>
+                                </p:cTn>
+                              </p:par>
+                            </p:childTnLst>
+                          </p:cTn>
+                        </p:par>
+                      </p:childTnLst>
+                    </p:cTn>
+                  </p:par>
+                  <p:par>
+                    <p:cTn id="8" fill="hold">
+                      <p:stCondLst>
+                        <p:cond delay="indefinite"/>
+                      </p:stCondLst>
+                      <p:childTnLst>
+                        <p:par>
+                          <p:cTn id="9" fill="hold">
+                            <p:stCondLst>
+                              <p:cond delay="0"/>
+                            </p:stCondLst>
+                            <p:childTnLst>
+                              <p:par>
+                                <p:cTn id="10" presetID="10" presetClass="entr" presetSubtype="0" fill="hold" nodeType="clickEffect">
+                                  <p:stCondLst>
+                                    <p:cond delay="0"/>
+                                  </p:stCondLst>
+                                  <p:childTnLst>
+                                    <p:set>
+                                      <p:cBhvr>
+                                        <p:cTn id="11" dur="1" fill="hold">
+                                          <p:stCondLst>
+                                            <p:cond delay="0"/>
+                                          </p:stCondLst>
+                                        </p:cTn>
+                                        <p:tgtEl>
+                                          <p:spTgt spid="10"/>
+                                        </p:tgtEl>
+                                        <p:attrNameLst>
+                                          <p:attrName>style.visibility</p:attrName>
+                                        </p:attrNameLst>
+                                      </p:cBhvr>
+                                      <p:to>
+                                        <p:strVal val="visible"/>
+                                      </p:to>
+                                    </p:set>
+                                    <p:animEffect transition="in" filter="fade">
+                                      <p:cBhvr>
+                                        <p:cTn id="12" dur="500"/>
+                                        <p:tgtEl>
+                                          <p:spTgt spid="10"/>
                                         </p:tgtEl>
                                       </p:cBhvr>
                                     </p:animEffect>
@@ -11531,7 +9714,297 @@
 </p:sld>
 </file>
 
-<file path=ppt/slides/slide19.xml><?xml version="1.0" encoding="utf-8"?>
+<file path=ppt/slides/slide11.xml><?xml version="1.0" encoding="utf-8"?>
+<p:sld xmlns:a="http://schemas.openxmlformats.org/drawingml/2006/main" xmlns:r="http://schemas.openxmlformats.org/officeDocument/2006/relationships" xmlns:p="http://schemas.openxmlformats.org/presentationml/2006/main">
+  <p:cSld>
+    <p:spTree>
+      <p:nvGrpSpPr>
+        <p:cNvPr id="1" name=""/>
+        <p:cNvGrpSpPr/>
+        <p:nvPr/>
+      </p:nvGrpSpPr>
+      <p:grpSpPr>
+        <a:xfrm>
+          <a:off x="0" y="0"/>
+          <a:ext cx="0" cy="0"/>
+          <a:chOff x="0" y="0"/>
+          <a:chExt cx="0" cy="0"/>
+        </a:xfrm>
+      </p:grpSpPr>
+      <p:sp>
+        <p:nvSpPr>
+          <p:cNvPr id="2" name="Title 1"/>
+          <p:cNvSpPr>
+            <a:spLocks noGrp="1"/>
+          </p:cNvSpPr>
+          <p:nvPr>
+            <p:ph type="title"/>
+          </p:nvPr>
+        </p:nvSpPr>
+        <p:spPr/>
+        <p:txBody>
+          <a:bodyPr/>
+          <a:lstStyle/>
+          <a:p>
+            <a:r>
+              <a:rPr lang="en-GB" dirty="0" smtClean="0"/>
+              <a:t>Messaging: </a:t>
+            </a:r>
+            <a:r>
+              <a:rPr lang="en-GB" dirty="0" smtClean="0">
+                <a:solidFill>
+                  <a:schemeClr val="bg1">
+                    <a:lumMod val="65000"/>
+                  </a:schemeClr>
+                </a:solidFill>
+              </a:rPr>
+              <a:t>Instant Chat</a:t>
+            </a:r>
+            <a:endParaRPr lang="en-GB" dirty="0">
+              <a:solidFill>
+                <a:schemeClr val="bg1">
+                  <a:lumMod val="65000"/>
+                </a:schemeClr>
+              </a:solidFill>
+            </a:endParaRPr>
+          </a:p>
+        </p:txBody>
+      </p:sp>
+      <p:sp>
+        <p:nvSpPr>
+          <p:cNvPr id="3" name="Content Placeholder 2"/>
+          <p:cNvSpPr>
+            <a:spLocks noGrp="1"/>
+          </p:cNvSpPr>
+          <p:nvPr>
+            <p:ph idx="1"/>
+          </p:nvPr>
+        </p:nvSpPr>
+        <p:spPr>
+          <a:xfrm>
+            <a:off x="1084401" y="2193464"/>
+            <a:ext cx="10058400" cy="4023360"/>
+          </a:xfrm>
+        </p:spPr>
+        <p:txBody>
+          <a:bodyPr/>
+          <a:lstStyle/>
+          <a:p>
+            <a:pPr lvl="1">
+              <a:buFont typeface="Arial" panose="020B0604020202020204" pitchFamily="34" charset="0"/>
+              <a:buChar char="•"/>
+            </a:pPr>
+            <a:r>
+              <a:rPr lang="en-GB" sz="2400" dirty="0" smtClean="0"/>
+              <a:t>Added features to send messages and instant chat system.</a:t>
+            </a:r>
+          </a:p>
+          <a:p>
+            <a:pPr lvl="1">
+              <a:buFont typeface="Arial" panose="020B0604020202020204" pitchFamily="34" charset="0"/>
+              <a:buChar char="•"/>
+            </a:pPr>
+            <a:r>
+              <a:rPr lang="en-GB" sz="2400" dirty="0"/>
+              <a:t>Remove the need to use alternate websites such as Facebook to communicate</a:t>
+            </a:r>
+          </a:p>
+          <a:p>
+            <a:pPr lvl="1">
+              <a:buFont typeface="Arial" panose="020B0604020202020204" pitchFamily="34" charset="0"/>
+              <a:buChar char="•"/>
+            </a:pPr>
+            <a:r>
+              <a:rPr lang="en-GB" sz="2400" dirty="0"/>
+              <a:t>Allow users to communicate better with the students they are matched </a:t>
+            </a:r>
+            <a:r>
+              <a:rPr lang="en-GB" sz="2400" dirty="0" smtClean="0"/>
+              <a:t>with</a:t>
+            </a:r>
+            <a:r>
+              <a:rPr lang="en-GB" sz="2400" dirty="0" smtClean="0"/>
+              <a:t>.</a:t>
+            </a:r>
+          </a:p>
+          <a:p>
+            <a:pPr lvl="1">
+              <a:buFont typeface="Arial" panose="020B0604020202020204" pitchFamily="34" charset="0"/>
+              <a:buChar char="•"/>
+            </a:pPr>
+            <a:endParaRPr lang="en-GB" sz="2400" dirty="0"/>
+          </a:p>
+          <a:p>
+            <a:pPr marL="0" indent="0">
+              <a:buNone/>
+            </a:pPr>
+            <a:endParaRPr lang="en-GB" dirty="0" smtClean="0"/>
+          </a:p>
+          <a:p>
+            <a:endParaRPr lang="en-GB" dirty="0"/>
+          </a:p>
+          <a:p>
+            <a:endParaRPr lang="en-GB" dirty="0"/>
+          </a:p>
+        </p:txBody>
+      </p:sp>
+    </p:spTree>
+    <p:extLst>
+      <p:ext uri="{BB962C8B-B14F-4D97-AF65-F5344CB8AC3E}">
+        <p14:creationId xmlns:p14="http://schemas.microsoft.com/office/powerpoint/2010/main" val="93455588"/>
+      </p:ext>
+    </p:extLst>
+  </p:cSld>
+  <p:clrMapOvr>
+    <a:masterClrMapping/>
+  </p:clrMapOvr>
+  <p:transition spd="slow">
+    <p:push/>
+  </p:transition>
+  <p:timing>
+    <p:tnLst>
+      <p:par>
+        <p:cTn id="1" dur="indefinite" restart="never" nodeType="tmRoot"/>
+      </p:par>
+    </p:tnLst>
+  </p:timing>
+</p:sld>
+</file>
+
+<file path=ppt/slides/slide12.xml><?xml version="1.0" encoding="utf-8"?>
+<p:sld xmlns:a="http://schemas.openxmlformats.org/drawingml/2006/main" xmlns:r="http://schemas.openxmlformats.org/officeDocument/2006/relationships" xmlns:p="http://schemas.openxmlformats.org/presentationml/2006/main">
+  <p:cSld>
+    <p:spTree>
+      <p:nvGrpSpPr>
+        <p:cNvPr id="1" name=""/>
+        <p:cNvGrpSpPr/>
+        <p:nvPr/>
+      </p:nvGrpSpPr>
+      <p:grpSpPr>
+        <a:xfrm>
+          <a:off x="0" y="0"/>
+          <a:ext cx="0" cy="0"/>
+          <a:chOff x="0" y="0"/>
+          <a:chExt cx="0" cy="0"/>
+        </a:xfrm>
+      </p:grpSpPr>
+      <p:sp>
+        <p:nvSpPr>
+          <p:cNvPr id="2" name="Title 1"/>
+          <p:cNvSpPr>
+            <a:spLocks noGrp="1"/>
+          </p:cNvSpPr>
+          <p:nvPr>
+            <p:ph type="title"/>
+          </p:nvPr>
+        </p:nvSpPr>
+        <p:spPr/>
+        <p:txBody>
+          <a:bodyPr/>
+          <a:lstStyle/>
+          <a:p>
+            <a:r>
+              <a:rPr lang="en-IN" dirty="0" smtClean="0"/>
+              <a:t>Messaging: </a:t>
+            </a:r>
+            <a:r>
+              <a:rPr lang="en-IN" dirty="0" smtClean="0">
+                <a:solidFill>
+                  <a:schemeClr val="bg1">
+                    <a:lumMod val="65000"/>
+                  </a:schemeClr>
+                </a:solidFill>
+              </a:rPr>
+              <a:t>Implementation</a:t>
+            </a:r>
+            <a:endParaRPr lang="en-IN" dirty="0">
+              <a:solidFill>
+                <a:schemeClr val="bg1">
+                  <a:lumMod val="65000"/>
+                </a:schemeClr>
+              </a:solidFill>
+            </a:endParaRPr>
+          </a:p>
+        </p:txBody>
+      </p:sp>
+      <p:sp>
+        <p:nvSpPr>
+          <p:cNvPr id="3" name="Content Placeholder 2"/>
+          <p:cNvSpPr>
+            <a:spLocks noGrp="1"/>
+          </p:cNvSpPr>
+          <p:nvPr>
+            <p:ph idx="1"/>
+          </p:nvPr>
+        </p:nvSpPr>
+        <p:spPr>
+          <a:xfrm>
+            <a:off x="1045764" y="2193464"/>
+            <a:ext cx="10058400" cy="4023360"/>
+          </a:xfrm>
+        </p:spPr>
+        <p:txBody>
+          <a:bodyPr/>
+          <a:lstStyle/>
+          <a:p>
+            <a:pPr lvl="1">
+              <a:buFont typeface="Arial" panose="020B0604020202020204" pitchFamily="34" charset="0"/>
+              <a:buChar char="•"/>
+            </a:pPr>
+            <a:r>
+              <a:rPr lang="en-GB" sz="2400" dirty="0"/>
+              <a:t>Uses long-polling to check for new messages.</a:t>
+            </a:r>
+          </a:p>
+          <a:p>
+            <a:pPr lvl="1">
+              <a:buFont typeface="Arial" panose="020B0604020202020204" pitchFamily="34" charset="0"/>
+              <a:buChar char="•"/>
+            </a:pPr>
+            <a:r>
+              <a:rPr lang="en-GB" sz="2400" dirty="0"/>
+              <a:t>Implemented using JavaScript and PHP.</a:t>
+            </a:r>
+          </a:p>
+          <a:p>
+            <a:pPr lvl="1">
+              <a:buFont typeface="Arial" panose="020B0604020202020204" pitchFamily="34" charset="0"/>
+              <a:buChar char="•"/>
+            </a:pPr>
+            <a:r>
+              <a:rPr lang="en-GB" sz="2400" dirty="0"/>
+              <a:t>In the future, we hope to have group messaging as well.</a:t>
+            </a:r>
+          </a:p>
+          <a:p>
+            <a:endParaRPr lang="en-IN" dirty="0"/>
+          </a:p>
+        </p:txBody>
+      </p:sp>
+    </p:spTree>
+    <p:extLst>
+      <p:ext uri="{BB962C8B-B14F-4D97-AF65-F5344CB8AC3E}">
+        <p14:creationId xmlns:p14="http://schemas.microsoft.com/office/powerpoint/2010/main" val="225960403"/>
+      </p:ext>
+    </p:extLst>
+  </p:cSld>
+  <p:clrMapOvr>
+    <a:masterClrMapping/>
+  </p:clrMapOvr>
+  <p:transition spd="slow">
+    <p:push dir="u"/>
+  </p:transition>
+  <p:timing>
+    <p:tnLst>
+      <p:par>
+        <p:cTn id="1" dur="indefinite" restart="never" nodeType="tmRoot"/>
+      </p:par>
+    </p:tnLst>
+  </p:timing>
+</p:sld>
+</file>
+
+<file path=ppt/slides/slide13.xml><?xml version="1.0" encoding="utf-8"?>
 <p:sld xmlns:a="http://schemas.openxmlformats.org/drawingml/2006/main" xmlns:r="http://schemas.openxmlformats.org/officeDocument/2006/relationships" xmlns:p="http://schemas.openxmlformats.org/presentationml/2006/main">
   <p:cSld>
     <p:spTree>
@@ -11550,7 +10023,7 @@
       </p:grpSpPr>
       <p:pic>
         <p:nvPicPr>
-          <p:cNvPr id="4" name="Picture 3"/>
+          <p:cNvPr id="2" name="Content Placeholder 7"/>
           <p:cNvPicPr>
             <a:picLocks noChangeAspect="1"/>
           </p:cNvPicPr>
@@ -11571,7 +10044,7 @@
         <p:spPr>
           <a:xfrm>
             <a:off x="0" y="0"/>
-            <a:ext cx="12192000" cy="6123054"/>
+            <a:ext cx="12191999" cy="6385112"/>
           </a:xfrm>
           <a:prstGeom prst="rect">
             <a:avLst/>
@@ -11581,25 +10054,16 @@
     </p:spTree>
     <p:extLst>
       <p:ext uri="{BB962C8B-B14F-4D97-AF65-F5344CB8AC3E}">
-        <p14:creationId xmlns:p14="http://schemas.microsoft.com/office/powerpoint/2010/main" val="2340674072"/>
+        <p14:creationId xmlns:p14="http://schemas.microsoft.com/office/powerpoint/2010/main" val="829595968"/>
       </p:ext>
     </p:extLst>
   </p:cSld>
   <p:clrMapOvr>
     <a:masterClrMapping/>
   </p:clrMapOvr>
-  <mc:AlternateContent xmlns:mc="http://schemas.openxmlformats.org/markup-compatibility/2006">
-    <mc:Choice xmlns:p14="http://schemas.microsoft.com/office/powerpoint/2010/main" Requires="p14">
-      <p:transition spd="med" p14:dur="700">
-        <p:fade/>
-      </p:transition>
-    </mc:Choice>
-    <mc:Fallback>
-      <p:transition spd="med">
-        <p:fade/>
-      </p:transition>
-    </mc:Fallback>
-  </mc:AlternateContent>
+  <p:transition spd="slow">
+    <p:push/>
+  </p:transition>
   <p:timing>
     <p:tnLst>
       <p:par>
@@ -11610,7 +10074,7 @@
 </p:sld>
 </file>
 
-<file path=ppt/slides/slide2.xml><?xml version="1.0" encoding="utf-8"?>
+<file path=ppt/slides/slide14.xml><?xml version="1.0" encoding="utf-8"?>
 <p:sld xmlns:a="http://schemas.openxmlformats.org/drawingml/2006/main" xmlns:r="http://schemas.openxmlformats.org/officeDocument/2006/relationships" xmlns:p="http://schemas.openxmlformats.org/presentationml/2006/main">
   <p:cSld>
     <p:spTree>
@@ -11629,130 +10093,320 @@
       </p:grpSpPr>
       <p:sp>
         <p:nvSpPr>
-          <p:cNvPr id="4" name="Title 3"/>
-          <p:cNvSpPr>
+          <p:cNvPr id="2" name="Title 1"/>
+          <p:cNvSpPr txBox="1">
             <a:spLocks noGrp="1"/>
           </p:cNvSpPr>
           <p:nvPr>
             <p:ph type="title"/>
           </p:nvPr>
         </p:nvSpPr>
-        <p:spPr/>
-        <p:txBody>
-          <a:bodyPr/>
-          <a:lstStyle/>
-          <a:p>
-            <a:r>
-              <a:rPr lang="en-GB" dirty="0" smtClean="0"/>
-              <a:t>Room-mate Matching Service</a:t>
-            </a:r>
-            <a:endParaRPr lang="en-GB" dirty="0"/>
-          </a:p>
-        </p:txBody>
-      </p:sp>
-      <p:sp>
-        <p:nvSpPr>
-          <p:cNvPr id="5" name="Content Placeholder 4"/>
-          <p:cNvSpPr>
-            <a:spLocks noGrp="1"/>
-          </p:cNvSpPr>
-          <p:nvPr>
-            <p:ph idx="1"/>
-          </p:nvPr>
-        </p:nvSpPr>
-        <p:spPr/>
+        <p:spPr>
+          <a:xfrm>
+            <a:off x="1097280" y="1017163"/>
+            <a:ext cx="10058400" cy="720197"/>
+          </a:xfrm>
+        </p:spPr>
         <p:txBody>
           <a:bodyPr>
-            <a:normAutofit/>
+            <a:spAutoFit/>
           </a:bodyPr>
           <a:lstStyle/>
           <a:p>
-            <a:pPr marL="514350" indent="-514350">
-              <a:buFont typeface="+mj-lt"/>
-              <a:buAutoNum type="arabicPeriod"/>
+            <a:pPr lvl="0"/>
+            <a:r>
+              <a:rPr lang="en-GB" dirty="0" smtClean="0">
+                <a:latin typeface="Open Sans" pitchFamily="34" charset="0"/>
+                <a:ea typeface="Open Sans" pitchFamily="34" charset="0"/>
+                <a:cs typeface="Open Sans" pitchFamily="34" charset="0"/>
+              </a:rPr>
+              <a:t>Social Network: </a:t>
+            </a:r>
+            <a:r>
+              <a:rPr lang="en-GB" dirty="0" smtClean="0">
+                <a:solidFill>
+                  <a:schemeClr val="bg1">
+                    <a:lumMod val="65000"/>
+                  </a:schemeClr>
+                </a:solidFill>
+                <a:latin typeface="Open Sans" pitchFamily="34" charset="0"/>
+                <a:ea typeface="Open Sans" pitchFamily="34" charset="0"/>
+                <a:cs typeface="Open Sans" pitchFamily="34" charset="0"/>
+              </a:rPr>
+              <a:t>Integration</a:t>
+            </a:r>
+            <a:endParaRPr lang="en-GB" dirty="0">
+              <a:solidFill>
+                <a:schemeClr val="bg1">
+                  <a:lumMod val="65000"/>
+                </a:schemeClr>
+              </a:solidFill>
+              <a:latin typeface="Open Sans" pitchFamily="34" charset="0"/>
+              <a:ea typeface="Open Sans" pitchFamily="34" charset="0"/>
+              <a:cs typeface="Open Sans" pitchFamily="34" charset="0"/>
+            </a:endParaRPr>
+          </a:p>
+        </p:txBody>
+      </p:sp>
+      <p:sp>
+        <p:nvSpPr>
+          <p:cNvPr id="3" name="TextBox 2"/>
+          <p:cNvSpPr txBox="1"/>
+          <p:nvPr/>
+        </p:nvSpPr>
+        <p:spPr>
+          <a:xfrm>
+            <a:off x="917046" y="2085143"/>
+            <a:ext cx="8394768" cy="2177889"/>
+          </a:xfrm>
+          <a:prstGeom prst="rect">
+            <a:avLst/>
+          </a:prstGeom>
+          <a:noFill/>
+          <a:ln>
+            <a:noFill/>
+          </a:ln>
+        </p:spPr>
+        <p:txBody>
+          <a:bodyPr vert="horz" wrap="none" lIns="81646" tIns="40823" rIns="81646" bIns="40823" anchorCtr="0" compatLnSpc="0">
+            <a:spAutoFit/>
+          </a:bodyPr>
+          <a:lstStyle/>
+          <a:p>
+            <a:pPr hangingPunct="0"/>
+            <a:r>
+              <a:rPr lang="en-GB" sz="2400" dirty="0">
+                <a:solidFill>
+                  <a:schemeClr val="tx1">
+                    <a:lumMod val="75000"/>
+                    <a:lumOff val="25000"/>
+                  </a:schemeClr>
+                </a:solidFill>
+                <a:latin typeface="Open Sans" pitchFamily="34" charset="0"/>
+                <a:ea typeface="Open Sans" pitchFamily="34" charset="0"/>
+                <a:cs typeface="Open Sans" pitchFamily="34" charset="0"/>
+              </a:rPr>
+              <a:t>The ability to link your Roomies account to other popular </a:t>
+            </a:r>
+            <a:endParaRPr lang="en-GB" sz="2400" dirty="0" smtClean="0">
+              <a:solidFill>
+                <a:schemeClr val="tx1">
+                  <a:lumMod val="75000"/>
+                  <a:lumOff val="25000"/>
+                </a:schemeClr>
+              </a:solidFill>
+              <a:latin typeface="Open Sans" pitchFamily="34" charset="0"/>
+              <a:ea typeface="Open Sans" pitchFamily="34" charset="0"/>
+              <a:cs typeface="Open Sans" pitchFamily="34" charset="0"/>
+            </a:endParaRPr>
+          </a:p>
+          <a:p>
+            <a:pPr hangingPunct="0"/>
+            <a:r>
+              <a:rPr lang="en-GB" sz="2400" dirty="0" smtClean="0">
+                <a:solidFill>
+                  <a:schemeClr val="tx1">
+                    <a:lumMod val="75000"/>
+                    <a:lumOff val="25000"/>
+                  </a:schemeClr>
+                </a:solidFill>
+                <a:latin typeface="Open Sans" pitchFamily="34" charset="0"/>
+                <a:ea typeface="Open Sans" pitchFamily="34" charset="0"/>
+                <a:cs typeface="Open Sans" pitchFamily="34" charset="0"/>
+              </a:rPr>
+              <a:t>social </a:t>
+            </a:r>
+            <a:r>
+              <a:rPr lang="en-GB" sz="2400" dirty="0">
+                <a:solidFill>
+                  <a:schemeClr val="tx1">
+                    <a:lumMod val="75000"/>
+                    <a:lumOff val="25000"/>
+                  </a:schemeClr>
+                </a:solidFill>
+                <a:latin typeface="Open Sans" pitchFamily="34" charset="0"/>
+                <a:ea typeface="Open Sans" pitchFamily="34" charset="0"/>
+                <a:cs typeface="Open Sans" pitchFamily="34" charset="0"/>
+              </a:rPr>
+              <a:t>networks, such as:</a:t>
+            </a:r>
+          </a:p>
+          <a:p>
+            <a:pPr marL="342900" indent="-342900" hangingPunct="0">
+              <a:buClr>
+                <a:schemeClr val="accent1"/>
+              </a:buClr>
+              <a:buSzPct val="100000"/>
+              <a:buFont typeface="Arial" panose="020B0604020202020204" pitchFamily="34" charset="0"/>
+              <a:buChar char="•"/>
             </a:pPr>
             <a:r>
-              <a:rPr lang="en-GB" sz="2400" dirty="0" smtClean="0"/>
-              <a:t> People need to find room-mates.</a:t>
-            </a:r>
-          </a:p>
-          <a:p>
-            <a:pPr marL="514350" indent="-514350">
-              <a:buFont typeface="+mj-lt"/>
-              <a:buAutoNum type="arabicPeriod"/>
+              <a:rPr lang="en-GB" sz="2400" dirty="0" smtClean="0">
+                <a:solidFill>
+                  <a:schemeClr val="tx1">
+                    <a:lumMod val="75000"/>
+                    <a:lumOff val="25000"/>
+                  </a:schemeClr>
+                </a:solidFill>
+                <a:latin typeface="Open Sans" pitchFamily="34" charset="0"/>
+                <a:ea typeface="Open Sans" pitchFamily="34" charset="0"/>
+                <a:cs typeface="Open Sans" pitchFamily="34" charset="0"/>
+              </a:rPr>
+              <a:t>Facebook</a:t>
+            </a:r>
+            <a:endParaRPr lang="en-GB" sz="2400" dirty="0">
+              <a:solidFill>
+                <a:schemeClr val="tx1">
+                  <a:lumMod val="75000"/>
+                  <a:lumOff val="25000"/>
+                </a:schemeClr>
+              </a:solidFill>
+              <a:latin typeface="Open Sans" pitchFamily="34" charset="0"/>
+              <a:ea typeface="Open Sans" pitchFamily="34" charset="0"/>
+              <a:cs typeface="Open Sans" pitchFamily="34" charset="0"/>
+            </a:endParaRPr>
+          </a:p>
+          <a:p>
+            <a:pPr marL="342900" indent="-342900" hangingPunct="0">
+              <a:buClr>
+                <a:schemeClr val="accent1"/>
+              </a:buClr>
+              <a:buSzPct val="100000"/>
+              <a:buFont typeface="Arial" panose="020B0604020202020204" pitchFamily="34" charset="0"/>
+              <a:buChar char="•"/>
             </a:pPr>
             <a:r>
-              <a:rPr lang="en-GB" sz="2400" dirty="0" smtClean="0"/>
-              <a:t> Finding </a:t>
-            </a:r>
-            <a:r>
-              <a:rPr lang="en-GB" sz="2400" i="1" dirty="0" smtClean="0"/>
-              <a:t>suitable</a:t>
-            </a:r>
-            <a:r>
-              <a:rPr lang="en-GB" sz="2400" dirty="0" smtClean="0"/>
-              <a:t> room-mates can be hard.</a:t>
-            </a:r>
-          </a:p>
-          <a:p>
-            <a:pPr marL="514350" indent="-514350">
-              <a:buFont typeface="+mj-lt"/>
-              <a:buAutoNum type="arabicPeriod"/>
+              <a:rPr lang="en-GB" sz="2400" dirty="0">
+                <a:solidFill>
+                  <a:schemeClr val="tx1">
+                    <a:lumMod val="75000"/>
+                    <a:lumOff val="25000"/>
+                  </a:schemeClr>
+                </a:solidFill>
+                <a:latin typeface="Open Sans" pitchFamily="34" charset="0"/>
+                <a:ea typeface="Open Sans" pitchFamily="34" charset="0"/>
+                <a:cs typeface="Open Sans" pitchFamily="34" charset="0"/>
+              </a:rPr>
+              <a:t>Twitter</a:t>
+            </a:r>
+          </a:p>
+          <a:p>
+            <a:pPr marL="342900" indent="-342900" hangingPunct="0">
+              <a:buClr>
+                <a:schemeClr val="accent1"/>
+              </a:buClr>
+              <a:buSzPct val="100000"/>
+              <a:buFont typeface="Arial" panose="020B0604020202020204" pitchFamily="34" charset="0"/>
+              <a:buChar char="•"/>
             </a:pPr>
             <a:r>
-              <a:rPr lang="en-GB" sz="2400" dirty="0" smtClean="0"/>
-              <a:t> We help them do that.</a:t>
-            </a:r>
-          </a:p>
-          <a:p>
-            <a:pPr marL="514350" indent="-514350">
-              <a:buFont typeface="+mj-lt"/>
-              <a:buAutoNum type="arabicPeriod"/>
-            </a:pPr>
-            <a:r>
-              <a:rPr lang="en-GB" sz="2400" dirty="0" smtClean="0"/>
-              <a:t> ???</a:t>
-            </a:r>
-          </a:p>
-          <a:p>
-            <a:pPr marL="514350" indent="-514350">
-              <a:buFont typeface="+mj-lt"/>
-              <a:buAutoNum type="arabicPeriod"/>
-            </a:pPr>
-            <a:r>
-              <a:rPr lang="en-GB" sz="2400" dirty="0" smtClean="0"/>
-              <a:t> </a:t>
-            </a:r>
-            <a:r>
-              <a:rPr lang="en-GB" sz="2400" strike="sngStrike" dirty="0" smtClean="0"/>
-              <a:t>Profit.</a:t>
-            </a:r>
-            <a:r>
-              <a:rPr lang="en-GB" sz="2400" dirty="0" smtClean="0"/>
-              <a:t> Just kidding. Maybe.</a:t>
-            </a:r>
-          </a:p>
-          <a:p>
-            <a:pPr marL="0" indent="0">
-              <a:buNone/>
-            </a:pPr>
-            <a:endParaRPr lang="en-GB" sz="2400" dirty="0"/>
-          </a:p>
-          <a:p>
-            <a:pPr marL="0" indent="0">
-              <a:buNone/>
-            </a:pPr>
-            <a:r>
-              <a:rPr lang="en-GB" sz="2400" i="1" dirty="0" smtClean="0"/>
-              <a:t>Ideally aimed at university students.</a:t>
-            </a:r>
-          </a:p>
-        </p:txBody>
-      </p:sp>
+              <a:rPr lang="en-GB" sz="2400" dirty="0">
+                <a:solidFill>
+                  <a:schemeClr val="tx1">
+                    <a:lumMod val="75000"/>
+                    <a:lumOff val="25000"/>
+                  </a:schemeClr>
+                </a:solidFill>
+                <a:latin typeface="Open Sans" pitchFamily="34" charset="0"/>
+                <a:ea typeface="Open Sans" pitchFamily="34" charset="0"/>
+                <a:cs typeface="Open Sans" pitchFamily="34" charset="0"/>
+              </a:rPr>
+              <a:t>Google +</a:t>
+            </a:r>
+          </a:p>
+        </p:txBody>
+      </p:sp>
+      <p:pic>
+        <p:nvPicPr>
+          <p:cNvPr id="4" name="Picture 3"/>
+          <p:cNvPicPr>
+            <a:picLocks noChangeAspect="1"/>
+          </p:cNvPicPr>
+          <p:nvPr/>
+        </p:nvPicPr>
+        <p:blipFill>
+          <a:blip r:embed="rId3"/>
+          <a:srcRect/>
+          <a:stretch>
+            <a:fillRect/>
+          </a:stretch>
+        </p:blipFill>
+        <p:spPr>
+          <a:xfrm>
+            <a:off x="7092429" y="4461767"/>
+            <a:ext cx="1567610" cy="1442773"/>
+          </a:xfrm>
+          <a:prstGeom prst="rect">
+            <a:avLst/>
+          </a:prstGeom>
+          <a:noFill/>
+          <a:ln>
+            <a:noFill/>
+          </a:ln>
+        </p:spPr>
+      </p:pic>
+      <p:pic>
+        <p:nvPicPr>
+          <p:cNvPr id="5" name="Picture 4"/>
+          <p:cNvPicPr>
+            <a:picLocks noChangeAspect="1"/>
+          </p:cNvPicPr>
+          <p:nvPr/>
+        </p:nvPicPr>
+        <p:blipFill>
+          <a:blip r:embed="rId4"/>
+          <a:srcRect/>
+          <a:stretch>
+            <a:fillRect/>
+          </a:stretch>
+        </p:blipFill>
+        <p:spPr>
+          <a:xfrm>
+            <a:off x="4089500" y="4402248"/>
+            <a:ext cx="1698244" cy="1502292"/>
+          </a:xfrm>
+          <a:prstGeom prst="rect">
+            <a:avLst/>
+          </a:prstGeom>
+          <a:noFill/>
+          <a:ln>
+            <a:noFill/>
+          </a:ln>
+        </p:spPr>
+      </p:pic>
+      <p:pic>
+        <p:nvPicPr>
+          <p:cNvPr id="6" name="Picture 5"/>
+          <p:cNvPicPr>
+            <a:picLocks noChangeAspect="1"/>
+          </p:cNvPicPr>
+          <p:nvPr/>
+        </p:nvPicPr>
+        <p:blipFill>
+          <a:blip r:embed="rId5"/>
+          <a:srcRect/>
+          <a:stretch>
+            <a:fillRect/>
+          </a:stretch>
+        </p:blipFill>
+        <p:spPr>
+          <a:xfrm>
+            <a:off x="1184574" y="4467564"/>
+            <a:ext cx="1567610" cy="1436976"/>
+          </a:xfrm>
+          <a:prstGeom prst="rect">
+            <a:avLst/>
+          </a:prstGeom>
+          <a:noFill/>
+          <a:ln>
+            <a:noFill/>
+          </a:ln>
+        </p:spPr>
+      </p:pic>
     </p:spTree>
     <p:extLst>
       <p:ext uri="{BB962C8B-B14F-4D97-AF65-F5344CB8AC3E}">
-        <p14:creationId xmlns:p14="http://schemas.microsoft.com/office/powerpoint/2010/main" val="107611468"/>
+        <p14:creationId xmlns:p14="http://schemas.microsoft.com/office/powerpoint/2010/main" val="293352318"/>
       </p:ext>
     </p:extLst>
   </p:cSld>
@@ -11772,7 +10426,7 @@
 </p:sld>
 </file>
 
-<file path=ppt/slides/slide20.xml><?xml version="1.0" encoding="utf-8"?>
+<file path=ppt/slides/slide15.xml><?xml version="1.0" encoding="utf-8"?>
 <p:sld xmlns:a="http://schemas.openxmlformats.org/drawingml/2006/main" xmlns:r="http://schemas.openxmlformats.org/officeDocument/2006/relationships" xmlns:p="http://schemas.openxmlformats.org/presentationml/2006/main">
   <p:cSld>
     <p:spTree>
@@ -11792,7 +10446,7 @@
       <p:sp>
         <p:nvSpPr>
           <p:cNvPr id="2" name="Title 1"/>
-          <p:cNvSpPr>
+          <p:cNvSpPr txBox="1">
             <a:spLocks noGrp="1"/>
           </p:cNvSpPr>
           <p:nvPr>
@@ -11804,173 +10458,168 @@
           <a:bodyPr/>
           <a:lstStyle/>
           <a:p>
-            <a:r>
-              <a:rPr lang="en-GB" dirty="0" smtClean="0"/>
-              <a:t>PHP &amp; MySQL</a:t>
-            </a:r>
-            <a:endParaRPr lang="en-GB" dirty="0"/>
-          </a:p>
-        </p:txBody>
-      </p:sp>
-      <p:sp>
-        <p:nvSpPr>
-          <p:cNvPr id="3" name="Content Placeholder 2"/>
-          <p:cNvSpPr>
-            <a:spLocks noGrp="1"/>
-          </p:cNvSpPr>
-          <p:nvPr>
-            <p:ph idx="1"/>
-          </p:nvPr>
-        </p:nvSpPr>
-        <p:spPr/>
+            <a:pPr lvl="0"/>
+            <a:r>
+              <a:rPr lang="en-GB" dirty="0" smtClean="0">
+                <a:latin typeface="Open Sans" pitchFamily="34" charset="0"/>
+                <a:ea typeface="Open Sans" pitchFamily="34" charset="0"/>
+                <a:cs typeface="Open Sans" pitchFamily="34" charset="0"/>
+              </a:rPr>
+              <a:t>Social Network: </a:t>
+            </a:r>
+            <a:r>
+              <a:rPr lang="en-GB" dirty="0" smtClean="0">
+                <a:solidFill>
+                  <a:schemeClr val="bg1">
+                    <a:lumMod val="65000"/>
+                  </a:schemeClr>
+                </a:solidFill>
+                <a:latin typeface="Open Sans" pitchFamily="34" charset="0"/>
+                <a:ea typeface="Open Sans" pitchFamily="34" charset="0"/>
+                <a:cs typeface="Open Sans" pitchFamily="34" charset="0"/>
+              </a:rPr>
+              <a:t>Implementation</a:t>
+            </a:r>
+            <a:endParaRPr lang="en-GB" dirty="0">
+              <a:solidFill>
+                <a:schemeClr val="bg1">
+                  <a:lumMod val="65000"/>
+                </a:schemeClr>
+              </a:solidFill>
+              <a:latin typeface="Open Sans" pitchFamily="34" charset="0"/>
+              <a:ea typeface="Open Sans" pitchFamily="34" charset="0"/>
+              <a:cs typeface="Open Sans" pitchFamily="34" charset="0"/>
+            </a:endParaRPr>
+          </a:p>
+        </p:txBody>
+      </p:sp>
+      <p:sp>
+        <p:nvSpPr>
+          <p:cNvPr id="3" name="Text Placeholder 2"/>
+          <p:cNvSpPr txBox="1">
+            <a:spLocks noGrp="1"/>
+          </p:cNvSpPr>
+          <p:nvPr>
+            <p:ph type="subTitle" idx="4294967295"/>
+          </p:nvPr>
+        </p:nvSpPr>
+        <p:spPr>
+          <a:xfrm>
+            <a:off x="1097280" y="2246313"/>
+            <a:ext cx="10058400" cy="3613574"/>
+          </a:xfrm>
+        </p:spPr>
         <p:txBody>
           <a:bodyPr>
             <a:normAutofit/>
           </a:bodyPr>
           <a:lstStyle/>
+          <a:p>
+            <a:pPr lvl="1">
+              <a:buFont typeface="Arial" pitchFamily="34" charset="0"/>
+              <a:buChar char="•"/>
+            </a:pPr>
+            <a:r>
+              <a:rPr lang="en-GB" sz="2400" dirty="0" smtClean="0">
+                <a:latin typeface="Open Sans" pitchFamily="34" charset="0"/>
+                <a:ea typeface="Open Sans" pitchFamily="34" charset="0"/>
+                <a:cs typeface="Open Sans" pitchFamily="34" charset="0"/>
+              </a:rPr>
+              <a:t>Adding Friends:</a:t>
+            </a:r>
+          </a:p>
+          <a:p>
+            <a:pPr marL="898398" lvl="2" indent="-514350">
+              <a:buFont typeface="+mj-lt"/>
+              <a:buAutoNum type="romanLcPeriod"/>
+            </a:pPr>
+            <a:r>
+              <a:rPr lang="en-GB" sz="2000" dirty="0" smtClean="0">
+                <a:latin typeface="Open Sans" pitchFamily="34" charset="0"/>
+                <a:ea typeface="Open Sans" pitchFamily="34" charset="0"/>
+                <a:cs typeface="Open Sans" pitchFamily="34" charset="0"/>
+              </a:rPr>
+              <a:t>Options to add other users as friends as well as unfriend or block them.</a:t>
+            </a:r>
+          </a:p>
+          <a:p>
+            <a:pPr marL="898398" lvl="2" indent="-514350">
+              <a:buFont typeface="+mj-lt"/>
+              <a:buAutoNum type="romanLcPeriod"/>
+            </a:pPr>
+            <a:r>
+              <a:rPr lang="en-GB" sz="2000" dirty="0" smtClean="0">
+                <a:latin typeface="Open Sans" pitchFamily="34" charset="0"/>
+                <a:ea typeface="Open Sans" pitchFamily="34" charset="0"/>
+                <a:cs typeface="Open Sans" pitchFamily="34" charset="0"/>
+              </a:rPr>
+              <a:t>‘Make me invisible’ feature</a:t>
+            </a:r>
+          </a:p>
+          <a:p>
+            <a:pPr marL="898398" lvl="2" indent="-514350">
+              <a:buFont typeface="+mj-lt"/>
+              <a:buAutoNum type="romanLcPeriod"/>
+            </a:pPr>
+            <a:r>
+              <a:rPr lang="en-GB" sz="2000" dirty="0" smtClean="0">
+                <a:latin typeface="Open Sans" pitchFamily="34" charset="0"/>
+                <a:ea typeface="Open Sans" pitchFamily="34" charset="0"/>
+                <a:cs typeface="Open Sans" pitchFamily="34" charset="0"/>
+              </a:rPr>
+              <a:t>Ask </a:t>
+            </a:r>
+            <a:r>
+              <a:rPr lang="en-GB" sz="2000" dirty="0" err="1" smtClean="0">
+                <a:latin typeface="Open Sans" pitchFamily="34" charset="0"/>
+                <a:ea typeface="Open Sans" pitchFamily="34" charset="0"/>
+                <a:cs typeface="Open Sans" pitchFamily="34" charset="0"/>
+              </a:rPr>
+              <a:t>alex</a:t>
+            </a:r>
+            <a:r>
+              <a:rPr lang="en-GB" sz="2000" dirty="0" smtClean="0">
+                <a:latin typeface="Open Sans" pitchFamily="34" charset="0"/>
+                <a:ea typeface="Open Sans" pitchFamily="34" charset="0"/>
+                <a:cs typeface="Open Sans" pitchFamily="34" charset="0"/>
+              </a:rPr>
+              <a:t> about the many to many feature</a:t>
+            </a:r>
+          </a:p>
+          <a:p>
+            <a:pPr lvl="2"/>
+            <a:endParaRPr lang="en-GB" sz="2000" dirty="0">
+              <a:latin typeface="Open Sans" pitchFamily="34" charset="0"/>
+              <a:ea typeface="Open Sans" pitchFamily="34" charset="0"/>
+              <a:cs typeface="Open Sans" pitchFamily="34" charset="0"/>
+            </a:endParaRPr>
+          </a:p>
           <a:p>
             <a:pPr lvl="1">
               <a:buFont typeface="Arial" panose="020B0604020202020204" pitchFamily="34" charset="0"/>
               <a:buChar char="•"/>
             </a:pPr>
             <a:r>
-              <a:rPr lang="en-GB" sz="2400" dirty="0" smtClean="0"/>
-              <a:t>PHP</a:t>
-            </a:r>
-          </a:p>
-          <a:p>
-            <a:pPr lvl="2">
-              <a:buFont typeface="Arial" panose="020B0604020202020204" pitchFamily="34" charset="0"/>
-              <a:buChar char="•"/>
-            </a:pPr>
-            <a:r>
-              <a:rPr lang="en-GB" sz="2200" dirty="0" smtClean="0"/>
-              <a:t>has a wide documentation available, and is easy to learn</a:t>
-            </a:r>
-          </a:p>
-          <a:p>
-            <a:pPr lvl="2">
-              <a:buFont typeface="Arial" panose="020B0604020202020204" pitchFamily="34" charset="0"/>
-              <a:buChar char="•"/>
-            </a:pPr>
-            <a:r>
-              <a:rPr lang="en-GB" sz="2200" dirty="0" smtClean="0"/>
-              <a:t>Works great with MySQL</a:t>
-            </a:r>
-          </a:p>
-          <a:p>
-            <a:pPr lvl="2">
-              <a:buFont typeface="Arial" panose="020B0604020202020204" pitchFamily="34" charset="0"/>
-              <a:buChar char="•"/>
-            </a:pPr>
-            <a:r>
-              <a:rPr lang="en-GB" sz="2200" dirty="0" smtClean="0"/>
-              <a:t>Processing all user inputs</a:t>
-            </a:r>
-          </a:p>
-          <a:p>
-            <a:pPr lvl="2">
-              <a:buFont typeface="Arial" panose="020B0604020202020204" pitchFamily="34" charset="0"/>
-              <a:buChar char="•"/>
-            </a:pPr>
-            <a:r>
-              <a:rPr lang="en-GB" sz="2200" dirty="0" smtClean="0"/>
-              <a:t>Good for heavy computing (matching script)</a:t>
-            </a:r>
-          </a:p>
-          <a:p>
-            <a:pPr lvl="1">
-              <a:buFont typeface="Arial" panose="020B0604020202020204" pitchFamily="34" charset="0"/>
-              <a:buChar char="•"/>
-            </a:pPr>
-            <a:r>
-              <a:rPr lang="en-GB" sz="2400" dirty="0" smtClean="0"/>
-              <a:t>MySQL </a:t>
-            </a:r>
-          </a:p>
-          <a:p>
-            <a:pPr lvl="2">
-              <a:buFont typeface="Arial" panose="020B0604020202020204" pitchFamily="34" charset="0"/>
-              <a:buChar char="•"/>
-            </a:pPr>
-            <a:r>
-              <a:rPr lang="en-GB" sz="2200" dirty="0" smtClean="0"/>
-              <a:t>Fast</a:t>
-            </a:r>
-          </a:p>
-          <a:p>
-            <a:pPr lvl="2">
-              <a:buFont typeface="Arial" panose="020B0604020202020204" pitchFamily="34" charset="0"/>
-              <a:buChar char="•"/>
-            </a:pPr>
-            <a:r>
-              <a:rPr lang="en-GB" sz="2200" dirty="0" smtClean="0"/>
-              <a:t>Secure</a:t>
-            </a:r>
-          </a:p>
-          <a:p>
-            <a:pPr lvl="2">
-              <a:buFont typeface="Arial" panose="020B0604020202020204" pitchFamily="34" charset="0"/>
-              <a:buChar char="•"/>
-            </a:pPr>
-            <a:r>
-              <a:rPr lang="en-GB" sz="2200" dirty="0" smtClean="0"/>
-              <a:t>Easy to learn</a:t>
-            </a:r>
-          </a:p>
-          <a:p>
-            <a:pPr lvl="2">
-              <a:buFont typeface="Arial" panose="020B0604020202020204" pitchFamily="34" charset="0"/>
-              <a:buChar char="•"/>
-            </a:pPr>
-            <a:r>
-              <a:rPr lang="en-GB" sz="2200" dirty="0" smtClean="0"/>
-              <a:t>FREE!</a:t>
-            </a:r>
-          </a:p>
-          <a:p>
-            <a:pPr lvl="1">
-              <a:buFont typeface="Arial" panose="020B0604020202020204" pitchFamily="34" charset="0"/>
-              <a:buChar char="•"/>
+              <a:rPr lang="en-GB" sz="2400" dirty="0" smtClean="0">
+                <a:latin typeface="Open Sans" pitchFamily="34" charset="0"/>
+                <a:ea typeface="Open Sans" pitchFamily="34" charset="0"/>
+                <a:cs typeface="Open Sans" pitchFamily="34" charset="0"/>
+              </a:rPr>
+              <a:t>Platform similar to a social networking site for users to interact with each other.</a:t>
+            </a:r>
+          </a:p>
+          <a:p>
+            <a:pPr marL="201168" lvl="1" indent="0">
+              <a:buNone/>
             </a:pPr>
             <a:endParaRPr lang="en-GB" sz="2400" dirty="0"/>
           </a:p>
         </p:txBody>
       </p:sp>
-      <p:pic>
-        <p:nvPicPr>
-          <p:cNvPr id="4" name="Picture 3"/>
-          <p:cNvPicPr>
-            <a:picLocks noChangeAspect="1"/>
-          </p:cNvPicPr>
-          <p:nvPr/>
-        </p:nvPicPr>
-        <p:blipFill>
-          <a:blip r:embed="rId2">
-            <a:extLst>
-              <a:ext uri="{28A0092B-C50C-407E-A947-70E740481C1C}">
-                <a14:useLocalDpi xmlns:a14="http://schemas.microsoft.com/office/drawing/2010/main" val="0"/>
-              </a:ext>
-            </a:extLst>
-          </a:blip>
-          <a:stretch>
-            <a:fillRect/>
-          </a:stretch>
-        </p:blipFill>
-        <p:spPr>
-          <a:xfrm>
-            <a:off x="6781799" y="2795116"/>
-            <a:ext cx="5410201" cy="3073978"/>
-          </a:xfrm>
-          <a:prstGeom prst="rect">
-            <a:avLst/>
-          </a:prstGeom>
-        </p:spPr>
-      </p:pic>
     </p:spTree>
     <p:extLst>
       <p:ext uri="{BB962C8B-B14F-4D97-AF65-F5344CB8AC3E}">
-        <p14:creationId xmlns:p14="http://schemas.microsoft.com/office/powerpoint/2010/main" val="3916045223"/>
+        <p14:creationId xmlns:p14="http://schemas.microsoft.com/office/powerpoint/2010/main" val="2228897202"/>
       </p:ext>
     </p:extLst>
   </p:cSld>
@@ -11990,1129 +10639,7 @@
 </p:sld>
 </file>
 
-<file path=ppt/slides/slide21.xml><?xml version="1.0" encoding="utf-8"?>
-<p:sld xmlns:a="http://schemas.openxmlformats.org/drawingml/2006/main" xmlns:r="http://schemas.openxmlformats.org/officeDocument/2006/relationships" xmlns:p="http://schemas.openxmlformats.org/presentationml/2006/main">
-  <p:cSld>
-    <p:spTree>
-      <p:nvGrpSpPr>
-        <p:cNvPr id="1" name=""/>
-        <p:cNvGrpSpPr/>
-        <p:nvPr/>
-      </p:nvGrpSpPr>
-      <p:grpSpPr>
-        <a:xfrm>
-          <a:off x="0" y="0"/>
-          <a:ext cx="0" cy="0"/>
-          <a:chOff x="0" y="0"/>
-          <a:chExt cx="0" cy="0"/>
-        </a:xfrm>
-      </p:grpSpPr>
-      <p:sp>
-        <p:nvSpPr>
-          <p:cNvPr id="8" name="Title 7"/>
-          <p:cNvSpPr>
-            <a:spLocks noGrp="1"/>
-          </p:cNvSpPr>
-          <p:nvPr>
-            <p:ph type="title"/>
-          </p:nvPr>
-        </p:nvSpPr>
-        <p:spPr/>
-        <p:txBody>
-          <a:bodyPr/>
-          <a:lstStyle/>
-          <a:p>
-            <a:r>
-              <a:rPr lang="en-GB" dirty="0"/>
-              <a:t>Stubs </a:t>
-            </a:r>
-            <a:r>
-              <a:rPr lang="en-GB" dirty="0" smtClean="0"/>
-              <a:t>everywhere</a:t>
-            </a:r>
-            <a:endParaRPr lang="en-GB" dirty="0"/>
-          </a:p>
-        </p:txBody>
-      </p:sp>
-      <p:sp>
-        <p:nvSpPr>
-          <p:cNvPr id="7" name="Content Placeholder 6"/>
-          <p:cNvSpPr>
-            <a:spLocks noGrp="1"/>
-          </p:cNvSpPr>
-          <p:nvPr>
-            <p:ph idx="4294967295"/>
-          </p:nvPr>
-        </p:nvSpPr>
-        <p:spPr>
-          <a:xfrm>
-            <a:off x="1193800" y="2112963"/>
-            <a:ext cx="10058400" cy="4022725"/>
-          </a:xfrm>
-        </p:spPr>
-        <p:txBody>
-          <a:bodyPr>
-            <a:normAutofit/>
-          </a:bodyPr>
-          <a:lstStyle/>
-          <a:p>
-            <a:pPr lvl="1">
-              <a:buFont typeface="Arial" panose="020B0604020202020204" pitchFamily="34" charset="0"/>
-              <a:buChar char="•"/>
-            </a:pPr>
-            <a:r>
-              <a:rPr lang="en-GB" sz="2400" dirty="0" smtClean="0"/>
-              <a:t>Stub every file that needs to be done, commenting it</a:t>
-            </a:r>
-          </a:p>
-          <a:p>
-            <a:pPr lvl="1">
-              <a:buFont typeface="Arial" panose="020B0604020202020204" pitchFamily="34" charset="0"/>
-              <a:buChar char="•"/>
-            </a:pPr>
-            <a:r>
-              <a:rPr lang="en-GB" sz="2400" dirty="0" smtClean="0"/>
-              <a:t>Useful </a:t>
-            </a:r>
-            <a:r>
-              <a:rPr lang="en-GB" sz="2400" dirty="0"/>
-              <a:t>for an organised approach</a:t>
-            </a:r>
-          </a:p>
-          <a:p>
-            <a:pPr lvl="1">
-              <a:buFont typeface="Arial" panose="020B0604020202020204" pitchFamily="34" charset="0"/>
-              <a:buChar char="•"/>
-            </a:pPr>
-            <a:r>
-              <a:rPr lang="en-GB" sz="2400" dirty="0"/>
-              <a:t>Making tasks easier to assign</a:t>
-            </a:r>
-          </a:p>
-          <a:p>
-            <a:pPr lvl="1">
-              <a:buFont typeface="Arial" panose="020B0604020202020204" pitchFamily="34" charset="0"/>
-              <a:buChar char="•"/>
-            </a:pPr>
-            <a:r>
-              <a:rPr lang="en-GB" sz="2400" dirty="0"/>
-              <a:t>Making things more understandable for less experienced </a:t>
-            </a:r>
-            <a:r>
-              <a:rPr lang="en-GB" sz="2400" dirty="0" smtClean="0"/>
-              <a:t>people</a:t>
-            </a:r>
-            <a:endParaRPr lang="en-GB" sz="2400" dirty="0"/>
-          </a:p>
-        </p:txBody>
-      </p:sp>
-    </p:spTree>
-    <p:extLst>
-      <p:ext uri="{BB962C8B-B14F-4D97-AF65-F5344CB8AC3E}">
-        <p14:creationId xmlns:p14="http://schemas.microsoft.com/office/powerpoint/2010/main" val="3161905054"/>
-      </p:ext>
-    </p:extLst>
-  </p:cSld>
-  <p:clrMapOvr>
-    <a:masterClrMapping/>
-  </p:clrMapOvr>
-  <p:transition spd="slow">
-    <p:push/>
-  </p:transition>
-  <p:timing>
-    <p:tnLst>
-      <p:par>
-        <p:cTn id="1" dur="indefinite" restart="never" nodeType="tmRoot"/>
-      </p:par>
-    </p:tnLst>
-  </p:timing>
-</p:sld>
-</file>
-
-<file path=ppt/slides/slide22.xml><?xml version="1.0" encoding="utf-8"?>
-<p:sld xmlns:a="http://schemas.openxmlformats.org/drawingml/2006/main" xmlns:r="http://schemas.openxmlformats.org/officeDocument/2006/relationships" xmlns:p="http://schemas.openxmlformats.org/presentationml/2006/main">
-  <p:cSld>
-    <p:spTree>
-      <p:nvGrpSpPr>
-        <p:cNvPr id="1" name=""/>
-        <p:cNvGrpSpPr/>
-        <p:nvPr/>
-      </p:nvGrpSpPr>
-      <p:grpSpPr>
-        <a:xfrm>
-          <a:off x="0" y="0"/>
-          <a:ext cx="0" cy="0"/>
-          <a:chOff x="0" y="0"/>
-          <a:chExt cx="0" cy="0"/>
-        </a:xfrm>
-      </p:grpSpPr>
-      <p:sp>
-        <p:nvSpPr>
-          <p:cNvPr id="5" name="Title 4"/>
-          <p:cNvSpPr>
-            <a:spLocks noGrp="1"/>
-          </p:cNvSpPr>
-          <p:nvPr>
-            <p:ph type="title"/>
-          </p:nvPr>
-        </p:nvSpPr>
-        <p:spPr>
-          <a:xfrm>
-            <a:off x="1097280" y="286603"/>
-            <a:ext cx="5684837" cy="1450757"/>
-          </a:xfrm>
-        </p:spPr>
-        <p:txBody>
-          <a:bodyPr/>
-          <a:lstStyle/>
-          <a:p>
-            <a:r>
-              <a:rPr lang="en-GB" dirty="0" smtClean="0"/>
-              <a:t>OOP for the win!</a:t>
-            </a:r>
-            <a:endParaRPr lang="en-GB" dirty="0"/>
-          </a:p>
-        </p:txBody>
-      </p:sp>
-      <p:sp>
-        <p:nvSpPr>
-          <p:cNvPr id="3" name="TextBox 2"/>
-          <p:cNvSpPr txBox="1"/>
-          <p:nvPr/>
-        </p:nvSpPr>
-        <p:spPr>
-          <a:xfrm>
-            <a:off x="1097279" y="2097677"/>
-            <a:ext cx="5684837" cy="1908215"/>
-          </a:xfrm>
-          <a:prstGeom prst="rect">
-            <a:avLst/>
-          </a:prstGeom>
-          <a:noFill/>
-        </p:spPr>
-        <p:txBody>
-          <a:bodyPr wrap="square" rtlCol="0">
-            <a:spAutoFit/>
-          </a:bodyPr>
-          <a:lstStyle/>
-          <a:p>
-            <a:pPr marL="742950" lvl="1" indent="-285750">
-              <a:buClr>
-                <a:schemeClr val="accent1"/>
-              </a:buClr>
-              <a:buFont typeface="Arial" panose="020B0604020202020204" pitchFamily="34" charset="0"/>
-              <a:buChar char="•"/>
-            </a:pPr>
-            <a:r>
-              <a:rPr lang="en-GB" sz="2400" dirty="0" smtClean="0">
-                <a:solidFill>
-                  <a:schemeClr val="tx1">
-                    <a:lumMod val="75000"/>
-                    <a:lumOff val="25000"/>
-                  </a:schemeClr>
-                </a:solidFill>
-              </a:rPr>
-              <a:t>PHP fully supports OOP</a:t>
-            </a:r>
-          </a:p>
-          <a:p>
-            <a:pPr marL="742950" lvl="1" indent="-285750">
-              <a:buClr>
-                <a:schemeClr val="accent1"/>
-              </a:buClr>
-              <a:buFont typeface="Arial" panose="020B0604020202020204" pitchFamily="34" charset="0"/>
-              <a:buChar char="•"/>
-            </a:pPr>
-            <a:r>
-              <a:rPr lang="en-GB" sz="2400" dirty="0" smtClean="0">
-                <a:solidFill>
-                  <a:schemeClr val="tx1">
-                    <a:lumMod val="75000"/>
-                    <a:lumOff val="25000"/>
-                  </a:schemeClr>
-                </a:solidFill>
-              </a:rPr>
-              <a:t>Easier to work in team</a:t>
-            </a:r>
-          </a:p>
-          <a:p>
-            <a:pPr lvl="2">
-              <a:buClr>
-                <a:schemeClr val="accent1"/>
-              </a:buClr>
-            </a:pPr>
-            <a:r>
-              <a:rPr lang="en-GB" sz="2200" dirty="0" smtClean="0">
-                <a:solidFill>
-                  <a:schemeClr val="tx1">
-                    <a:lumMod val="75000"/>
-                    <a:lumOff val="25000"/>
-                  </a:schemeClr>
-                </a:solidFill>
-              </a:rPr>
-              <a:t>and not mess with each other’s work</a:t>
-            </a:r>
-          </a:p>
-          <a:p>
-            <a:pPr marL="742950" lvl="1" indent="-285750">
-              <a:buClr>
-                <a:schemeClr val="accent1"/>
-              </a:buClr>
-              <a:buFont typeface="Arial" panose="020B0604020202020204" pitchFamily="34" charset="0"/>
-              <a:buChar char="•"/>
-            </a:pPr>
-            <a:r>
-              <a:rPr lang="en-GB" sz="2400" dirty="0" smtClean="0">
-                <a:solidFill>
-                  <a:schemeClr val="tx1">
-                    <a:lumMod val="75000"/>
-                    <a:lumOff val="25000"/>
-                  </a:schemeClr>
-                </a:solidFill>
-              </a:rPr>
-              <a:t>Going pro scalability</a:t>
-            </a:r>
-          </a:p>
-          <a:p>
-            <a:pPr lvl="2">
-              <a:buClr>
-                <a:schemeClr val="accent1"/>
-              </a:buClr>
-            </a:pPr>
-            <a:r>
-              <a:rPr lang="en-GB" sz="2200" dirty="0" smtClean="0">
-                <a:solidFill>
-                  <a:schemeClr val="tx1">
-                    <a:lumMod val="75000"/>
-                    <a:lumOff val="25000"/>
-                  </a:schemeClr>
-                </a:solidFill>
-              </a:rPr>
-              <a:t>for possible future expansion</a:t>
-            </a:r>
-          </a:p>
-        </p:txBody>
-      </p:sp>
-      <p:pic>
-        <p:nvPicPr>
-          <p:cNvPr id="6" name="Picture 5"/>
-          <p:cNvPicPr>
-            <a:picLocks noChangeAspect="1"/>
-          </p:cNvPicPr>
-          <p:nvPr/>
-        </p:nvPicPr>
-        <p:blipFill>
-          <a:blip r:embed="rId2">
-            <a:extLst>
-              <a:ext uri="{28A0092B-C50C-407E-A947-70E740481C1C}">
-                <a14:useLocalDpi xmlns:a14="http://schemas.microsoft.com/office/drawing/2010/main" val="0"/>
-              </a:ext>
-            </a:extLst>
-          </a:blip>
-          <a:stretch>
-            <a:fillRect/>
-          </a:stretch>
-        </p:blipFill>
-        <p:spPr>
-          <a:xfrm>
-            <a:off x="6909117" y="622300"/>
-            <a:ext cx="5003656" cy="4929113"/>
-          </a:xfrm>
-          <a:prstGeom prst="rect">
-            <a:avLst/>
-          </a:prstGeom>
-        </p:spPr>
-      </p:pic>
-    </p:spTree>
-    <p:extLst>
-      <p:ext uri="{BB962C8B-B14F-4D97-AF65-F5344CB8AC3E}">
-        <p14:creationId xmlns:p14="http://schemas.microsoft.com/office/powerpoint/2010/main" val="756971937"/>
-      </p:ext>
-    </p:extLst>
-  </p:cSld>
-  <p:clrMapOvr>
-    <a:masterClrMapping/>
-  </p:clrMapOvr>
-  <p:transition spd="slow">
-    <p:push/>
-  </p:transition>
-  <p:timing>
-    <p:tnLst>
-      <p:par>
-        <p:cTn id="1" dur="indefinite" restart="never" nodeType="tmRoot"/>
-      </p:par>
-    </p:tnLst>
-  </p:timing>
-</p:sld>
-</file>
-
-<file path=ppt/slides/slide23.xml><?xml version="1.0" encoding="utf-8"?>
-<p:sld xmlns:a="http://schemas.openxmlformats.org/drawingml/2006/main" xmlns:r="http://schemas.openxmlformats.org/officeDocument/2006/relationships" xmlns:p="http://schemas.openxmlformats.org/presentationml/2006/main">
-  <p:cSld>
-    <p:spTree>
-      <p:nvGrpSpPr>
-        <p:cNvPr id="1" name=""/>
-        <p:cNvGrpSpPr/>
-        <p:nvPr/>
-      </p:nvGrpSpPr>
-      <p:grpSpPr>
-        <a:xfrm>
-          <a:off x="0" y="0"/>
-          <a:ext cx="0" cy="0"/>
-          <a:chOff x="0" y="0"/>
-          <a:chExt cx="0" cy="0"/>
-        </a:xfrm>
-      </p:grpSpPr>
-      <p:sp>
-        <p:nvSpPr>
-          <p:cNvPr id="2" name="Title 1"/>
-          <p:cNvSpPr>
-            <a:spLocks noGrp="1"/>
-          </p:cNvSpPr>
-          <p:nvPr>
-            <p:ph type="title"/>
-          </p:nvPr>
-        </p:nvSpPr>
-        <p:spPr/>
-        <p:txBody>
-          <a:bodyPr/>
-          <a:lstStyle/>
-          <a:p>
-            <a:r>
-              <a:rPr lang="en-GB" dirty="0" smtClean="0"/>
-              <a:t>Good teamwork == good result</a:t>
-            </a:r>
-            <a:endParaRPr lang="en-GB" dirty="0"/>
-          </a:p>
-        </p:txBody>
-      </p:sp>
-      <p:sp>
-        <p:nvSpPr>
-          <p:cNvPr id="5" name="TextBox 4"/>
-          <p:cNvSpPr txBox="1"/>
-          <p:nvPr/>
-        </p:nvSpPr>
-        <p:spPr>
-          <a:xfrm>
-            <a:off x="1698171" y="2403566"/>
-            <a:ext cx="9393918" cy="1569660"/>
-          </a:xfrm>
-          <a:prstGeom prst="rect">
-            <a:avLst/>
-          </a:prstGeom>
-          <a:noFill/>
-        </p:spPr>
-        <p:txBody>
-          <a:bodyPr wrap="none" rtlCol="0">
-            <a:spAutoFit/>
-          </a:bodyPr>
-          <a:lstStyle/>
-          <a:p>
-            <a:pPr marL="285750" indent="-285750">
-              <a:buClr>
-                <a:schemeClr val="accent1"/>
-              </a:buClr>
-              <a:buFont typeface="Arial" panose="020B0604020202020204" pitchFamily="34" charset="0"/>
-              <a:buChar char="•"/>
-            </a:pPr>
-            <a:r>
-              <a:rPr lang="en-GB" sz="2400" dirty="0" smtClean="0">
-                <a:solidFill>
-                  <a:schemeClr val="tx1">
-                    <a:lumMod val="75000"/>
-                    <a:lumOff val="25000"/>
-                  </a:schemeClr>
-                </a:solidFill>
-              </a:rPr>
-              <a:t>Use </a:t>
-            </a:r>
-            <a:r>
-              <a:rPr lang="en-GB" sz="2400" dirty="0" err="1" smtClean="0">
-                <a:solidFill>
-                  <a:schemeClr val="tx1">
-                    <a:lumMod val="75000"/>
-                    <a:lumOff val="25000"/>
-                  </a:schemeClr>
-                </a:solidFill>
-              </a:rPr>
-              <a:t>GitLab</a:t>
-            </a:r>
-            <a:r>
-              <a:rPr lang="en-GB" sz="2400" dirty="0">
-                <a:solidFill>
-                  <a:schemeClr val="tx1">
-                    <a:lumMod val="75000"/>
-                    <a:lumOff val="25000"/>
-                  </a:schemeClr>
-                </a:solidFill>
-              </a:rPr>
-              <a:t> </a:t>
-            </a:r>
-            <a:r>
-              <a:rPr lang="en-GB" sz="2400" dirty="0" smtClean="0">
-                <a:solidFill>
-                  <a:schemeClr val="tx1">
-                    <a:lumMod val="75000"/>
-                    <a:lumOff val="25000"/>
-                  </a:schemeClr>
-                </a:solidFill>
-              </a:rPr>
-              <a:t>for proper version control</a:t>
-            </a:r>
-          </a:p>
-          <a:p>
-            <a:pPr marL="285750" indent="-285750">
-              <a:buClr>
-                <a:schemeClr val="accent1"/>
-              </a:buClr>
-              <a:buFont typeface="Arial" panose="020B0604020202020204" pitchFamily="34" charset="0"/>
-              <a:buChar char="•"/>
-            </a:pPr>
-            <a:r>
-              <a:rPr lang="en-GB" sz="2400" dirty="0" smtClean="0">
-                <a:solidFill>
-                  <a:schemeClr val="tx1">
-                    <a:lumMod val="75000"/>
-                    <a:lumOff val="25000"/>
-                  </a:schemeClr>
-                </a:solidFill>
-              </a:rPr>
-              <a:t>Allocate weekly tasks to each team member (=&gt; 6 tasks/week)</a:t>
-            </a:r>
-          </a:p>
-          <a:p>
-            <a:pPr marL="285750" indent="-285750">
-              <a:buClr>
-                <a:schemeClr val="accent1"/>
-              </a:buClr>
-              <a:buFont typeface="Arial" panose="020B0604020202020204" pitchFamily="34" charset="0"/>
-              <a:buChar char="•"/>
-            </a:pPr>
-            <a:r>
-              <a:rPr lang="en-GB" sz="2400" dirty="0" smtClean="0">
-                <a:solidFill>
-                  <a:schemeClr val="tx1">
-                    <a:lumMod val="75000"/>
-                    <a:lumOff val="25000"/>
-                  </a:schemeClr>
-                </a:solidFill>
-              </a:rPr>
-              <a:t>From time to time, improve/retouch/test and debug already made stuff</a:t>
-            </a:r>
-          </a:p>
-          <a:p>
-            <a:pPr lvl="1">
-              <a:buClr>
-                <a:schemeClr val="accent1"/>
-              </a:buClr>
-            </a:pPr>
-            <a:r>
-              <a:rPr lang="en-GB" sz="2200" dirty="0" smtClean="0">
-                <a:solidFill>
-                  <a:schemeClr val="tx1">
-                    <a:lumMod val="75000"/>
-                    <a:lumOff val="25000"/>
-                  </a:schemeClr>
-                </a:solidFill>
-              </a:rPr>
-              <a:t>(especially debug)</a:t>
-            </a:r>
-          </a:p>
-        </p:txBody>
-      </p:sp>
-    </p:spTree>
-    <p:extLst>
-      <p:ext uri="{BB962C8B-B14F-4D97-AF65-F5344CB8AC3E}">
-        <p14:creationId xmlns:p14="http://schemas.microsoft.com/office/powerpoint/2010/main" val="3769276843"/>
-      </p:ext>
-    </p:extLst>
-  </p:cSld>
-  <p:clrMapOvr>
-    <a:masterClrMapping/>
-  </p:clrMapOvr>
-  <p:transition spd="slow">
-    <p:push/>
-  </p:transition>
-  <p:timing>
-    <p:tnLst>
-      <p:par>
-        <p:cTn id="1" dur="indefinite" restart="never" nodeType="tmRoot">
-          <p:childTnLst>
-            <p:seq concurrent="1" nextAc="seek">
-              <p:cTn id="2" dur="indefinite" nodeType="mainSeq">
-                <p:childTnLst>
-                  <p:par>
-                    <p:cTn id="3" fill="hold">
-                      <p:stCondLst>
-                        <p:cond delay="indefinite"/>
-                        <p:cond evt="onBegin" delay="0">
-                          <p:tn val="2"/>
-                        </p:cond>
-                      </p:stCondLst>
-                      <p:childTnLst>
-                        <p:par>
-                          <p:cTn id="4" fill="hold">
-                            <p:stCondLst>
-                              <p:cond delay="0"/>
-                            </p:stCondLst>
-                            <p:childTnLst>
-                              <p:par>
-                                <p:cTn id="5" presetID="18" presetClass="emph" presetSubtype="0" fill="hold" nodeType="afterEffect">
-                                  <p:stCondLst>
-                                    <p:cond delay="5000"/>
-                                  </p:stCondLst>
-                                  <p:iterate type="lt">
-                                    <p:tmPct val="4000"/>
-                                  </p:iterate>
-                                  <p:childTnLst>
-                                    <p:set>
-                                      <p:cBhvr override="childStyle">
-                                        <p:cTn id="6" dur="500" fill="hold"/>
-                                        <p:tgtEl>
-                                          <p:spTgt spid="5">
-                                            <p:txEl>
-                                              <p:pRg st="3" end="3"/>
-                                            </p:txEl>
-                                          </p:spTgt>
-                                        </p:tgtEl>
-                                        <p:attrNameLst>
-                                          <p:attrName>style.textDecorationUnderline</p:attrName>
-                                        </p:attrNameLst>
-                                      </p:cBhvr>
-                                      <p:to>
-                                        <p:strVal val="true"/>
-                                      </p:to>
-                                    </p:set>
-                                  </p:childTnLst>
-                                </p:cTn>
-                              </p:par>
-                            </p:childTnLst>
-                          </p:cTn>
-                        </p:par>
-                      </p:childTnLst>
-                    </p:cTn>
-                  </p:par>
-                </p:childTnLst>
-              </p:cTn>
-              <p:prevCondLst>
-                <p:cond evt="onPrev" delay="0">
-                  <p:tgtEl>
-                    <p:sldTgt/>
-                  </p:tgtEl>
-                </p:cond>
-              </p:prevCondLst>
-              <p:nextCondLst>
-                <p:cond evt="onNext" delay="0">
-                  <p:tgtEl>
-                    <p:sldTgt/>
-                  </p:tgtEl>
-                </p:cond>
-              </p:nextCondLst>
-            </p:seq>
-          </p:childTnLst>
-        </p:cTn>
-      </p:par>
-    </p:tnLst>
-  </p:timing>
-</p:sld>
-</file>
-
-<file path=ppt/slides/slide24.xml><?xml version="1.0" encoding="utf-8"?>
-<p:sld xmlns:a="http://schemas.openxmlformats.org/drawingml/2006/main" xmlns:r="http://schemas.openxmlformats.org/officeDocument/2006/relationships" xmlns:p="http://schemas.openxmlformats.org/presentationml/2006/main">
-  <p:cSld>
-    <p:spTree>
-      <p:nvGrpSpPr>
-        <p:cNvPr id="1" name=""/>
-        <p:cNvGrpSpPr/>
-        <p:nvPr/>
-      </p:nvGrpSpPr>
-      <p:grpSpPr>
-        <a:xfrm>
-          <a:off x="0" y="0"/>
-          <a:ext cx="0" cy="0"/>
-          <a:chOff x="0" y="0"/>
-          <a:chExt cx="0" cy="0"/>
-        </a:xfrm>
-      </p:grpSpPr>
-      <p:sp>
-        <p:nvSpPr>
-          <p:cNvPr id="2" name="Title 1"/>
-          <p:cNvSpPr>
-            <a:spLocks noGrp="1"/>
-          </p:cNvSpPr>
-          <p:nvPr>
-            <p:ph type="title"/>
-          </p:nvPr>
-        </p:nvSpPr>
-        <p:spPr/>
-        <p:txBody>
-          <a:bodyPr/>
-          <a:lstStyle/>
-          <a:p>
-            <a:r>
-              <a:rPr lang="en-GB" dirty="0" smtClean="0"/>
-              <a:t>Planning before everything</a:t>
-            </a:r>
-            <a:endParaRPr lang="en-GB" dirty="0"/>
-          </a:p>
-        </p:txBody>
-      </p:sp>
-      <p:sp>
-        <p:nvSpPr>
-          <p:cNvPr id="5" name="Content Placeholder 4"/>
-          <p:cNvSpPr txBox="1">
-            <a:spLocks noGrp="1"/>
-          </p:cNvSpPr>
-          <p:nvPr>
-            <p:ph idx="1"/>
-          </p:nvPr>
-        </p:nvSpPr>
-        <p:spPr>
-          <a:xfrm>
-            <a:off x="1097280" y="2099734"/>
-            <a:ext cx="9252982" cy="3422475"/>
-          </a:xfrm>
-          <a:prstGeom prst="rect">
-            <a:avLst/>
-          </a:prstGeom>
-          <a:noFill/>
-        </p:spPr>
-        <p:txBody>
-          <a:bodyPr wrap="none" rtlCol="0">
-            <a:spAutoFit/>
-          </a:bodyPr>
-          <a:lstStyle/>
-          <a:p>
-            <a:pPr lvl="1">
-              <a:buFont typeface="Arial" panose="020B0604020202020204" pitchFamily="34" charset="0"/>
-              <a:buChar char="•"/>
-            </a:pPr>
-            <a:r>
-              <a:rPr lang="en-GB" sz="2400" dirty="0" smtClean="0"/>
-              <a:t>Weekly meetings on Friday</a:t>
-            </a:r>
-          </a:p>
-          <a:p>
-            <a:pPr lvl="1">
-              <a:buFont typeface="Arial" panose="020B0604020202020204" pitchFamily="34" charset="0"/>
-              <a:buChar char="•"/>
-            </a:pPr>
-            <a:r>
-              <a:rPr lang="en-GB" sz="2400" dirty="0" smtClean="0"/>
-              <a:t>Discuss how the previous tasks went</a:t>
-            </a:r>
-          </a:p>
-          <a:p>
-            <a:pPr lvl="1">
-              <a:buFont typeface="Arial" panose="020B0604020202020204" pitchFamily="34" charset="0"/>
-              <a:buChar char="•"/>
-            </a:pPr>
-            <a:r>
-              <a:rPr lang="en-GB" sz="2400" dirty="0" smtClean="0"/>
-              <a:t>Discuss and (re)assign the next tasks for each other</a:t>
-            </a:r>
-          </a:p>
-          <a:p>
-            <a:pPr lvl="1">
-              <a:buFont typeface="Arial" panose="020B0604020202020204" pitchFamily="34" charset="0"/>
-              <a:buChar char="•"/>
-            </a:pPr>
-            <a:r>
-              <a:rPr lang="en-GB" sz="2400" dirty="0" smtClean="0"/>
-              <a:t>Allocate tasks considering everyone’s strengths and weaknesses</a:t>
-            </a:r>
-          </a:p>
-          <a:p>
-            <a:pPr lvl="2">
-              <a:buFont typeface="Wingdings" panose="05000000000000000000" pitchFamily="2" charset="2"/>
-              <a:buChar char="Ø"/>
-            </a:pPr>
-            <a:r>
-              <a:rPr lang="en-GB" sz="2000" dirty="0" smtClean="0"/>
-              <a:t>Alex would take most of the PHP-heavy tasks, also the debugging</a:t>
-            </a:r>
-          </a:p>
-          <a:p>
-            <a:pPr lvl="2">
-              <a:buFont typeface="Wingdings" panose="05000000000000000000" pitchFamily="2" charset="2"/>
-              <a:buChar char="Ø"/>
-            </a:pPr>
-            <a:r>
-              <a:rPr lang="en-GB" sz="2000" dirty="0" smtClean="0"/>
-              <a:t>Daniel would take the main front-end related tasks, and the design retouching ones</a:t>
-            </a:r>
-          </a:p>
-          <a:p>
-            <a:pPr lvl="2">
-              <a:buFont typeface="Wingdings" panose="05000000000000000000" pitchFamily="2" charset="2"/>
-              <a:buChar char="Ø"/>
-            </a:pPr>
-            <a:r>
-              <a:rPr lang="en-GB" sz="2000" dirty="0" err="1" smtClean="0"/>
-              <a:t>Elnur</a:t>
-            </a:r>
-            <a:r>
-              <a:rPr lang="en-GB" sz="2000" dirty="0" smtClean="0"/>
-              <a:t> would mostly take the basic front-end / design tasks, along with testing</a:t>
-            </a:r>
-          </a:p>
-          <a:p>
-            <a:pPr lvl="2">
-              <a:buFont typeface="Wingdings" panose="05000000000000000000" pitchFamily="2" charset="2"/>
-              <a:buChar char="Ø"/>
-            </a:pPr>
-            <a:r>
-              <a:rPr lang="en-GB" sz="2000" dirty="0" smtClean="0"/>
-              <a:t>Liam would usually take the simpler back-end ones, along with testing</a:t>
-            </a:r>
-          </a:p>
-          <a:p>
-            <a:pPr lvl="2">
-              <a:buFont typeface="Wingdings" panose="05000000000000000000" pitchFamily="2" charset="2"/>
-              <a:buChar char="Ø"/>
-            </a:pPr>
-            <a:r>
-              <a:rPr lang="en-GB" sz="2000" dirty="0" err="1" smtClean="0"/>
-              <a:t>Mitali</a:t>
-            </a:r>
-            <a:r>
-              <a:rPr lang="en-GB" sz="2000" dirty="0" smtClean="0"/>
-              <a:t> and Lilian would usually change between front-end and back-end tasks</a:t>
-            </a:r>
-            <a:endParaRPr lang="en-GB" sz="2000" dirty="0"/>
-          </a:p>
-        </p:txBody>
-      </p:sp>
-    </p:spTree>
-    <p:extLst>
-      <p:ext uri="{BB962C8B-B14F-4D97-AF65-F5344CB8AC3E}">
-        <p14:creationId xmlns:p14="http://schemas.microsoft.com/office/powerpoint/2010/main" val="3287765934"/>
-      </p:ext>
-    </p:extLst>
-  </p:cSld>
-  <p:clrMapOvr>
-    <a:masterClrMapping/>
-  </p:clrMapOvr>
-  <p:transition spd="slow">
-    <p:push/>
-  </p:transition>
-  <p:timing>
-    <p:tnLst>
-      <p:par>
-        <p:cTn id="1" dur="indefinite" restart="never" nodeType="tmRoot"/>
-      </p:par>
-    </p:tnLst>
-  </p:timing>
-</p:sld>
-</file>
-
-<file path=ppt/slides/slide25.xml><?xml version="1.0" encoding="utf-8"?>
-<p:sld xmlns:a="http://schemas.openxmlformats.org/drawingml/2006/main" xmlns:r="http://schemas.openxmlformats.org/officeDocument/2006/relationships" xmlns:p="http://schemas.openxmlformats.org/presentationml/2006/main">
-  <p:cSld>
-    <p:spTree>
-      <p:nvGrpSpPr>
-        <p:cNvPr id="1" name=""/>
-        <p:cNvGrpSpPr/>
-        <p:nvPr/>
-      </p:nvGrpSpPr>
-      <p:grpSpPr>
-        <a:xfrm>
-          <a:off x="0" y="0"/>
-          <a:ext cx="0" cy="0"/>
-          <a:chOff x="0" y="0"/>
-          <a:chExt cx="0" cy="0"/>
-        </a:xfrm>
-      </p:grpSpPr>
-      <p:sp>
-        <p:nvSpPr>
-          <p:cNvPr id="2" name="Title 1"/>
-          <p:cNvSpPr>
-            <a:spLocks noGrp="1"/>
-          </p:cNvSpPr>
-          <p:nvPr>
-            <p:ph type="title"/>
-          </p:nvPr>
-        </p:nvSpPr>
-        <p:spPr/>
-        <p:txBody>
-          <a:bodyPr/>
-          <a:lstStyle/>
-          <a:p>
-            <a:r>
-              <a:rPr lang="en-GB" dirty="0" smtClean="0"/>
-              <a:t>Punctuality is important</a:t>
-            </a:r>
-            <a:endParaRPr lang="en-GB" dirty="0"/>
-          </a:p>
-        </p:txBody>
-      </p:sp>
-      <p:sp>
-        <p:nvSpPr>
-          <p:cNvPr id="3" name="Content Placeholder 2"/>
-          <p:cNvSpPr>
-            <a:spLocks noGrp="1"/>
-          </p:cNvSpPr>
-          <p:nvPr>
-            <p:ph idx="1"/>
-          </p:nvPr>
-        </p:nvSpPr>
-        <p:spPr>
-          <a:xfrm>
-            <a:off x="1097280" y="1845734"/>
-            <a:ext cx="10058400" cy="4023360"/>
-          </a:xfrm>
-        </p:spPr>
-        <p:txBody>
-          <a:bodyPr>
-            <a:normAutofit/>
-          </a:bodyPr>
-          <a:lstStyle/>
-          <a:p>
-            <a:pPr lvl="1" fontAlgn="base">
-              <a:buFont typeface="Arial" panose="020B0604020202020204" pitchFamily="34" charset="0"/>
-              <a:buChar char="•"/>
-            </a:pPr>
-            <a:r>
-              <a:rPr lang="en-GB" sz="2400" dirty="0"/>
-              <a:t>By December 19</a:t>
-            </a:r>
-            <a:r>
-              <a:rPr lang="en-GB" sz="2400" baseline="30000" dirty="0"/>
-              <a:t>th</a:t>
-            </a:r>
-            <a:r>
-              <a:rPr lang="en-GB" sz="2400" dirty="0"/>
-              <a:t> </a:t>
-            </a:r>
-            <a:r>
-              <a:rPr lang="en-GB" sz="2400" dirty="0" smtClean="0"/>
-              <a:t>	- make the </a:t>
-            </a:r>
-            <a:r>
-              <a:rPr lang="en-GB" sz="2400" dirty="0"/>
-              <a:t>index pages, the login and register </a:t>
-            </a:r>
-            <a:r>
-              <a:rPr lang="en-GB" sz="2400" dirty="0" smtClean="0"/>
-              <a:t>scripts</a:t>
-            </a:r>
-          </a:p>
-          <a:p>
-            <a:pPr lvl="1" fontAlgn="base">
-              <a:buFont typeface="Arial" panose="020B0604020202020204" pitchFamily="34" charset="0"/>
-              <a:buChar char="•"/>
-            </a:pPr>
-            <a:r>
-              <a:rPr lang="en-GB" sz="2400" dirty="0" smtClean="0"/>
-              <a:t>By </a:t>
-            </a:r>
-            <a:r>
-              <a:rPr lang="en-GB" sz="2400" dirty="0"/>
-              <a:t>13</a:t>
-            </a:r>
-            <a:r>
-              <a:rPr lang="en-GB" sz="2400" baseline="30000" dirty="0"/>
-              <a:t>th</a:t>
-            </a:r>
-            <a:r>
-              <a:rPr lang="en-GB" sz="2400" dirty="0"/>
-              <a:t> January </a:t>
-            </a:r>
-            <a:r>
-              <a:rPr lang="en-GB" sz="2400" dirty="0" smtClean="0"/>
-              <a:t>	- people </a:t>
-            </a:r>
-            <a:r>
-              <a:rPr lang="en-GB" sz="2400" dirty="0"/>
-              <a:t>will have increased their knowledge </a:t>
-            </a:r>
-            <a:r>
-              <a:rPr lang="en-GB" sz="2400" dirty="0" smtClean="0"/>
-              <a:t>(over break)</a:t>
-            </a:r>
-          </a:p>
-          <a:p>
-            <a:pPr lvl="1" fontAlgn="base">
-              <a:buFont typeface="Arial" panose="020B0604020202020204" pitchFamily="34" charset="0"/>
-              <a:buChar char="•"/>
-            </a:pPr>
-            <a:r>
-              <a:rPr lang="en-GB" sz="2400" dirty="0" smtClean="0"/>
-              <a:t>By </a:t>
-            </a:r>
-            <a:r>
-              <a:rPr lang="en-GB" sz="2400" dirty="0"/>
-              <a:t>29</a:t>
-            </a:r>
-            <a:r>
-              <a:rPr lang="en-GB" sz="2400" baseline="30000" dirty="0"/>
-              <a:t>th</a:t>
-            </a:r>
-            <a:r>
-              <a:rPr lang="en-GB" sz="2400" dirty="0"/>
-              <a:t> </a:t>
-            </a:r>
-            <a:r>
-              <a:rPr lang="en-GB" sz="2400" dirty="0" smtClean="0"/>
-              <a:t>January 	- create </a:t>
-            </a:r>
-            <a:r>
-              <a:rPr lang="en-GB" sz="2400" dirty="0"/>
-              <a:t>the user </a:t>
-            </a:r>
-            <a:r>
-              <a:rPr lang="en-GB" sz="2400" dirty="0" smtClean="0"/>
-              <a:t>profiles</a:t>
-            </a:r>
-            <a:endParaRPr lang="en-GB" sz="2400" dirty="0"/>
-          </a:p>
-          <a:p>
-            <a:pPr lvl="1" fontAlgn="base">
-              <a:buFont typeface="Arial" panose="020B0604020202020204" pitchFamily="34" charset="0"/>
-              <a:buChar char="•"/>
-            </a:pPr>
-            <a:r>
-              <a:rPr lang="en-GB" sz="2400" dirty="0"/>
-              <a:t>By 12</a:t>
-            </a:r>
-            <a:r>
-              <a:rPr lang="en-GB" sz="2400" baseline="30000" dirty="0"/>
-              <a:t>th</a:t>
-            </a:r>
-            <a:r>
-              <a:rPr lang="en-GB" sz="2400" dirty="0"/>
-              <a:t> </a:t>
-            </a:r>
-            <a:r>
-              <a:rPr lang="en-GB" sz="2400" dirty="0" smtClean="0"/>
-              <a:t>February	- implement </a:t>
-            </a:r>
-            <a:r>
-              <a:rPr lang="en-GB" sz="2400" dirty="0"/>
-              <a:t>the accommodation </a:t>
-            </a:r>
-            <a:r>
-              <a:rPr lang="en-GB" sz="2400" dirty="0" smtClean="0"/>
-              <a:t>reviews</a:t>
-            </a:r>
-            <a:endParaRPr lang="en-GB" sz="2400" dirty="0"/>
-          </a:p>
-          <a:p>
-            <a:pPr lvl="1" fontAlgn="base">
-              <a:buFont typeface="Arial" panose="020B0604020202020204" pitchFamily="34" charset="0"/>
-              <a:buChar char="•"/>
-            </a:pPr>
-            <a:r>
-              <a:rPr lang="en-GB" sz="2400" dirty="0"/>
-              <a:t>By 19</a:t>
-            </a:r>
-            <a:r>
-              <a:rPr lang="en-GB" sz="2400" baseline="30000" dirty="0"/>
-              <a:t>th</a:t>
-            </a:r>
-            <a:r>
-              <a:rPr lang="en-GB" sz="2400" dirty="0"/>
-              <a:t> </a:t>
-            </a:r>
-            <a:r>
-              <a:rPr lang="en-GB" sz="2400" dirty="0" smtClean="0"/>
-              <a:t>February	- implement </a:t>
-            </a:r>
-            <a:r>
-              <a:rPr lang="en-GB" sz="2400" dirty="0"/>
-              <a:t>the room-mate matching system. </a:t>
-            </a:r>
-          </a:p>
-          <a:p>
-            <a:pPr lvl="1" fontAlgn="base">
-              <a:buFont typeface="Arial" panose="020B0604020202020204" pitchFamily="34" charset="0"/>
-              <a:buChar char="•"/>
-            </a:pPr>
-            <a:r>
-              <a:rPr lang="en-GB" sz="2400" dirty="0"/>
-              <a:t>By 5</a:t>
-            </a:r>
-            <a:r>
-              <a:rPr lang="en-GB" sz="2400" baseline="30000" dirty="0"/>
-              <a:t>th</a:t>
-            </a:r>
-            <a:r>
-              <a:rPr lang="en-GB" sz="2400" dirty="0"/>
-              <a:t> </a:t>
-            </a:r>
-            <a:r>
-              <a:rPr lang="en-GB" sz="2400" dirty="0" smtClean="0"/>
-              <a:t>  March	- implement </a:t>
-            </a:r>
-            <a:r>
-              <a:rPr lang="en-GB" sz="2400" dirty="0"/>
-              <a:t>the Instant Messaging system. </a:t>
-            </a:r>
-            <a:endParaRPr lang="en-GB" sz="2400" dirty="0" smtClean="0"/>
-          </a:p>
-          <a:p>
-            <a:pPr lvl="1" fontAlgn="base">
-              <a:buFont typeface="Arial" panose="020B0604020202020204" pitchFamily="34" charset="0"/>
-              <a:buChar char="•"/>
-            </a:pPr>
-            <a:r>
-              <a:rPr lang="en-GB" sz="2400" dirty="0" smtClean="0"/>
-              <a:t>By 12</a:t>
-            </a:r>
-            <a:r>
-              <a:rPr lang="en-GB" sz="2400" baseline="30000" dirty="0" smtClean="0"/>
-              <a:t>th</a:t>
-            </a:r>
-            <a:r>
-              <a:rPr lang="en-GB" sz="2400" dirty="0" smtClean="0"/>
-              <a:t> March	- finish all retouching/improving and begin heavy testing</a:t>
-            </a:r>
-            <a:endParaRPr lang="en-GB" sz="2400" dirty="0"/>
-          </a:p>
-          <a:p>
-            <a:pPr lvl="1" fontAlgn="base">
-              <a:buFont typeface="Arial" panose="020B0604020202020204" pitchFamily="34" charset="0"/>
-              <a:buChar char="•"/>
-            </a:pPr>
-            <a:r>
-              <a:rPr lang="en-GB" sz="2400" dirty="0"/>
-              <a:t>If we had more time, we would hope to implement a caching </a:t>
-            </a:r>
-            <a:r>
-              <a:rPr lang="en-GB" sz="2400" dirty="0" smtClean="0"/>
-              <a:t>system, </a:t>
-            </a:r>
-            <a:r>
-              <a:rPr lang="en-GB" sz="2400" dirty="0"/>
-              <a:t>for easing the server load. </a:t>
-            </a:r>
-          </a:p>
-        </p:txBody>
-      </p:sp>
-    </p:spTree>
-    <p:extLst>
-      <p:ext uri="{BB962C8B-B14F-4D97-AF65-F5344CB8AC3E}">
-        <p14:creationId xmlns:p14="http://schemas.microsoft.com/office/powerpoint/2010/main" val="1863451399"/>
-      </p:ext>
-    </p:extLst>
-  </p:cSld>
-  <p:clrMapOvr>
-    <a:masterClrMapping/>
-  </p:clrMapOvr>
-  <p:transition spd="slow">
-    <p:push/>
-  </p:transition>
-  <p:timing>
-    <p:tnLst>
-      <p:par>
-        <p:cTn id="1" dur="indefinite" restart="never" nodeType="tmRoot"/>
-      </p:par>
-    </p:tnLst>
-  </p:timing>
-</p:sld>
-</file>
-
-<file path=ppt/slides/slide26.xml><?xml version="1.0" encoding="utf-8"?>
+<file path=ppt/slides/slide16.xml><?xml version="1.0" encoding="utf-8"?>
 <p:sld xmlns:a="http://schemas.openxmlformats.org/drawingml/2006/main" xmlns:r="http://schemas.openxmlformats.org/officeDocument/2006/relationships" xmlns:p="http://schemas.openxmlformats.org/presentationml/2006/main">
   <p:cSld>
     <p:spTree>
@@ -13206,7 +10733,7 @@
     <a:masterClrMapping/>
   </p:clrMapOvr>
   <p:transition spd="slow">
-    <p:push/>
+    <p:push dir="u"/>
   </p:transition>
   <p:timing>
     <p:tnLst>
@@ -13218,7 +10745,7 @@
 </p:sld>
 </file>
 
-<file path=ppt/slides/slide27.xml><?xml version="1.0" encoding="utf-8"?>
+<file path=ppt/slides/slide17.xml><?xml version="1.0" encoding="utf-8"?>
 <p:sld xmlns:a="http://schemas.openxmlformats.org/drawingml/2006/main" xmlns:r="http://schemas.openxmlformats.org/officeDocument/2006/relationships" xmlns:p="http://schemas.openxmlformats.org/presentationml/2006/main">
   <p:cSld>
     <p:spTree>
@@ -13237,47 +10764,50 @@
       </p:grpSpPr>
       <p:sp>
         <p:nvSpPr>
-          <p:cNvPr id="2" name=" 1"/>
+          <p:cNvPr id="2" name="Title 1"/>
+          <p:cNvSpPr>
+            <a:spLocks noGrp="1"/>
+          </p:cNvSpPr>
+          <p:nvPr>
+            <p:ph type="title"/>
+          </p:nvPr>
+        </p:nvSpPr>
+        <p:spPr/>
+        <p:txBody>
+          <a:bodyPr/>
+          <a:lstStyle/>
+          <a:p>
+            <a:pPr algn="ctr"/>
+            <a:r>
+              <a:rPr lang="en-GB" dirty="0" smtClean="0"/>
+              <a:t>Planning &amp; Implementation</a:t>
+            </a:r>
+            <a:endParaRPr lang="en-GB" dirty="0"/>
+          </a:p>
+        </p:txBody>
+      </p:sp>
+      <p:sp>
+        <p:nvSpPr>
+          <p:cNvPr id="5" name="Content Placeholder 4"/>
           <p:cNvSpPr txBox="1">
             <a:spLocks noGrp="1"/>
           </p:cNvSpPr>
           <p:nvPr>
-            <p:ph type="title"/>
-          </p:nvPr>
-        </p:nvSpPr>
-        <p:spPr/>
-        <p:txBody>
-          <a:bodyPr>
-            <a:spAutoFit/>
-          </a:bodyPr>
-          <a:lstStyle/>
-          <a:p>
-            <a:pPr lvl="0"/>
-            <a:r>
-              <a:rPr lang="en-GB" dirty="0"/>
-              <a:t>Overview on legal and ethical aspects</a:t>
-            </a:r>
-          </a:p>
-        </p:txBody>
-      </p:sp>
-      <p:sp>
-        <p:nvSpPr>
-          <p:cNvPr id="3" name=" 2"/>
-          <p:cNvSpPr txBox="1">
-            <a:spLocks noGrp="1"/>
-          </p:cNvSpPr>
-          <p:nvPr>
-            <p:ph type="subTitle" idx="4294967295"/>
+            <p:ph idx="1"/>
           </p:nvPr>
         </p:nvSpPr>
         <p:spPr>
           <a:xfrm>
-            <a:off x="1097280" y="2124573"/>
-            <a:ext cx="10058400" cy="1840504"/>
+            <a:off x="1097280" y="2099734"/>
+            <a:ext cx="8338245" cy="2062103"/>
           </a:xfrm>
+          <a:prstGeom prst="rect">
+            <a:avLst/>
+          </a:prstGeom>
+          <a:noFill/>
         </p:spPr>
         <p:txBody>
-          <a:bodyPr anchor="ctr">
+          <a:bodyPr wrap="none" rtlCol="0">
             <a:spAutoFit/>
           </a:bodyPr>
           <a:lstStyle/>
@@ -13288,68 +10818,398 @@
             </a:pPr>
             <a:r>
               <a:rPr lang="en-GB" sz="2400" dirty="0" smtClean="0"/>
-              <a:t>Some potential issues regarding privacy/ethical/legal matters are</a:t>
-            </a:r>
-          </a:p>
-          <a:p>
-            <a:pPr lvl="2">
+              <a:t>Weekly meetings on </a:t>
+            </a:r>
+            <a:r>
+              <a:rPr lang="en-GB" sz="2400" dirty="0" smtClean="0"/>
+              <a:t>Friday and Tuesday</a:t>
+            </a:r>
+            <a:endParaRPr lang="en-GB" sz="2400" dirty="0" smtClean="0"/>
+          </a:p>
+          <a:p>
+            <a:pPr lvl="1">
               <a:buFont typeface="Arial" panose="020B0604020202020204" pitchFamily="34" charset="0"/>
               <a:buChar char="•"/>
             </a:pPr>
             <a:r>
-              <a:rPr lang="en-GB" sz="2000" dirty="0" smtClean="0"/>
-              <a:t>Instant </a:t>
-            </a:r>
-            <a:r>
-              <a:rPr lang="en-GB" sz="2000" dirty="0"/>
-              <a:t>messaging</a:t>
-            </a:r>
-          </a:p>
-          <a:p>
-            <a:pPr lvl="2">
+              <a:rPr lang="en-GB" sz="2400" dirty="0" smtClean="0"/>
+              <a:t>Discuss how the previous tasks went</a:t>
+            </a:r>
+          </a:p>
+          <a:p>
+            <a:pPr lvl="1">
               <a:buFont typeface="Arial" panose="020B0604020202020204" pitchFamily="34" charset="0"/>
               <a:buChar char="•"/>
             </a:pPr>
             <a:r>
-              <a:rPr lang="en-GB" sz="2000" dirty="0" smtClean="0"/>
-              <a:t>Religious beliefs compatibility</a:t>
-            </a:r>
-          </a:p>
-          <a:p>
-            <a:pPr lvl="2">
+              <a:rPr lang="en-GB" sz="2400" dirty="0" smtClean="0"/>
+              <a:t>Discuss and (re)assign the next tasks for each other</a:t>
+            </a:r>
+          </a:p>
+          <a:p>
+            <a:pPr lvl="1">
               <a:buFont typeface="Arial" panose="020B0604020202020204" pitchFamily="34" charset="0"/>
               <a:buChar char="•"/>
             </a:pPr>
             <a:r>
-              <a:rPr lang="en-GB" sz="2000" dirty="0"/>
-              <a:t>P</a:t>
-            </a:r>
-            <a:r>
-              <a:rPr lang="en-GB" sz="2000" dirty="0" smtClean="0"/>
-              <a:t>ersonal information confidentiality</a:t>
-            </a:r>
-          </a:p>
-          <a:p>
-            <a:pPr lvl="2">
+              <a:rPr lang="en-GB" sz="2400" dirty="0" smtClean="0"/>
+              <a:t>Allocate tasks considering everyone’s strengths and </a:t>
+            </a:r>
+            <a:r>
+              <a:rPr lang="en-GB" sz="2400" dirty="0" smtClean="0"/>
+              <a:t>weaknesses</a:t>
+            </a:r>
+          </a:p>
+          <a:p>
+            <a:pPr lvl="1">
               <a:buFont typeface="Arial" panose="020B0604020202020204" pitchFamily="34" charset="0"/>
               <a:buChar char="•"/>
             </a:pPr>
             <a:r>
-              <a:rPr lang="en-GB" sz="2000" dirty="0"/>
-              <a:t>T</a:t>
-            </a:r>
-            <a:r>
-              <a:rPr lang="en-GB" sz="2000" dirty="0" smtClean="0"/>
-              <a:t>he user reviews</a:t>
-            </a:r>
-            <a:endParaRPr lang="en-GB" sz="2000" dirty="0"/>
+              <a:rPr lang="en-GB" sz="2400" dirty="0" smtClean="0"/>
+              <a:t>Made sure to help each other out with tasks </a:t>
+            </a:r>
+            <a:endParaRPr lang="en-GB" sz="2400" dirty="0" smtClean="0"/>
           </a:p>
         </p:txBody>
       </p:sp>
     </p:spTree>
     <p:extLst>
       <p:ext uri="{BB962C8B-B14F-4D97-AF65-F5344CB8AC3E}">
-        <p14:creationId xmlns:p14="http://schemas.microsoft.com/office/powerpoint/2010/main" val="1801582240"/>
+        <p14:creationId xmlns:p14="http://schemas.microsoft.com/office/powerpoint/2010/main" val="3287765934"/>
+      </p:ext>
+    </p:extLst>
+  </p:cSld>
+  <p:clrMapOvr>
+    <a:masterClrMapping/>
+  </p:clrMapOvr>
+  <p:transition spd="slow">
+    <p:push/>
+  </p:transition>
+  <p:timing>
+    <p:tnLst>
+      <p:par>
+        <p:cTn id="1" dur="indefinite" restart="never" nodeType="tmRoot"/>
+      </p:par>
+    </p:tnLst>
+  </p:timing>
+</p:sld>
+</file>
+
+<file path=ppt/slides/slide18.xml><?xml version="1.0" encoding="utf-8"?>
+<p:sld xmlns:a="http://schemas.openxmlformats.org/drawingml/2006/main" xmlns:r="http://schemas.openxmlformats.org/officeDocument/2006/relationships" xmlns:p="http://schemas.openxmlformats.org/presentationml/2006/main">
+  <p:cSld>
+    <p:spTree>
+      <p:nvGrpSpPr>
+        <p:cNvPr id="1" name=""/>
+        <p:cNvGrpSpPr/>
+        <p:nvPr/>
+      </p:nvGrpSpPr>
+      <p:grpSpPr>
+        <a:xfrm>
+          <a:off x="0" y="0"/>
+          <a:ext cx="0" cy="0"/>
+          <a:chOff x="0" y="0"/>
+          <a:chExt cx="0" cy="0"/>
+        </a:xfrm>
+      </p:grpSpPr>
+      <p:sp>
+        <p:nvSpPr>
+          <p:cNvPr id="2" name="Title 1"/>
+          <p:cNvSpPr>
+            <a:spLocks noGrp="1"/>
+          </p:cNvSpPr>
+          <p:nvPr>
+            <p:ph type="title"/>
+          </p:nvPr>
+        </p:nvSpPr>
+        <p:spPr/>
+        <p:txBody>
+          <a:bodyPr/>
+          <a:lstStyle/>
+          <a:p>
+            <a:pPr algn="ctr"/>
+            <a:r>
+              <a:rPr lang="en-GB" dirty="0" smtClean="0">
+                <a:latin typeface="Open Sans" pitchFamily="34" charset="0"/>
+                <a:ea typeface="Open Sans" pitchFamily="34" charset="0"/>
+                <a:cs typeface="Open Sans" pitchFamily="34" charset="0"/>
+              </a:rPr>
+              <a:t>Planning &amp; Implementation </a:t>
+            </a:r>
+            <a:r>
+              <a:rPr lang="en-GB" dirty="0" smtClean="0">
+                <a:solidFill>
+                  <a:schemeClr val="bg1">
+                    <a:lumMod val="65000"/>
+                  </a:schemeClr>
+                </a:solidFill>
+                <a:latin typeface="Open Sans" pitchFamily="34" charset="0"/>
+                <a:ea typeface="Open Sans" pitchFamily="34" charset="0"/>
+                <a:cs typeface="Open Sans" pitchFamily="34" charset="0"/>
+              </a:rPr>
+              <a:t>(II)</a:t>
+            </a:r>
+            <a:endParaRPr lang="en-GB" dirty="0">
+              <a:solidFill>
+                <a:schemeClr val="bg1">
+                  <a:lumMod val="65000"/>
+                </a:schemeClr>
+              </a:solidFill>
+              <a:latin typeface="Open Sans" pitchFamily="34" charset="0"/>
+              <a:ea typeface="Open Sans" pitchFamily="34" charset="0"/>
+              <a:cs typeface="Open Sans" pitchFamily="34" charset="0"/>
+            </a:endParaRPr>
+          </a:p>
+        </p:txBody>
+      </p:sp>
+      <p:sp>
+        <p:nvSpPr>
+          <p:cNvPr id="5" name="TextBox 4"/>
+          <p:cNvSpPr txBox="1"/>
+          <p:nvPr/>
+        </p:nvSpPr>
+        <p:spPr>
+          <a:xfrm>
+            <a:off x="925437" y="2158868"/>
+            <a:ext cx="9264844" cy="2308324"/>
+          </a:xfrm>
+          <a:prstGeom prst="rect">
+            <a:avLst/>
+          </a:prstGeom>
+          <a:noFill/>
+        </p:spPr>
+        <p:txBody>
+          <a:bodyPr wrap="none" rtlCol="0">
+            <a:spAutoFit/>
+          </a:bodyPr>
+          <a:lstStyle/>
+          <a:p>
+            <a:pPr marL="342900" indent="-342900">
+              <a:buClr>
+                <a:schemeClr val="accent1"/>
+              </a:buClr>
+              <a:buFont typeface="Arial" pitchFamily="34" charset="0"/>
+              <a:buChar char="•"/>
+            </a:pPr>
+            <a:r>
+              <a:rPr lang="en-GB" sz="2400" dirty="0" smtClean="0">
+                <a:solidFill>
+                  <a:schemeClr val="tx1">
+                    <a:lumMod val="75000"/>
+                    <a:lumOff val="25000"/>
+                  </a:schemeClr>
+                </a:solidFill>
+                <a:latin typeface="Open Sans" pitchFamily="34" charset="0"/>
+                <a:ea typeface="Open Sans" pitchFamily="34" charset="0"/>
+                <a:cs typeface="Open Sans" pitchFamily="34" charset="0"/>
+              </a:rPr>
+              <a:t>Used </a:t>
+            </a:r>
+            <a:r>
+              <a:rPr lang="en-GB" sz="2400" dirty="0" err="1" smtClean="0">
+                <a:solidFill>
+                  <a:schemeClr val="tx1">
+                    <a:lumMod val="75000"/>
+                    <a:lumOff val="25000"/>
+                  </a:schemeClr>
+                </a:solidFill>
+                <a:latin typeface="Open Sans" pitchFamily="34" charset="0"/>
+                <a:ea typeface="Open Sans" pitchFamily="34" charset="0"/>
+                <a:cs typeface="Open Sans" pitchFamily="34" charset="0"/>
+              </a:rPr>
+              <a:t>GitLab</a:t>
+            </a:r>
+            <a:r>
+              <a:rPr lang="en-GB" sz="2400" dirty="0">
+                <a:solidFill>
+                  <a:schemeClr val="tx1">
+                    <a:lumMod val="75000"/>
+                    <a:lumOff val="25000"/>
+                  </a:schemeClr>
+                </a:solidFill>
+                <a:latin typeface="Open Sans" pitchFamily="34" charset="0"/>
+                <a:ea typeface="Open Sans" pitchFamily="34" charset="0"/>
+                <a:cs typeface="Open Sans" pitchFamily="34" charset="0"/>
+              </a:rPr>
+              <a:t> </a:t>
+            </a:r>
+            <a:r>
+              <a:rPr lang="en-GB" sz="2400" dirty="0" smtClean="0">
+                <a:solidFill>
+                  <a:schemeClr val="tx1">
+                    <a:lumMod val="75000"/>
+                    <a:lumOff val="25000"/>
+                  </a:schemeClr>
+                </a:solidFill>
+                <a:latin typeface="Open Sans" pitchFamily="34" charset="0"/>
+                <a:ea typeface="Open Sans" pitchFamily="34" charset="0"/>
+                <a:cs typeface="Open Sans" pitchFamily="34" charset="0"/>
+              </a:rPr>
+              <a:t>for proper version </a:t>
+            </a:r>
+            <a:r>
+              <a:rPr lang="en-GB" sz="2400" dirty="0" smtClean="0">
+                <a:solidFill>
+                  <a:schemeClr val="tx1">
+                    <a:lumMod val="75000"/>
+                    <a:lumOff val="25000"/>
+                  </a:schemeClr>
+                </a:solidFill>
+                <a:latin typeface="Open Sans" pitchFamily="34" charset="0"/>
+                <a:ea typeface="Open Sans" pitchFamily="34" charset="0"/>
+                <a:cs typeface="Open Sans" pitchFamily="34" charset="0"/>
+              </a:rPr>
+              <a:t>control</a:t>
+            </a:r>
+          </a:p>
+          <a:p>
+            <a:pPr marL="285750" indent="-285750">
+              <a:buClr>
+                <a:schemeClr val="accent1"/>
+              </a:buClr>
+              <a:buFont typeface="Arial" panose="020B0604020202020204" pitchFamily="34" charset="0"/>
+              <a:buChar char="•"/>
+            </a:pPr>
+            <a:r>
+              <a:rPr lang="en-GB" sz="2400" dirty="0" smtClean="0">
+                <a:solidFill>
+                  <a:schemeClr val="tx1">
+                    <a:lumMod val="75000"/>
+                    <a:lumOff val="25000"/>
+                  </a:schemeClr>
+                </a:solidFill>
+                <a:latin typeface="Open Sans" pitchFamily="34" charset="0"/>
+                <a:ea typeface="Open Sans" pitchFamily="34" charset="0"/>
+                <a:cs typeface="Open Sans" pitchFamily="34" charset="0"/>
+              </a:rPr>
+              <a:t>MySQL for mapping  to compact data and limit user options</a:t>
+            </a:r>
+          </a:p>
+          <a:p>
+            <a:pPr marL="285750" indent="-285750">
+              <a:buClr>
+                <a:schemeClr val="accent1"/>
+              </a:buClr>
+              <a:buFont typeface="Arial" panose="020B0604020202020204" pitchFamily="34" charset="0"/>
+              <a:buChar char="•"/>
+            </a:pPr>
+            <a:r>
+              <a:rPr lang="en-GB" sz="2400" dirty="0" smtClean="0">
+                <a:solidFill>
+                  <a:schemeClr val="tx1">
+                    <a:lumMod val="75000"/>
+                    <a:lumOff val="25000"/>
+                  </a:schemeClr>
+                </a:solidFill>
+                <a:latin typeface="Open Sans" pitchFamily="34" charset="0"/>
+                <a:ea typeface="Open Sans" pitchFamily="34" charset="0"/>
+                <a:cs typeface="Open Sans" pitchFamily="34" charset="0"/>
+              </a:rPr>
+              <a:t>Kept common output in the back-end fragmented</a:t>
+            </a:r>
+          </a:p>
+          <a:p>
+            <a:pPr marL="285750" indent="-285750">
+              <a:buClr>
+                <a:schemeClr val="accent1"/>
+              </a:buClr>
+              <a:buFont typeface="Arial" panose="020B0604020202020204" pitchFamily="34" charset="0"/>
+              <a:buChar char="•"/>
+            </a:pPr>
+            <a:r>
+              <a:rPr lang="en-GB" sz="2400" dirty="0" smtClean="0">
+                <a:solidFill>
+                  <a:schemeClr val="tx1">
+                    <a:lumMod val="75000"/>
+                    <a:lumOff val="25000"/>
+                  </a:schemeClr>
+                </a:solidFill>
+                <a:latin typeface="Open Sans" pitchFamily="34" charset="0"/>
+                <a:ea typeface="Open Sans" pitchFamily="34" charset="0"/>
+                <a:cs typeface="Open Sans" pitchFamily="34" charset="0"/>
+              </a:rPr>
+              <a:t>Included template files for consistent layout</a:t>
+            </a:r>
+          </a:p>
+          <a:p>
+            <a:pPr marL="285750" indent="-285750">
+              <a:buClr>
+                <a:schemeClr val="accent1"/>
+              </a:buClr>
+              <a:buFont typeface="Arial" panose="020B0604020202020204" pitchFamily="34" charset="0"/>
+              <a:buChar char="•"/>
+            </a:pPr>
+            <a:r>
+              <a:rPr lang="en-GB" sz="2400" dirty="0" smtClean="0">
+                <a:solidFill>
+                  <a:schemeClr val="tx1">
+                    <a:lumMod val="75000"/>
+                    <a:lumOff val="25000"/>
+                  </a:schemeClr>
+                </a:solidFill>
+                <a:latin typeface="Open Sans" pitchFamily="34" charset="0"/>
+                <a:ea typeface="Open Sans" pitchFamily="34" charset="0"/>
+                <a:cs typeface="Open Sans" pitchFamily="34" charset="0"/>
+              </a:rPr>
+              <a:t>PHP for classes to prevent accidental damage to database by </a:t>
+            </a:r>
+          </a:p>
+          <a:p>
+            <a:pPr>
+              <a:buClr>
+                <a:schemeClr val="accent1"/>
+              </a:buClr>
+            </a:pPr>
+            <a:r>
+              <a:rPr lang="en-GB" sz="2400" dirty="0">
+                <a:solidFill>
+                  <a:schemeClr val="tx1">
+                    <a:lumMod val="75000"/>
+                    <a:lumOff val="25000"/>
+                  </a:schemeClr>
+                </a:solidFill>
+                <a:latin typeface="Open Sans" pitchFamily="34" charset="0"/>
+                <a:ea typeface="Open Sans" pitchFamily="34" charset="0"/>
+                <a:cs typeface="Open Sans" pitchFamily="34" charset="0"/>
+              </a:rPr>
+              <a:t> </a:t>
+            </a:r>
+            <a:r>
+              <a:rPr lang="en-GB" sz="2400" dirty="0" smtClean="0">
+                <a:solidFill>
+                  <a:schemeClr val="tx1">
+                    <a:lumMod val="75000"/>
+                    <a:lumOff val="25000"/>
+                  </a:schemeClr>
+                </a:solidFill>
+                <a:latin typeface="Open Sans" pitchFamily="34" charset="0"/>
+                <a:ea typeface="Open Sans" pitchFamily="34" charset="0"/>
+                <a:cs typeface="Open Sans" pitchFamily="34" charset="0"/>
+              </a:rPr>
+              <a:t>   </a:t>
+            </a:r>
+            <a:r>
+              <a:rPr lang="en-GB" sz="2400" dirty="0" smtClean="0">
+                <a:solidFill>
+                  <a:schemeClr val="tx1">
+                    <a:lumMod val="75000"/>
+                    <a:lumOff val="25000"/>
+                  </a:schemeClr>
+                </a:solidFill>
+                <a:latin typeface="Open Sans" pitchFamily="34" charset="0"/>
+                <a:ea typeface="Open Sans" pitchFamily="34" charset="0"/>
+                <a:cs typeface="Open Sans" pitchFamily="34" charset="0"/>
+              </a:rPr>
+              <a:t>restricting  functionality</a:t>
+            </a:r>
+          </a:p>
+        </p:txBody>
+      </p:sp>
+    </p:spTree>
+    <p:extLst>
+      <p:ext uri="{BB962C8B-B14F-4D97-AF65-F5344CB8AC3E}">
+        <p14:creationId xmlns:p14="http://schemas.microsoft.com/office/powerpoint/2010/main" val="3769276843"/>
       </p:ext>
     </p:extLst>
   </p:cSld>
@@ -13369,7 +11229,7 @@
 </p:sld>
 </file>
 
-<file path=ppt/slides/slide28.xml><?xml version="1.0" encoding="utf-8"?>
+<file path=ppt/slides/slide19.xml><?xml version="1.0" encoding="utf-8"?>
 <p:sld xmlns:a="http://schemas.openxmlformats.org/drawingml/2006/main" xmlns:r="http://schemas.openxmlformats.org/officeDocument/2006/relationships" xmlns:p="http://schemas.openxmlformats.org/presentationml/2006/main">
   <p:cSld>
     <p:spTree>
@@ -13396,16 +11256,32 @@
             <p:ph type="title"/>
           </p:nvPr>
         </p:nvSpPr>
-        <p:spPr/>
-        <p:txBody>
-          <a:bodyPr/>
+        <p:spPr>
+          <a:xfrm>
+            <a:off x="1097280" y="1067689"/>
+            <a:ext cx="10058400" cy="669671"/>
+          </a:xfrm>
+        </p:spPr>
+        <p:txBody>
+          <a:bodyPr>
+            <a:spAutoFit/>
+          </a:bodyPr>
           <a:lstStyle/>
           <a:p>
             <a:pPr lvl="0"/>
             <a:r>
-              <a:rPr lang="en-GB"/>
-              <a:t>Instant messaging</a:t>
-            </a:r>
+              <a:rPr lang="en-GB" sz="4400" dirty="0" smtClean="0">
+                <a:latin typeface="Open Sans" pitchFamily="34" charset="0"/>
+                <a:ea typeface="Open Sans" pitchFamily="34" charset="0"/>
+                <a:cs typeface="Open Sans" pitchFamily="34" charset="0"/>
+              </a:rPr>
+              <a:t>Overview of legal and ethical aspects</a:t>
+            </a:r>
+            <a:endParaRPr lang="en-GB" sz="4400" dirty="0">
+              <a:latin typeface="Open Sans" pitchFamily="34" charset="0"/>
+              <a:ea typeface="Open Sans" pitchFamily="34" charset="0"/>
+              <a:cs typeface="Open Sans" pitchFamily="34" charset="0"/>
+            </a:endParaRPr>
           </a:p>
         </p:txBody>
       </p:sp>
@@ -13416,18 +11292,18 @@
             <a:spLocks noGrp="1"/>
           </p:cNvSpPr>
           <p:nvPr>
-            <p:ph type="body" idx="4294967295"/>
+            <p:ph type="subTitle" idx="4294967295"/>
           </p:nvPr>
         </p:nvSpPr>
         <p:spPr>
           <a:xfrm>
-            <a:off x="1097280" y="1947863"/>
-            <a:ext cx="10058400" cy="4022725"/>
+            <a:off x="1071523" y="2272576"/>
+            <a:ext cx="10058400" cy="2394502"/>
           </a:xfrm>
         </p:spPr>
         <p:txBody>
-          <a:bodyPr>
-            <a:normAutofit/>
+          <a:bodyPr anchor="ctr">
+            <a:spAutoFit/>
           </a:bodyPr>
           <a:lstStyle/>
           <a:p>
@@ -13436,53 +11312,142 @@
               <a:buChar char="•"/>
             </a:pPr>
             <a:r>
-              <a:rPr lang="en-GB" sz="2400" dirty="0" smtClean="0"/>
-              <a:t>Warn users not to use the chat for sensible content</a:t>
-            </a:r>
-          </a:p>
-          <a:p>
-            <a:pPr lvl="1">
-              <a:buFont typeface="Arial" panose="020B0604020202020204" pitchFamily="34" charset="0"/>
+              <a:rPr lang="en-GB" sz="2800" dirty="0" smtClean="0">
+                <a:latin typeface="Open Sans" pitchFamily="34" charset="0"/>
+                <a:ea typeface="Open Sans" pitchFamily="34" charset="0"/>
+                <a:cs typeface="Open Sans" pitchFamily="34" charset="0"/>
+              </a:rPr>
+              <a:t>Some potential issues regarding </a:t>
+            </a:r>
+            <a:r>
+              <a:rPr lang="en-GB" sz="2800" dirty="0" smtClean="0">
+                <a:latin typeface="Open Sans" pitchFamily="34" charset="0"/>
+                <a:ea typeface="Open Sans" pitchFamily="34" charset="0"/>
+                <a:cs typeface="Open Sans" pitchFamily="34" charset="0"/>
+              </a:rPr>
+              <a:t>privacy, ethical and legal </a:t>
+            </a:r>
+            <a:r>
+              <a:rPr lang="en-GB" sz="2800" dirty="0" smtClean="0">
+                <a:latin typeface="Open Sans" pitchFamily="34" charset="0"/>
+                <a:ea typeface="Open Sans" pitchFamily="34" charset="0"/>
+                <a:cs typeface="Open Sans" pitchFamily="34" charset="0"/>
+              </a:rPr>
+              <a:t>matters </a:t>
+            </a:r>
+            <a:r>
+              <a:rPr lang="en-GB" sz="2800" dirty="0" smtClean="0">
+                <a:latin typeface="Open Sans" pitchFamily="34" charset="0"/>
+                <a:ea typeface="Open Sans" pitchFamily="34" charset="0"/>
+                <a:cs typeface="Open Sans" pitchFamily="34" charset="0"/>
+              </a:rPr>
+              <a:t>are :</a:t>
+            </a:r>
+            <a:endParaRPr lang="en-GB" sz="2800" dirty="0" smtClean="0">
+              <a:latin typeface="Open Sans" pitchFamily="34" charset="0"/>
+              <a:ea typeface="Open Sans" pitchFamily="34" charset="0"/>
+              <a:cs typeface="Open Sans" pitchFamily="34" charset="0"/>
+            </a:endParaRPr>
+          </a:p>
+          <a:p>
+            <a:pPr lvl="3">
+              <a:buFont typeface="Arial" pitchFamily="34" charset="0"/>
               <a:buChar char="•"/>
             </a:pPr>
             <a:r>
-              <a:rPr lang="en-GB" sz="2400" dirty="0" smtClean="0"/>
-              <a:t>Notice users about any potential use of their information, such as in legal matters</a:t>
-            </a:r>
-          </a:p>
-          <a:p>
-            <a:pPr lvl="1">
-              <a:buFont typeface="Arial" panose="020B0604020202020204" pitchFamily="34" charset="0"/>
+              <a:rPr lang="en-GB" sz="2200" dirty="0" smtClean="0">
+                <a:latin typeface="Open Sans" pitchFamily="34" charset="0"/>
+                <a:ea typeface="Open Sans" pitchFamily="34" charset="0"/>
+                <a:cs typeface="Open Sans" pitchFamily="34" charset="0"/>
+              </a:rPr>
+              <a:t>Instant </a:t>
+            </a:r>
+            <a:r>
+              <a:rPr lang="en-GB" sz="2200" dirty="0">
+                <a:latin typeface="Open Sans" pitchFamily="34" charset="0"/>
+                <a:ea typeface="Open Sans" pitchFamily="34" charset="0"/>
+                <a:cs typeface="Open Sans" pitchFamily="34" charset="0"/>
+              </a:rPr>
+              <a:t>messaging</a:t>
+            </a:r>
+          </a:p>
+          <a:p>
+            <a:pPr lvl="3">
+              <a:buFont typeface="Arial" pitchFamily="34" charset="0"/>
               <a:buChar char="•"/>
             </a:pPr>
             <a:r>
-              <a:rPr lang="en-GB" sz="2400" dirty="0" smtClean="0"/>
-              <a:t>Assure them that we will not give their information to third parties (public)</a:t>
-            </a:r>
-          </a:p>
-          <a:p>
-            <a:pPr marL="384048" lvl="2" indent="0">
-              <a:buNone/>
+              <a:rPr lang="en-GB" sz="2200" dirty="0" smtClean="0">
+                <a:latin typeface="Open Sans" pitchFamily="34" charset="0"/>
+                <a:ea typeface="Open Sans" pitchFamily="34" charset="0"/>
+                <a:cs typeface="Open Sans" pitchFamily="34" charset="0"/>
+              </a:rPr>
+              <a:t>Religious beliefs compatibility</a:t>
+            </a:r>
+          </a:p>
+          <a:p>
+            <a:pPr lvl="3">
+              <a:buFont typeface="Arial" pitchFamily="34" charset="0"/>
+              <a:buChar char="•"/>
             </a:pPr>
             <a:r>
-              <a:rPr lang="en-GB" sz="2000" dirty="0" smtClean="0"/>
-              <a:t>  (except the legal matters, when required)</a:t>
-            </a:r>
-            <a:endParaRPr lang="en-GB" sz="2000" dirty="0"/>
-          </a:p>
-          <a:p>
-            <a:pPr marL="0" lvl="0" indent="0">
-              <a:buSzPct val="45000"/>
-              <a:buNone/>
+              <a:rPr lang="en-GB" sz="2200" dirty="0">
+                <a:latin typeface="Open Sans" pitchFamily="34" charset="0"/>
+                <a:ea typeface="Open Sans" pitchFamily="34" charset="0"/>
+                <a:cs typeface="Open Sans" pitchFamily="34" charset="0"/>
+              </a:rPr>
+              <a:t>P</a:t>
+            </a:r>
+            <a:r>
+              <a:rPr lang="en-GB" sz="2200" dirty="0" smtClean="0">
+                <a:latin typeface="Open Sans" pitchFamily="34" charset="0"/>
+                <a:ea typeface="Open Sans" pitchFamily="34" charset="0"/>
+                <a:cs typeface="Open Sans" pitchFamily="34" charset="0"/>
+              </a:rPr>
+              <a:t>ersonal information confidentiality</a:t>
+            </a:r>
+          </a:p>
+          <a:p>
+            <a:pPr lvl="3">
+              <a:buFont typeface="Arial" pitchFamily="34" charset="0"/>
+              <a:buChar char="•"/>
             </a:pPr>
-            <a:endParaRPr lang="en-GB" dirty="0" smtClean="0"/>
+            <a:r>
+              <a:rPr lang="en-GB" sz="2200" dirty="0">
+                <a:latin typeface="Open Sans" pitchFamily="34" charset="0"/>
+                <a:ea typeface="Open Sans" pitchFamily="34" charset="0"/>
+                <a:cs typeface="Open Sans" pitchFamily="34" charset="0"/>
+              </a:rPr>
+              <a:t>U</a:t>
+            </a:r>
+            <a:r>
+              <a:rPr lang="en-GB" sz="2200" dirty="0" smtClean="0">
+                <a:latin typeface="Open Sans" pitchFamily="34" charset="0"/>
+                <a:ea typeface="Open Sans" pitchFamily="34" charset="0"/>
+                <a:cs typeface="Open Sans" pitchFamily="34" charset="0"/>
+              </a:rPr>
+              <a:t>ser </a:t>
+            </a:r>
+            <a:r>
+              <a:rPr lang="en-GB" sz="2200" dirty="0" smtClean="0">
+                <a:latin typeface="Open Sans" pitchFamily="34" charset="0"/>
+                <a:ea typeface="Open Sans" pitchFamily="34" charset="0"/>
+                <a:cs typeface="Open Sans" pitchFamily="34" charset="0"/>
+              </a:rPr>
+              <a:t>reviews</a:t>
+            </a:r>
+            <a:endParaRPr lang="en-GB" sz="2200" dirty="0">
+              <a:latin typeface="Open Sans" pitchFamily="34" charset="0"/>
+              <a:ea typeface="Open Sans" pitchFamily="34" charset="0"/>
+              <a:cs typeface="Open Sans" pitchFamily="34" charset="0"/>
+            </a:endParaRPr>
           </a:p>
         </p:txBody>
       </p:sp>
     </p:spTree>
     <p:extLst>
       <p:ext uri="{BB962C8B-B14F-4D97-AF65-F5344CB8AC3E}">
-        <p14:creationId xmlns:p14="http://schemas.microsoft.com/office/powerpoint/2010/main" val="702645335"/>
+        <p14:creationId xmlns:p14="http://schemas.microsoft.com/office/powerpoint/2010/main" val="1801582240"/>
       </p:ext>
     </p:extLst>
   </p:cSld>
@@ -13502,7 +11467,7 @@
 </p:sld>
 </file>
 
-<file path=ppt/slides/slide29.xml><?xml version="1.0" encoding="utf-8"?>
+<file path=ppt/slides/slide2.xml><?xml version="1.0" encoding="utf-8"?>
 <p:sld xmlns:a="http://schemas.openxmlformats.org/drawingml/2006/main" xmlns:r="http://schemas.openxmlformats.org/officeDocument/2006/relationships" xmlns:p="http://schemas.openxmlformats.org/presentationml/2006/main">
   <p:cSld>
     <p:spTree>
@@ -13521,8 +11486,8 @@
       </p:grpSpPr>
       <p:sp>
         <p:nvSpPr>
-          <p:cNvPr id="2" name=" 1"/>
-          <p:cNvSpPr txBox="1">
+          <p:cNvPr id="4" name="Title 3"/>
+          <p:cNvSpPr>
             <a:spLocks noGrp="1"/>
           </p:cNvSpPr>
           <p:nvPr>
@@ -13534,34 +11499,65 @@
           <a:bodyPr/>
           <a:lstStyle/>
           <a:p>
-            <a:pPr lvl="0"/>
-            <a:r>
-              <a:rPr lang="en-GB" dirty="0" smtClean="0"/>
-              <a:t>Religious beliefs </a:t>
-            </a:r>
-            <a:r>
-              <a:rPr lang="en-GB" dirty="0"/>
-              <a:t>compatibility</a:t>
-            </a:r>
-          </a:p>
-        </p:txBody>
-      </p:sp>
-      <p:sp>
-        <p:nvSpPr>
-          <p:cNvPr id="3" name=" 2"/>
-          <p:cNvSpPr txBox="1">
-            <a:spLocks noGrp="1"/>
-          </p:cNvSpPr>
-          <p:nvPr>
-            <p:ph type="body" idx="4294967295"/>
-          </p:nvPr>
-        </p:nvSpPr>
-        <p:spPr>
-          <a:xfrm>
-            <a:off x="1097280" y="2032000"/>
-            <a:ext cx="10058400" cy="3951288"/>
-          </a:xfrm>
-        </p:spPr>
+            <a:pPr algn="ctr"/>
+            <a:r>
+              <a:rPr lang="en-GB" dirty="0" smtClean="0">
+                <a:latin typeface="Open Sans" pitchFamily="34" charset="0"/>
+                <a:ea typeface="Open Sans" pitchFamily="34" charset="0"/>
+                <a:cs typeface="Open Sans" pitchFamily="34" charset="0"/>
+              </a:rPr>
+              <a:t>Why you need our website</a:t>
+            </a:r>
+            <a:endParaRPr lang="en-GB" i="1" dirty="0">
+              <a:latin typeface="Open Sans" pitchFamily="34" charset="0"/>
+              <a:ea typeface="Open Sans" pitchFamily="34" charset="0"/>
+              <a:cs typeface="Open Sans" pitchFamily="34" charset="0"/>
+            </a:endParaRPr>
+          </a:p>
+        </p:txBody>
+      </p:sp>
+      <p:sp>
+        <p:nvSpPr>
+          <p:cNvPr id="6" name="Text Placeholder 5"/>
+          <p:cNvSpPr>
+            <a:spLocks noGrp="1"/>
+          </p:cNvSpPr>
+          <p:nvPr>
+            <p:ph type="body" idx="1"/>
+          </p:nvPr>
+        </p:nvSpPr>
+        <p:spPr/>
+        <p:txBody>
+          <a:bodyPr/>
+          <a:lstStyle/>
+          <a:p>
+            <a:r>
+              <a:rPr lang="en-GB" dirty="0" smtClean="0">
+                <a:latin typeface="Open Sans" pitchFamily="34" charset="0"/>
+                <a:ea typeface="Open Sans" pitchFamily="34" charset="0"/>
+                <a:cs typeface="Open Sans" pitchFamily="34" charset="0"/>
+              </a:rPr>
+              <a:t>LIAM</a:t>
+            </a:r>
+            <a:endParaRPr lang="en-GB" dirty="0">
+              <a:latin typeface="Open Sans" pitchFamily="34" charset="0"/>
+              <a:ea typeface="Open Sans" pitchFamily="34" charset="0"/>
+              <a:cs typeface="Open Sans" pitchFamily="34" charset="0"/>
+            </a:endParaRPr>
+          </a:p>
+        </p:txBody>
+      </p:sp>
+      <p:sp>
+        <p:nvSpPr>
+          <p:cNvPr id="3" name="Content Placeholder 2"/>
+          <p:cNvSpPr>
+            <a:spLocks noGrp="1"/>
+          </p:cNvSpPr>
+          <p:nvPr>
+            <p:ph sz="half" idx="2"/>
+          </p:nvPr>
+        </p:nvSpPr>
+        <p:spPr/>
         <p:txBody>
           <a:bodyPr>
             <a:normAutofit/>
@@ -13569,43 +11565,334 @@
           <a:lstStyle/>
           <a:p>
             <a:pPr lvl="1">
-              <a:buSzPct val="100000"/>
               <a:buFont typeface="Arial" panose="020B0604020202020204" pitchFamily="34" charset="0"/>
               <a:buChar char="•"/>
             </a:pPr>
             <a:r>
-              <a:rPr lang="en-GB" sz="2400" dirty="0" smtClean="0"/>
-              <a:t>Lots of different views over the religious beliefs</a:t>
+              <a:rPr lang="en-GB" sz="2400" dirty="0" smtClean="0">
+                <a:latin typeface="Open Sans" pitchFamily="34" charset="0"/>
+                <a:ea typeface="Open Sans" pitchFamily="34" charset="0"/>
+                <a:cs typeface="Open Sans" pitchFamily="34" charset="0"/>
+              </a:rPr>
+              <a:t>Likes computers.</a:t>
             </a:r>
           </a:p>
           <a:p>
             <a:pPr lvl="1">
-              <a:buSzPct val="100000"/>
               <a:buFont typeface="Arial" panose="020B0604020202020204" pitchFamily="34" charset="0"/>
               <a:buChar char="•"/>
             </a:pPr>
             <a:r>
-              <a:rPr lang="en-GB" sz="2400" dirty="0" smtClean="0"/>
-              <a:t>Approaching the matter with high precaution, as this can lead to conflicts</a:t>
+              <a:rPr lang="en-GB" sz="2400" dirty="0" smtClean="0">
+                <a:latin typeface="Open Sans" pitchFamily="34" charset="0"/>
+                <a:ea typeface="Open Sans" pitchFamily="34" charset="0"/>
+                <a:cs typeface="Open Sans" pitchFamily="34" charset="0"/>
+              </a:rPr>
+              <a:t>Likes sports.</a:t>
             </a:r>
           </a:p>
           <a:p>
             <a:pPr lvl="1">
-              <a:buSzPct val="100000"/>
               <a:buFont typeface="Arial" panose="020B0604020202020204" pitchFamily="34" charset="0"/>
               <a:buChar char="•"/>
             </a:pPr>
             <a:r>
-              <a:rPr lang="en-GB" sz="2400" dirty="0" smtClean="0"/>
-              <a:t>Discourage discrimination, by making this kind of details optional for filtering</a:t>
-            </a:r>
+              <a:rPr lang="en-GB" sz="2400" dirty="0" smtClean="0">
+                <a:latin typeface="Open Sans" pitchFamily="34" charset="0"/>
+                <a:ea typeface="Open Sans" pitchFamily="34" charset="0"/>
+                <a:cs typeface="Open Sans" pitchFamily="34" charset="0"/>
+              </a:rPr>
+              <a:t>Likes Nicki </a:t>
+            </a:r>
+            <a:r>
+              <a:rPr lang="en-GB" sz="2400" dirty="0" err="1" smtClean="0">
+                <a:latin typeface="Open Sans" pitchFamily="34" charset="0"/>
+                <a:ea typeface="Open Sans" pitchFamily="34" charset="0"/>
+                <a:cs typeface="Open Sans" pitchFamily="34" charset="0"/>
+              </a:rPr>
+              <a:t>Minaj</a:t>
+            </a:r>
+            <a:r>
+              <a:rPr lang="en-GB" sz="2400" dirty="0" smtClean="0">
+                <a:latin typeface="Open Sans" pitchFamily="34" charset="0"/>
+                <a:ea typeface="Open Sans" pitchFamily="34" charset="0"/>
+                <a:cs typeface="Open Sans" pitchFamily="34" charset="0"/>
+              </a:rPr>
+              <a:t>.</a:t>
+            </a:r>
+            <a:endParaRPr lang="en-GB" sz="2400" dirty="0" smtClean="0">
+              <a:latin typeface="Open Sans" pitchFamily="34" charset="0"/>
+              <a:ea typeface="Open Sans" pitchFamily="34" charset="0"/>
+              <a:cs typeface="Open Sans" pitchFamily="34" charset="0"/>
+            </a:endParaRPr>
+          </a:p>
+          <a:p>
+            <a:pPr lvl="1">
+              <a:buFont typeface="Arial" panose="020B0604020202020204" pitchFamily="34" charset="0"/>
+              <a:buChar char="•"/>
+            </a:pPr>
+            <a:r>
+              <a:rPr lang="en-GB" sz="2400" dirty="0" smtClean="0">
+                <a:latin typeface="Open Sans" pitchFamily="34" charset="0"/>
+                <a:ea typeface="Open Sans" pitchFamily="34" charset="0"/>
+                <a:cs typeface="Open Sans" pitchFamily="34" charset="0"/>
+              </a:rPr>
+              <a:t>Plays the trombone.</a:t>
+            </a:r>
+            <a:endParaRPr lang="en-GB" sz="2400" dirty="0" smtClean="0">
+              <a:latin typeface="Open Sans" pitchFamily="34" charset="0"/>
+              <a:ea typeface="Open Sans" pitchFamily="34" charset="0"/>
+              <a:cs typeface="Open Sans" pitchFamily="34" charset="0"/>
+            </a:endParaRPr>
+          </a:p>
+          <a:p>
+            <a:pPr marL="201168" lvl="1" indent="0">
+              <a:buNone/>
+            </a:pPr>
+            <a:endParaRPr lang="en-GB" sz="2400" dirty="0">
+              <a:latin typeface="Open Sans" pitchFamily="34" charset="0"/>
+              <a:ea typeface="Open Sans" pitchFamily="34" charset="0"/>
+              <a:cs typeface="Open Sans" pitchFamily="34" charset="0"/>
+            </a:endParaRPr>
+          </a:p>
+          <a:p>
+            <a:pPr lvl="1">
+              <a:buFont typeface="Arial" pitchFamily="34" charset="0"/>
+              <a:buChar char="•"/>
+            </a:pPr>
+            <a:r>
+              <a:rPr lang="en-GB" sz="2400" dirty="0" smtClean="0">
+                <a:solidFill>
+                  <a:srgbClr val="FF0000"/>
+                </a:solidFill>
+                <a:latin typeface="Open Sans" pitchFamily="34" charset="0"/>
+                <a:ea typeface="Open Sans" pitchFamily="34" charset="0"/>
+                <a:cs typeface="Open Sans" pitchFamily="34" charset="0"/>
+              </a:rPr>
+              <a:t>Dislikes </a:t>
+            </a:r>
+            <a:r>
+              <a:rPr lang="en-GB" sz="2400" dirty="0" smtClean="0">
+                <a:solidFill>
+                  <a:srgbClr val="FF0000"/>
+                </a:solidFill>
+                <a:latin typeface="Open Sans" pitchFamily="34" charset="0"/>
+                <a:ea typeface="Open Sans" pitchFamily="34" charset="0"/>
+                <a:cs typeface="Open Sans" pitchFamily="34" charset="0"/>
+              </a:rPr>
+              <a:t>spiders.</a:t>
+            </a:r>
+            <a:endParaRPr lang="en-GB" sz="2400" dirty="0">
+              <a:solidFill>
+                <a:srgbClr val="FF0000"/>
+              </a:solidFill>
+              <a:latin typeface="Open Sans" pitchFamily="34" charset="0"/>
+              <a:ea typeface="Open Sans" pitchFamily="34" charset="0"/>
+              <a:cs typeface="Open Sans" pitchFamily="34" charset="0"/>
+            </a:endParaRPr>
+          </a:p>
+        </p:txBody>
+      </p:sp>
+      <p:sp>
+        <p:nvSpPr>
+          <p:cNvPr id="7" name="Text Placeholder 6"/>
+          <p:cNvSpPr>
+            <a:spLocks noGrp="1"/>
+          </p:cNvSpPr>
+          <p:nvPr>
+            <p:ph type="body" sz="quarter" idx="3"/>
+          </p:nvPr>
+        </p:nvSpPr>
+        <p:spPr/>
+        <p:txBody>
+          <a:bodyPr/>
+          <a:lstStyle/>
+          <a:p>
+            <a:r>
+              <a:rPr lang="en-GB" dirty="0" smtClean="0">
+                <a:latin typeface="Open Sans" pitchFamily="34" charset="0"/>
+                <a:ea typeface="Open Sans" pitchFamily="34" charset="0"/>
+                <a:cs typeface="Open Sans" pitchFamily="34" charset="0"/>
+              </a:rPr>
+              <a:t>Larry</a:t>
+            </a:r>
+            <a:endParaRPr lang="en-GB" dirty="0">
+              <a:latin typeface="Open Sans" pitchFamily="34" charset="0"/>
+              <a:ea typeface="Open Sans" pitchFamily="34" charset="0"/>
+              <a:cs typeface="Open Sans" pitchFamily="34" charset="0"/>
+            </a:endParaRPr>
+          </a:p>
+        </p:txBody>
+      </p:sp>
+      <p:sp>
+        <p:nvSpPr>
+          <p:cNvPr id="8" name="Content Placeholder 7"/>
+          <p:cNvSpPr>
+            <a:spLocks noGrp="1"/>
+          </p:cNvSpPr>
+          <p:nvPr>
+            <p:ph sz="quarter" idx="4"/>
+          </p:nvPr>
+        </p:nvSpPr>
+        <p:spPr/>
+        <p:txBody>
+          <a:bodyPr>
+            <a:normAutofit/>
+          </a:bodyPr>
+          <a:lstStyle/>
+          <a:p>
+            <a:pPr lvl="1">
+              <a:buFont typeface="Arial" panose="020B0604020202020204" pitchFamily="34" charset="0"/>
+              <a:buChar char="•"/>
+            </a:pPr>
+            <a:r>
+              <a:rPr lang="en-GB" sz="2400" dirty="0" smtClean="0">
+                <a:latin typeface="Open Sans" pitchFamily="34" charset="0"/>
+                <a:ea typeface="Open Sans" pitchFamily="34" charset="0"/>
+                <a:cs typeface="Open Sans" pitchFamily="34" charset="0"/>
+              </a:rPr>
+              <a:t>Likes computers.</a:t>
+            </a:r>
+          </a:p>
+          <a:p>
+            <a:pPr lvl="1">
+              <a:buFont typeface="Arial" panose="020B0604020202020204" pitchFamily="34" charset="0"/>
+              <a:buChar char="•"/>
+            </a:pPr>
+            <a:r>
+              <a:rPr lang="en-GB" sz="2400" dirty="0" smtClean="0">
+                <a:latin typeface="Open Sans" pitchFamily="34" charset="0"/>
+                <a:ea typeface="Open Sans" pitchFamily="34" charset="0"/>
+                <a:cs typeface="Open Sans" pitchFamily="34" charset="0"/>
+              </a:rPr>
+              <a:t>Likes sports.</a:t>
+            </a:r>
+          </a:p>
+          <a:p>
+            <a:pPr lvl="1">
+              <a:buFont typeface="Arial" panose="020B0604020202020204" pitchFamily="34" charset="0"/>
+              <a:buChar char="•"/>
+            </a:pPr>
+            <a:r>
+              <a:rPr lang="en-GB" sz="2400" dirty="0" smtClean="0">
+                <a:latin typeface="Open Sans" pitchFamily="34" charset="0"/>
+                <a:ea typeface="Open Sans" pitchFamily="34" charset="0"/>
+                <a:cs typeface="Open Sans" pitchFamily="34" charset="0"/>
+              </a:rPr>
+              <a:t>Likes Nicki </a:t>
+            </a:r>
+            <a:r>
+              <a:rPr lang="en-GB" sz="2400" dirty="0" err="1" smtClean="0">
+                <a:latin typeface="Open Sans" pitchFamily="34" charset="0"/>
+                <a:ea typeface="Open Sans" pitchFamily="34" charset="0"/>
+                <a:cs typeface="Open Sans" pitchFamily="34" charset="0"/>
+              </a:rPr>
+              <a:t>Minaj</a:t>
+            </a:r>
+            <a:r>
+              <a:rPr lang="en-GB" sz="2400" dirty="0" smtClean="0">
+                <a:latin typeface="Open Sans" pitchFamily="34" charset="0"/>
+                <a:ea typeface="Open Sans" pitchFamily="34" charset="0"/>
+                <a:cs typeface="Open Sans" pitchFamily="34" charset="0"/>
+              </a:rPr>
+              <a:t>.</a:t>
+            </a:r>
+            <a:endParaRPr lang="en-GB" sz="2400" dirty="0" smtClean="0">
+              <a:latin typeface="Open Sans" pitchFamily="34" charset="0"/>
+              <a:ea typeface="Open Sans" pitchFamily="34" charset="0"/>
+              <a:cs typeface="Open Sans" pitchFamily="34" charset="0"/>
+            </a:endParaRPr>
+          </a:p>
+          <a:p>
+            <a:pPr lvl="1">
+              <a:buFont typeface="Arial" panose="020B0604020202020204" pitchFamily="34" charset="0"/>
+              <a:buChar char="•"/>
+            </a:pPr>
+            <a:r>
+              <a:rPr lang="en-GB" sz="2400" dirty="0" smtClean="0">
+                <a:latin typeface="Open Sans" pitchFamily="34" charset="0"/>
+                <a:ea typeface="Open Sans" pitchFamily="34" charset="0"/>
+                <a:cs typeface="Open Sans" pitchFamily="34" charset="0"/>
+              </a:rPr>
+              <a:t>Loves trombones.</a:t>
+            </a:r>
+            <a:endParaRPr lang="en-GB" sz="2400" dirty="0" smtClean="0">
+              <a:latin typeface="Open Sans" pitchFamily="34" charset="0"/>
+              <a:ea typeface="Open Sans" pitchFamily="34" charset="0"/>
+              <a:cs typeface="Open Sans" pitchFamily="34" charset="0"/>
+            </a:endParaRPr>
+          </a:p>
+          <a:p>
+            <a:pPr lvl="1">
+              <a:buFont typeface="Arial" panose="020B0604020202020204" pitchFamily="34" charset="0"/>
+              <a:buChar char="•"/>
+            </a:pPr>
+            <a:endParaRPr lang="en-GB" sz="2400" dirty="0" smtClean="0">
+              <a:latin typeface="Open Sans" pitchFamily="34" charset="0"/>
+              <a:ea typeface="Open Sans" pitchFamily="34" charset="0"/>
+              <a:cs typeface="Open Sans" pitchFamily="34" charset="0"/>
+            </a:endParaRPr>
+          </a:p>
+          <a:p>
+            <a:pPr lvl="1">
+              <a:buFont typeface="Arial" panose="020B0604020202020204" pitchFamily="34" charset="0"/>
+              <a:buChar char="•"/>
+            </a:pPr>
+            <a:r>
+              <a:rPr lang="en-GB" sz="2400" dirty="0" smtClean="0">
+                <a:solidFill>
+                  <a:srgbClr val="FF0000"/>
+                </a:solidFill>
+                <a:latin typeface="Open Sans" pitchFamily="34" charset="0"/>
+                <a:ea typeface="Open Sans" pitchFamily="34" charset="0"/>
+                <a:cs typeface="Open Sans" pitchFamily="34" charset="0"/>
+              </a:rPr>
+              <a:t>Owns a pet </a:t>
+            </a:r>
+            <a:r>
+              <a:rPr lang="en-GB" sz="2400" dirty="0" smtClean="0">
+                <a:solidFill>
+                  <a:srgbClr val="FF0000"/>
+                </a:solidFill>
+                <a:latin typeface="Open Sans" pitchFamily="34" charset="0"/>
+                <a:ea typeface="Open Sans" pitchFamily="34" charset="0"/>
+                <a:cs typeface="Open Sans" pitchFamily="34" charset="0"/>
+              </a:rPr>
+              <a:t>spider called Barry.</a:t>
+            </a:r>
+            <a:endParaRPr lang="en-GB" sz="2400" dirty="0" smtClean="0">
+              <a:solidFill>
+                <a:srgbClr val="FF0000"/>
+              </a:solidFill>
+              <a:latin typeface="Open Sans" pitchFamily="34" charset="0"/>
+              <a:ea typeface="Open Sans" pitchFamily="34" charset="0"/>
+              <a:cs typeface="Open Sans" pitchFamily="34" charset="0"/>
+            </a:endParaRPr>
+          </a:p>
+          <a:p>
+            <a:pPr marL="201168" lvl="1" indent="0">
+              <a:buNone/>
+            </a:pPr>
+            <a:r>
+              <a:rPr lang="en-GB" sz="2400" dirty="0">
+                <a:latin typeface="Open Sans" pitchFamily="34" charset="0"/>
+                <a:ea typeface="Open Sans" pitchFamily="34" charset="0"/>
+                <a:cs typeface="Open Sans" pitchFamily="34" charset="0"/>
+              </a:rPr>
+              <a:t>	</a:t>
+            </a:r>
+            <a:endParaRPr lang="en-GB" sz="2400" dirty="0" smtClean="0">
+              <a:latin typeface="Open Sans" pitchFamily="34" charset="0"/>
+              <a:ea typeface="Open Sans" pitchFamily="34" charset="0"/>
+              <a:cs typeface="Open Sans" pitchFamily="34" charset="0"/>
+            </a:endParaRPr>
           </a:p>
         </p:txBody>
       </p:sp>
     </p:spTree>
     <p:extLst>
       <p:ext uri="{BB962C8B-B14F-4D97-AF65-F5344CB8AC3E}">
-        <p14:creationId xmlns:p14="http://schemas.microsoft.com/office/powerpoint/2010/main" val="2268395286"/>
+        <p14:creationId xmlns:p14="http://schemas.microsoft.com/office/powerpoint/2010/main" val="3885574848"/>
       </p:ext>
     </p:extLst>
   </p:cSld>
@@ -13613,7 +11900,7 @@
     <a:masterClrMapping/>
   </p:clrMapOvr>
   <p:transition spd="slow">
-    <p:push/>
+    <p:push dir="u"/>
   </p:transition>
   <p:timing>
     <p:tnLst>
@@ -13625,7 +11912,7 @@
 </p:sld>
 </file>
 
-<file path=ppt/slides/slide3.xml><?xml version="1.0" encoding="utf-8"?>
+<file path=ppt/slides/slide20.xml><?xml version="1.0" encoding="utf-8"?>
 <p:sld xmlns:a="http://schemas.openxmlformats.org/drawingml/2006/main" xmlns:r="http://schemas.openxmlformats.org/officeDocument/2006/relationships" xmlns:p="http://schemas.openxmlformats.org/presentationml/2006/main">
   <p:cSld>
     <p:spTree>
@@ -13644,35 +11931,12 @@
       </p:grpSpPr>
       <p:sp>
         <p:nvSpPr>
-          <p:cNvPr id="2" name="Title 1"/>
-          <p:cNvSpPr>
+          <p:cNvPr id="2" name=" 1"/>
+          <p:cNvSpPr txBox="1">
             <a:spLocks noGrp="1"/>
           </p:cNvSpPr>
           <p:nvPr>
             <p:ph type="title"/>
-          </p:nvPr>
-        </p:nvSpPr>
-        <p:spPr/>
-        <p:txBody>
-          <a:bodyPr/>
-          <a:lstStyle/>
-          <a:p>
-            <a:r>
-              <a:rPr lang="en-GB" dirty="0" smtClean="0"/>
-              <a:t>What it does</a:t>
-            </a:r>
-            <a:endParaRPr lang="en-GB" dirty="0"/>
-          </a:p>
-        </p:txBody>
-      </p:sp>
-      <p:sp>
-        <p:nvSpPr>
-          <p:cNvPr id="3" name="Content Placeholder 2"/>
-          <p:cNvSpPr>
-            <a:spLocks noGrp="1"/>
-          </p:cNvSpPr>
-          <p:nvPr>
-            <p:ph idx="1"/>
           </p:nvPr>
         </p:nvSpPr>
         <p:spPr/>
@@ -13681,37 +11945,81 @@
             <a:normAutofit/>
           </a:bodyPr>
           <a:lstStyle/>
+          <a:p>
+            <a:pPr lvl="0"/>
+            <a:r>
+              <a:rPr lang="en-GB" sz="4400" dirty="0" smtClean="0">
+                <a:latin typeface="Open Sans" pitchFamily="34" charset="0"/>
+                <a:ea typeface="Open Sans" pitchFamily="34" charset="0"/>
+                <a:cs typeface="Open Sans" pitchFamily="34" charset="0"/>
+              </a:rPr>
+              <a:t>Overview of legal and ethical aspects</a:t>
+            </a:r>
+            <a:endParaRPr lang="en-GB" sz="4400" dirty="0">
+              <a:latin typeface="Open Sans" pitchFamily="34" charset="0"/>
+              <a:ea typeface="Open Sans" pitchFamily="34" charset="0"/>
+              <a:cs typeface="Open Sans" pitchFamily="34" charset="0"/>
+            </a:endParaRPr>
+          </a:p>
+        </p:txBody>
+      </p:sp>
+      <p:sp>
+        <p:nvSpPr>
+          <p:cNvPr id="3" name=" 2"/>
+          <p:cNvSpPr txBox="1">
+            <a:spLocks noGrp="1"/>
+          </p:cNvSpPr>
+          <p:nvPr>
+            <p:ph type="body" idx="4294967295"/>
+          </p:nvPr>
+        </p:nvSpPr>
+        <p:spPr>
+          <a:xfrm>
+            <a:off x="1071523" y="2411503"/>
+            <a:ext cx="10058400" cy="4022725"/>
+          </a:xfrm>
+        </p:spPr>
+        <p:txBody>
+          <a:bodyPr>
+            <a:normAutofit/>
+          </a:bodyPr>
+          <a:lstStyle/>
+          <a:p>
+            <a:pPr marL="201168" lvl="1" indent="0">
+              <a:buNone/>
+            </a:pPr>
+            <a:r>
+              <a:rPr lang="en-GB" sz="2400" dirty="0" smtClean="0">
+                <a:latin typeface="Open Sans" pitchFamily="34" charset="0"/>
+                <a:ea typeface="Open Sans" pitchFamily="34" charset="0"/>
+                <a:cs typeface="Open Sans" pitchFamily="34" charset="0"/>
+              </a:rPr>
+              <a:t>We have covered all details of how we use personal details and website information in our:</a:t>
+            </a:r>
+          </a:p>
+          <a:p>
+            <a:pPr marL="201168" lvl="1" indent="0">
+              <a:buNone/>
+            </a:pPr>
+            <a:endParaRPr lang="en-GB" sz="2400" dirty="0" smtClean="0">
+              <a:latin typeface="Open Sans" pitchFamily="34" charset="0"/>
+              <a:ea typeface="Open Sans" pitchFamily="34" charset="0"/>
+              <a:cs typeface="Open Sans" pitchFamily="34" charset="0"/>
+            </a:endParaRPr>
+          </a:p>
           <a:p>
             <a:pPr lvl="1">
               <a:buFont typeface="Arial" panose="020B0604020202020204" pitchFamily="34" charset="0"/>
               <a:buChar char="•"/>
             </a:pPr>
             <a:r>
-              <a:rPr lang="en-GB" sz="2400" dirty="0" smtClean="0"/>
-              <a:t>Checks compatibility of users</a:t>
-            </a:r>
-          </a:p>
-          <a:p>
-            <a:pPr marL="292608" lvl="1" indent="0">
-              <a:buNone/>
-            </a:pPr>
-            <a:r>
-              <a:rPr lang="en-GB" sz="2400" dirty="0"/>
-              <a:t>	</a:t>
-            </a:r>
-            <a:r>
-              <a:rPr lang="en-GB" sz="2400" dirty="0" smtClean="0"/>
-              <a:t>…based on their </a:t>
-            </a:r>
-            <a:r>
-              <a:rPr lang="en-GB" sz="2400" dirty="0" smtClean="0"/>
-              <a:t>preferences</a:t>
-            </a:r>
-            <a:r>
-              <a:rPr lang="en-GB" sz="2400" dirty="0" smtClean="0"/>
-              <a:t>.</a:t>
-            </a:r>
-            <a:endParaRPr lang="en-GB" sz="2400" dirty="0" smtClean="0"/>
+              <a:rPr lang="en-GB" sz="2400" dirty="0" smtClean="0">
+                <a:latin typeface="Open Sans" pitchFamily="34" charset="0"/>
+                <a:ea typeface="Open Sans" pitchFamily="34" charset="0"/>
+                <a:cs typeface="Open Sans" pitchFamily="34" charset="0"/>
+              </a:rPr>
+              <a:t>Privacy Policy and Cookie Use</a:t>
+            </a:r>
           </a:p>
           <a:p>
             <a:pPr lvl="1">
@@ -13719,8 +12027,12 @@
               <a:buChar char="•"/>
             </a:pPr>
             <a:r>
-              <a:rPr lang="en-GB" sz="2400" dirty="0" smtClean="0"/>
-              <a:t>Suggests them to each other.</a:t>
+              <a:rPr lang="en-GB" sz="2400" dirty="0" smtClean="0">
+                <a:latin typeface="Open Sans" pitchFamily="34" charset="0"/>
+                <a:ea typeface="Open Sans" pitchFamily="34" charset="0"/>
+                <a:cs typeface="Open Sans" pitchFamily="34" charset="0"/>
+              </a:rPr>
+              <a:t>Terms and Conditions</a:t>
             </a:r>
           </a:p>
           <a:p>
@@ -13729,8 +12041,12 @@
               <a:buChar char="•"/>
             </a:pPr>
             <a:r>
-              <a:rPr lang="en-GB" sz="2400" dirty="0" smtClean="0"/>
-              <a:t>They add each other.</a:t>
+              <a:rPr lang="en-GB" sz="2400" dirty="0" smtClean="0">
+                <a:latin typeface="Open Sans" pitchFamily="34" charset="0"/>
+                <a:ea typeface="Open Sans" pitchFamily="34" charset="0"/>
+                <a:cs typeface="Open Sans" pitchFamily="34" charset="0"/>
+              </a:rPr>
+              <a:t>Disclaimer</a:t>
             </a:r>
           </a:p>
           <a:p>
@@ -13739,8 +12055,12 @@
               <a:buChar char="•"/>
             </a:pPr>
             <a:r>
-              <a:rPr lang="en-GB" sz="2400" dirty="0" smtClean="0"/>
-              <a:t>They become friends.</a:t>
+              <a:rPr lang="en-GB" sz="2400" dirty="0" smtClean="0">
+                <a:latin typeface="Open Sans" pitchFamily="34" charset="0"/>
+                <a:ea typeface="Open Sans" pitchFamily="34" charset="0"/>
+                <a:cs typeface="Open Sans" pitchFamily="34" charset="0"/>
+              </a:rPr>
+              <a:t>About </a:t>
             </a:r>
           </a:p>
           <a:p>
@@ -13748,31 +12068,39 @@
               <a:buFont typeface="Arial" panose="020B0604020202020204" pitchFamily="34" charset="0"/>
               <a:buChar char="•"/>
             </a:pPr>
-            <a:r>
-              <a:rPr lang="en-GB" sz="2400" dirty="0" smtClean="0"/>
-              <a:t>They become room-mates.</a:t>
-            </a:r>
+            <a:endParaRPr lang="en-GB" sz="2400" dirty="0">
+              <a:latin typeface="Open Sans" pitchFamily="34" charset="0"/>
+              <a:ea typeface="Open Sans" pitchFamily="34" charset="0"/>
+              <a:cs typeface="Open Sans" pitchFamily="34" charset="0"/>
+            </a:endParaRPr>
           </a:p>
           <a:p>
             <a:pPr lvl="1">
               <a:buFont typeface="Arial" panose="020B0604020202020204" pitchFamily="34" charset="0"/>
               <a:buChar char="•"/>
             </a:pPr>
-            <a:r>
-              <a:rPr lang="en-GB" sz="2400" dirty="0" smtClean="0"/>
-              <a:t> </a:t>
-            </a:r>
-            <a:r>
-              <a:rPr lang="en-GB" sz="2400" strike="sngStrike" dirty="0" smtClean="0"/>
-              <a:t>And they all live happily ever after.</a:t>
-            </a:r>
+            <a:endParaRPr lang="en-GB" sz="2400" dirty="0" smtClean="0">
+              <a:latin typeface="Open Sans" pitchFamily="34" charset="0"/>
+              <a:ea typeface="Open Sans" pitchFamily="34" charset="0"/>
+              <a:cs typeface="Open Sans" pitchFamily="34" charset="0"/>
+            </a:endParaRPr>
+          </a:p>
+          <a:p>
+            <a:pPr marL="384048" lvl="2" indent="0">
+              <a:buNone/>
+            </a:pPr>
+            <a:endParaRPr lang="en-GB" sz="2000" dirty="0" smtClean="0">
+              <a:latin typeface="Open Sans" pitchFamily="34" charset="0"/>
+              <a:ea typeface="Open Sans" pitchFamily="34" charset="0"/>
+              <a:cs typeface="Open Sans" pitchFamily="34" charset="0"/>
+            </a:endParaRPr>
           </a:p>
         </p:txBody>
       </p:sp>
     </p:spTree>
     <p:extLst>
       <p:ext uri="{BB962C8B-B14F-4D97-AF65-F5344CB8AC3E}">
-        <p14:creationId xmlns:p14="http://schemas.microsoft.com/office/powerpoint/2010/main" val="3039609042"/>
+        <p14:creationId xmlns:p14="http://schemas.microsoft.com/office/powerpoint/2010/main" val="702645335"/>
       </p:ext>
     </p:extLst>
   </p:cSld>
@@ -13780,7 +12108,7 @@
     <a:masterClrMapping/>
   </p:clrMapOvr>
   <p:transition spd="slow">
-    <p:push/>
+    <p:push dir="u"/>
   </p:transition>
   <p:timing>
     <p:tnLst>
@@ -13792,7 +12120,7 @@
 </p:sld>
 </file>
 
-<file path=ppt/slides/slide30.xml><?xml version="1.0" encoding="utf-8"?>
+<file path=ppt/slides/slide21.xml><?xml version="1.0" encoding="utf-8"?>
 <p:sld xmlns:a="http://schemas.openxmlformats.org/drawingml/2006/main" xmlns:r="http://schemas.openxmlformats.org/officeDocument/2006/relationships" xmlns:p="http://schemas.openxmlformats.org/presentationml/2006/main">
   <p:cSld>
     <p:spTree>
@@ -13821,22 +12149,33 @@
         </p:nvSpPr>
         <p:spPr/>
         <p:txBody>
-          <a:bodyPr/>
+          <a:bodyPr>
+            <a:normAutofit/>
+          </a:bodyPr>
           <a:lstStyle/>
           <a:p>
             <a:pPr lvl="0"/>
             <a:r>
-              <a:rPr lang="en-GB" dirty="0"/>
+              <a:rPr lang="en-GB" sz="4400" dirty="0">
+                <a:latin typeface="Open Sans" pitchFamily="34" charset="0"/>
+                <a:ea typeface="Open Sans" pitchFamily="34" charset="0"/>
+                <a:cs typeface="Open Sans" pitchFamily="34" charset="0"/>
+              </a:rPr>
               <a:t>Personal </a:t>
             </a:r>
             <a:r>
-              <a:rPr lang="en-GB" dirty="0" smtClean="0"/>
-              <a:t>information </a:t>
-            </a:r>
-            <a:r>
-              <a:rPr lang="en-GB" dirty="0"/>
-              <a:t>confidentiality</a:t>
-            </a:r>
+              <a:rPr lang="en-GB" sz="4400" dirty="0" smtClean="0">
+                <a:latin typeface="Open Sans" pitchFamily="34" charset="0"/>
+                <a:ea typeface="Open Sans" pitchFamily="34" charset="0"/>
+                <a:cs typeface="Open Sans" pitchFamily="34" charset="0"/>
+              </a:rPr>
+              <a:t>details and privacy</a:t>
+            </a:r>
+            <a:endParaRPr lang="en-GB" sz="4400" dirty="0">
+              <a:latin typeface="Open Sans" pitchFamily="34" charset="0"/>
+              <a:ea typeface="Open Sans" pitchFamily="34" charset="0"/>
+              <a:cs typeface="Open Sans" pitchFamily="34" charset="0"/>
+            </a:endParaRPr>
           </a:p>
         </p:txBody>
       </p:sp>
@@ -13867,9 +12206,23 @@
               <a:buChar char="•"/>
             </a:pPr>
             <a:r>
-              <a:rPr lang="en-GB" sz="2400" dirty="0" smtClean="0"/>
-              <a:t>Character of personal information is public within the website (for registered users)</a:t>
-            </a:r>
+              <a:rPr lang="en-GB" sz="2400" dirty="0" smtClean="0">
+                <a:latin typeface="Open Sans" pitchFamily="34" charset="0"/>
+                <a:ea typeface="Open Sans" pitchFamily="34" charset="0"/>
+                <a:cs typeface="Open Sans" pitchFamily="34" charset="0"/>
+              </a:rPr>
+              <a:t>All personal information and user details are public within the website (for registered users only).</a:t>
+            </a:r>
+          </a:p>
+          <a:p>
+            <a:pPr marL="201168" lvl="1" indent="0">
+              <a:buNone/>
+            </a:pPr>
+            <a:endParaRPr lang="en-GB" sz="2400" dirty="0" smtClean="0">
+              <a:latin typeface="Open Sans" pitchFamily="34" charset="0"/>
+              <a:ea typeface="Open Sans" pitchFamily="34" charset="0"/>
+              <a:cs typeface="Open Sans" pitchFamily="34" charset="0"/>
+            </a:endParaRPr>
           </a:p>
           <a:p>
             <a:pPr lvl="1">
@@ -13877,9 +12230,31 @@
               <a:buChar char="•"/>
             </a:pPr>
             <a:r>
-              <a:rPr lang="en-GB" sz="2400" dirty="0" smtClean="0"/>
-              <a:t>The matching engine uses all the filters and details provided</a:t>
-            </a:r>
+              <a:rPr lang="en-GB" sz="2400" dirty="0" smtClean="0">
+                <a:latin typeface="Open Sans" pitchFamily="34" charset="0"/>
+                <a:ea typeface="Open Sans" pitchFamily="34" charset="0"/>
+                <a:cs typeface="Open Sans" pitchFamily="34" charset="0"/>
+              </a:rPr>
+              <a:t>The matching engine uses all the filters and details </a:t>
+            </a:r>
+            <a:r>
+              <a:rPr lang="en-GB" sz="2400" dirty="0" smtClean="0">
+                <a:latin typeface="Open Sans" pitchFamily="34" charset="0"/>
+                <a:ea typeface="Open Sans" pitchFamily="34" charset="0"/>
+                <a:cs typeface="Open Sans" pitchFamily="34" charset="0"/>
+              </a:rPr>
+              <a:t>provided by the user.</a:t>
+            </a:r>
+          </a:p>
+          <a:p>
+            <a:pPr marL="201168" lvl="1" indent="0">
+              <a:buNone/>
+            </a:pPr>
+            <a:endParaRPr lang="en-GB" sz="2400" dirty="0" smtClean="0">
+              <a:latin typeface="Open Sans" pitchFamily="34" charset="0"/>
+              <a:ea typeface="Open Sans" pitchFamily="34" charset="0"/>
+              <a:cs typeface="Open Sans" pitchFamily="34" charset="0"/>
+            </a:endParaRPr>
           </a:p>
           <a:p>
             <a:pPr lvl="1">
@@ -13887,35 +12262,28 @@
               <a:buChar char="•"/>
             </a:pPr>
             <a:r>
-              <a:rPr lang="en-GB" sz="2400" dirty="0" smtClean="0"/>
-              <a:t>You can see the profile of a user anytime</a:t>
-            </a:r>
-          </a:p>
-          <a:p>
-            <a:pPr marL="384048" lvl="2" indent="0">
-              <a:buNone/>
-            </a:pPr>
-            <a:r>
-              <a:rPr lang="en-GB" sz="2400" dirty="0"/>
-              <a:t> </a:t>
-            </a:r>
-            <a:r>
-              <a:rPr lang="en-GB" sz="2400" dirty="0" smtClean="0"/>
-              <a:t> </a:t>
-            </a:r>
-            <a:r>
-              <a:rPr lang="en-GB" sz="2200" dirty="0" smtClean="0"/>
-              <a:t>but you can see their name just if the accepted your request to connect</a:t>
-            </a:r>
-          </a:p>
-          <a:p>
-            <a:pPr lvl="1">
-              <a:buFont typeface="Arial" panose="020B0604020202020204" pitchFamily="34" charset="0"/>
-              <a:buChar char="•"/>
-            </a:pPr>
-            <a:r>
-              <a:rPr lang="en-GB" sz="2400" dirty="0" smtClean="0"/>
-              <a:t>Unlink the information from the user by hiding their name</a:t>
+              <a:rPr lang="en-GB" sz="2400" dirty="0" smtClean="0">
+                <a:latin typeface="Open Sans" pitchFamily="34" charset="0"/>
+                <a:ea typeface="Open Sans" pitchFamily="34" charset="0"/>
+                <a:cs typeface="Open Sans" pitchFamily="34" charset="0"/>
+              </a:rPr>
+              <a:t>User profile is public but user details are visible onl</a:t>
+            </a:r>
+            <a:r>
+              <a:rPr lang="en-GB" sz="2400" dirty="0" smtClean="0">
+                <a:latin typeface="Open Sans" pitchFamily="34" charset="0"/>
+                <a:ea typeface="Open Sans" pitchFamily="34" charset="0"/>
+                <a:cs typeface="Open Sans" pitchFamily="34" charset="0"/>
+              </a:rPr>
+              <a:t>y to friends</a:t>
+            </a:r>
+            <a:r>
+              <a:rPr lang="en-GB" sz="2400" dirty="0" smtClean="0">
+                <a:latin typeface="Open Sans" pitchFamily="34" charset="0"/>
+                <a:ea typeface="Open Sans" pitchFamily="34" charset="0"/>
+                <a:cs typeface="Open Sans" pitchFamily="34" charset="0"/>
+              </a:rPr>
+              <a:t>.</a:t>
             </a:r>
           </a:p>
           <a:p>
@@ -13924,7 +12292,11 @@
               <a:buFont typeface="StarSymbol"/>
               <a:buChar char="●"/>
             </a:pPr>
-            <a:endParaRPr lang="en-GB" dirty="0"/>
+            <a:endParaRPr lang="en-GB" dirty="0">
+              <a:latin typeface="Open Sans" pitchFamily="34" charset="0"/>
+              <a:ea typeface="Open Sans" pitchFamily="34" charset="0"/>
+              <a:cs typeface="Open Sans" pitchFamily="34" charset="0"/>
+            </a:endParaRPr>
           </a:p>
           <a:p>
             <a:pPr lvl="0">
@@ -13932,7 +12304,11 @@
               <a:buFont typeface="StarSymbol"/>
               <a:buChar char="●"/>
             </a:pPr>
-            <a:endParaRPr lang="en-GB" dirty="0" smtClean="0"/>
+            <a:endParaRPr lang="en-GB" dirty="0" smtClean="0">
+              <a:latin typeface="Open Sans" pitchFamily="34" charset="0"/>
+              <a:ea typeface="Open Sans" pitchFamily="34" charset="0"/>
+              <a:cs typeface="Open Sans" pitchFamily="34" charset="0"/>
+            </a:endParaRPr>
           </a:p>
           <a:p>
             <a:pPr lvl="0">
@@ -13960,14 +12336,220 @@
   <p:timing>
     <p:tnLst>
       <p:par>
-        <p:cTn id="1" dur="indefinite" restart="never" nodeType="tmRoot"/>
+        <p:cTn id="1" dur="indefinite" restart="never" nodeType="tmRoot">
+          <p:childTnLst>
+            <p:seq concurrent="1" nextAc="seek">
+              <p:cTn id="2" dur="indefinite" nodeType="mainSeq">
+                <p:childTnLst>
+                  <p:par>
+                    <p:cTn id="3" fill="hold">
+                      <p:stCondLst>
+                        <p:cond delay="indefinite"/>
+                      </p:stCondLst>
+                      <p:childTnLst>
+                        <p:par>
+                          <p:cTn id="4" fill="hold">
+                            <p:stCondLst>
+                              <p:cond delay="0"/>
+                            </p:stCondLst>
+                            <p:childTnLst>
+                              <p:par>
+                                <p:cTn id="5" presetID="22" presetClass="entr" presetSubtype="8" fill="hold" nodeType="clickEffect">
+                                  <p:stCondLst>
+                                    <p:cond delay="0"/>
+                                  </p:stCondLst>
+                                  <p:childTnLst>
+                                    <p:set>
+                                      <p:cBhvr>
+                                        <p:cTn id="6" dur="1" fill="hold">
+                                          <p:stCondLst>
+                                            <p:cond delay="0"/>
+                                          </p:stCondLst>
+                                        </p:cTn>
+                                        <p:tgtEl>
+                                          <p:spTgt spid="3">
+                                            <p:txEl>
+                                              <p:pRg st="0" end="0"/>
+                                            </p:txEl>
+                                          </p:spTgt>
+                                        </p:tgtEl>
+                                        <p:attrNameLst>
+                                          <p:attrName>style.visibility</p:attrName>
+                                        </p:attrNameLst>
+                                      </p:cBhvr>
+                                      <p:to>
+                                        <p:strVal val="visible"/>
+                                      </p:to>
+                                    </p:set>
+                                    <p:animEffect transition="in" filter="wipe(left)">
+                                      <p:cBhvr>
+                                        <p:cTn id="7" dur="500"/>
+                                        <p:tgtEl>
+                                          <p:spTgt spid="3">
+                                            <p:txEl>
+                                              <p:pRg st="0" end="0"/>
+                                            </p:txEl>
+                                          </p:spTgt>
+                                        </p:tgtEl>
+                                      </p:cBhvr>
+                                    </p:animEffect>
+                                  </p:childTnLst>
+                                </p:cTn>
+                              </p:par>
+                            </p:childTnLst>
+                          </p:cTn>
+                        </p:par>
+                      </p:childTnLst>
+                    </p:cTn>
+                  </p:par>
+                  <p:par>
+                    <p:cTn id="8" fill="hold">
+                      <p:stCondLst>
+                        <p:cond delay="indefinite"/>
+                      </p:stCondLst>
+                      <p:childTnLst>
+                        <p:par>
+                          <p:cTn id="9" fill="hold">
+                            <p:stCondLst>
+                              <p:cond delay="0"/>
+                            </p:stCondLst>
+                            <p:childTnLst>
+                              <p:par>
+                                <p:cTn id="10" presetID="22" presetClass="entr" presetSubtype="8" fill="hold" nodeType="clickEffect">
+                                  <p:stCondLst>
+                                    <p:cond delay="0"/>
+                                  </p:stCondLst>
+                                  <p:childTnLst>
+                                    <p:set>
+                                      <p:cBhvr>
+                                        <p:cTn id="11" dur="1" fill="hold">
+                                          <p:stCondLst>
+                                            <p:cond delay="0"/>
+                                          </p:stCondLst>
+                                        </p:cTn>
+                                        <p:tgtEl>
+                                          <p:spTgt spid="3">
+                                            <p:txEl>
+                                              <p:pRg st="2" end="2"/>
+                                            </p:txEl>
+                                          </p:spTgt>
+                                        </p:tgtEl>
+                                        <p:attrNameLst>
+                                          <p:attrName>style.visibility</p:attrName>
+                                        </p:attrNameLst>
+                                      </p:cBhvr>
+                                      <p:to>
+                                        <p:strVal val="visible"/>
+                                      </p:to>
+                                    </p:set>
+                                    <p:animEffect transition="in" filter="wipe(left)">
+                                      <p:cBhvr>
+                                        <p:cTn id="12" dur="500"/>
+                                        <p:tgtEl>
+                                          <p:spTgt spid="3">
+                                            <p:txEl>
+                                              <p:pRg st="2" end="2"/>
+                                            </p:txEl>
+                                          </p:spTgt>
+                                        </p:tgtEl>
+                                      </p:cBhvr>
+                                    </p:animEffect>
+                                  </p:childTnLst>
+                                </p:cTn>
+                              </p:par>
+                            </p:childTnLst>
+                          </p:cTn>
+                        </p:par>
+                      </p:childTnLst>
+                    </p:cTn>
+                  </p:par>
+                  <p:par>
+                    <p:cTn id="13" fill="hold">
+                      <p:stCondLst>
+                        <p:cond delay="indefinite"/>
+                      </p:stCondLst>
+                      <p:childTnLst>
+                        <p:par>
+                          <p:cTn id="14" fill="hold">
+                            <p:stCondLst>
+                              <p:cond delay="0"/>
+                            </p:stCondLst>
+                            <p:childTnLst>
+                              <p:par>
+                                <p:cTn id="15" presetID="22" presetClass="entr" presetSubtype="8" fill="hold" nodeType="clickEffect">
+                                  <p:stCondLst>
+                                    <p:cond delay="0"/>
+                                  </p:stCondLst>
+                                  <p:childTnLst>
+                                    <p:set>
+                                      <p:cBhvr>
+                                        <p:cTn id="16" dur="1" fill="hold">
+                                          <p:stCondLst>
+                                            <p:cond delay="0"/>
+                                          </p:stCondLst>
+                                        </p:cTn>
+                                        <p:tgtEl>
+                                          <p:spTgt spid="3">
+                                            <p:txEl>
+                                              <p:pRg st="4" end="4"/>
+                                            </p:txEl>
+                                          </p:spTgt>
+                                        </p:tgtEl>
+                                        <p:attrNameLst>
+                                          <p:attrName>style.visibility</p:attrName>
+                                        </p:attrNameLst>
+                                      </p:cBhvr>
+                                      <p:to>
+                                        <p:strVal val="visible"/>
+                                      </p:to>
+                                    </p:set>
+                                    <p:animEffect transition="in" filter="wipe(left)">
+                                      <p:cBhvr>
+                                        <p:cTn id="17" dur="500"/>
+                                        <p:tgtEl>
+                                          <p:spTgt spid="3">
+                                            <p:txEl>
+                                              <p:pRg st="4" end="4"/>
+                                            </p:txEl>
+                                          </p:spTgt>
+                                        </p:tgtEl>
+                                      </p:cBhvr>
+                                    </p:animEffect>
+                                  </p:childTnLst>
+                                </p:cTn>
+                              </p:par>
+                            </p:childTnLst>
+                          </p:cTn>
+                        </p:par>
+                      </p:childTnLst>
+                    </p:cTn>
+                  </p:par>
+                </p:childTnLst>
+              </p:cTn>
+              <p:prevCondLst>
+                <p:cond evt="onPrev" delay="0">
+                  <p:tgtEl>
+                    <p:sldTgt/>
+                  </p:tgtEl>
+                </p:cond>
+              </p:prevCondLst>
+              <p:nextCondLst>
+                <p:cond evt="onNext" delay="0">
+                  <p:tgtEl>
+                    <p:sldTgt/>
+                  </p:tgtEl>
+                </p:cond>
+              </p:nextCondLst>
+            </p:seq>
+          </p:childTnLst>
+        </p:cTn>
       </p:par>
     </p:tnLst>
   </p:timing>
 </p:sld>
 </file>
 
-<file path=ppt/slides/slide31.xml><?xml version="1.0" encoding="utf-8"?>
+<file path=ppt/slides/slide22.xml><?xml version="1.0" encoding="utf-8"?>
 <p:sld xmlns:a="http://schemas.openxmlformats.org/drawingml/2006/main" xmlns:r="http://schemas.openxmlformats.org/officeDocument/2006/relationships" xmlns:p="http://schemas.openxmlformats.org/presentationml/2006/main">
   <p:cSld>
     <p:spTree>
@@ -13986,8 +12568,8 @@
       </p:grpSpPr>
       <p:sp>
         <p:nvSpPr>
-          <p:cNvPr id="2" name=" 1"/>
-          <p:cNvSpPr txBox="1">
+          <p:cNvPr id="2" name="Title 1"/>
+          <p:cNvSpPr>
             <a:spLocks noGrp="1"/>
           </p:cNvSpPr>
           <p:nvPr>
@@ -13999,92 +12581,113 @@
           <a:bodyPr/>
           <a:lstStyle/>
           <a:p>
-            <a:pPr lvl="0"/>
-            <a:r>
-              <a:rPr lang="en-GB"/>
-              <a:t>The user reviews</a:t>
-            </a:r>
-          </a:p>
-        </p:txBody>
-      </p:sp>
-      <p:sp>
-        <p:nvSpPr>
-          <p:cNvPr id="3" name=" 2"/>
-          <p:cNvSpPr txBox="1">
-            <a:spLocks noGrp="1"/>
-          </p:cNvSpPr>
-          <p:nvPr>
-            <p:ph type="body" idx="4294967295"/>
+            <a:pPr algn="ctr"/>
+            <a:r>
+              <a:rPr lang="en-IN" dirty="0" smtClean="0"/>
+              <a:t>Reflections</a:t>
+            </a:r>
+            <a:endParaRPr lang="en-IN" dirty="0"/>
+          </a:p>
+        </p:txBody>
+      </p:sp>
+      <p:sp>
+        <p:nvSpPr>
+          <p:cNvPr id="3" name="Content Placeholder 2"/>
+          <p:cNvSpPr>
+            <a:spLocks noGrp="1"/>
+          </p:cNvSpPr>
+          <p:nvPr>
+            <p:ph idx="1"/>
           </p:nvPr>
         </p:nvSpPr>
         <p:spPr>
           <a:xfrm>
-            <a:off x="1097280" y="2036763"/>
-            <a:ext cx="10058400" cy="4821237"/>
+            <a:off x="1097280" y="2206343"/>
+            <a:ext cx="10058400" cy="4023360"/>
           </a:xfrm>
         </p:spPr>
         <p:txBody>
-          <a:bodyPr>
-            <a:normAutofit/>
-          </a:bodyPr>
-          <a:lstStyle/>
-          <a:p>
-            <a:pPr lvl="1">
-              <a:buFont typeface="Arial" panose="020B0604020202020204" pitchFamily="34" charset="0"/>
+          <a:bodyPr/>
+          <a:lstStyle/>
+          <a:p>
+            <a:pPr>
+              <a:buFont typeface="Arial" pitchFamily="34" charset="0"/>
               <a:buChar char="•"/>
             </a:pPr>
             <a:r>
-              <a:rPr lang="en-GB" sz="2400" dirty="0" smtClean="0"/>
-              <a:t>Filtering the reviews for sensible content (such as foul language) or spam</a:t>
-            </a:r>
-          </a:p>
-          <a:p>
-            <a:pPr lvl="1">
-              <a:buFont typeface="Arial" panose="020B0604020202020204" pitchFamily="34" charset="0"/>
+              <a:rPr lang="en-IN" sz="2400" dirty="0" smtClean="0">
+                <a:latin typeface="Open Sans" pitchFamily="34" charset="0"/>
+                <a:ea typeface="Open Sans" pitchFamily="34" charset="0"/>
+                <a:cs typeface="Open Sans" pitchFamily="34" charset="0"/>
+              </a:rPr>
+              <a:t>What would we have done differently?</a:t>
+            </a:r>
+          </a:p>
+          <a:p>
+            <a:pPr marL="0" indent="0">
+              <a:buNone/>
+            </a:pPr>
+            <a:endParaRPr lang="en-IN" sz="2400" dirty="0" smtClean="0">
+              <a:latin typeface="Open Sans" pitchFamily="34" charset="0"/>
+              <a:ea typeface="Open Sans" pitchFamily="34" charset="0"/>
+              <a:cs typeface="Open Sans" pitchFamily="34" charset="0"/>
+            </a:endParaRPr>
+          </a:p>
+          <a:p>
+            <a:pPr>
+              <a:buFont typeface="Arial" pitchFamily="34" charset="0"/>
               <a:buChar char="•"/>
             </a:pPr>
             <a:r>
-              <a:rPr lang="en-GB" sz="2400" dirty="0" smtClean="0"/>
-              <a:t>Possible admin filtering some reviews</a:t>
-            </a:r>
-          </a:p>
-          <a:p>
-            <a:pPr lvl="1">
-              <a:buFont typeface="Arial" panose="020B0604020202020204" pitchFamily="34" charset="0"/>
+              <a:rPr lang="en-IN" sz="2400" dirty="0" smtClean="0">
+                <a:latin typeface="Open Sans" pitchFamily="34" charset="0"/>
+                <a:ea typeface="Open Sans" pitchFamily="34" charset="0"/>
+                <a:cs typeface="Open Sans" pitchFamily="34" charset="0"/>
+              </a:rPr>
+              <a:t>What did we learn from this course unit?</a:t>
+            </a:r>
+          </a:p>
+          <a:p>
+            <a:pPr marL="0" indent="0">
+              <a:buNone/>
+            </a:pPr>
+            <a:endParaRPr lang="en-IN" sz="2400" dirty="0" smtClean="0">
+              <a:latin typeface="Open Sans" pitchFamily="34" charset="0"/>
+              <a:ea typeface="Open Sans" pitchFamily="34" charset="0"/>
+              <a:cs typeface="Open Sans" pitchFamily="34" charset="0"/>
+            </a:endParaRPr>
+          </a:p>
+          <a:p>
+            <a:pPr>
+              <a:buFont typeface="Arial" pitchFamily="34" charset="0"/>
               <a:buChar char="•"/>
             </a:pPr>
             <a:r>
-              <a:rPr lang="en-GB" sz="2400" dirty="0" smtClean="0"/>
-              <a:t>Warn the users about the public character of the reviews they provide</a:t>
-            </a:r>
-          </a:p>
-          <a:p>
-            <a:pPr lvl="1">
-              <a:buFont typeface="Arial" panose="020B0604020202020204" pitchFamily="34" charset="0"/>
+              <a:rPr lang="en-IN" sz="2400" dirty="0" smtClean="0">
+                <a:latin typeface="Open Sans" pitchFamily="34" charset="0"/>
+                <a:ea typeface="Open Sans" pitchFamily="34" charset="0"/>
+                <a:cs typeface="Open Sans" pitchFamily="34" charset="0"/>
+              </a:rPr>
+              <a:t>What we felt was the best and worst part of this course unit?</a:t>
+            </a:r>
+          </a:p>
+          <a:p>
+            <a:pPr>
+              <a:buFont typeface="Arial" pitchFamily="34" charset="0"/>
               <a:buChar char="•"/>
             </a:pPr>
-            <a:r>
-              <a:rPr lang="en-GB" sz="2400" dirty="0" smtClean="0"/>
-              <a:t>Their name will be public</a:t>
-            </a:r>
-          </a:p>
-          <a:p>
-            <a:pPr lvl="1">
-              <a:buFont typeface="Arial" panose="020B0604020202020204" pitchFamily="34" charset="0"/>
-              <a:buChar char="•"/>
-            </a:pPr>
-            <a:r>
-              <a:rPr lang="en-GB" sz="2400" dirty="0" smtClean="0"/>
-              <a:t>Their name will not link to their profile (keeping the confidentiality)</a:t>
-            </a:r>
-            <a:endParaRPr lang="en-GB" sz="2400" dirty="0"/>
+            <a:endParaRPr lang="en-IN" dirty="0">
+              <a:latin typeface="Open Sans Semibold" pitchFamily="34" charset="0"/>
+              <a:ea typeface="Open Sans Semibold" pitchFamily="34" charset="0"/>
+              <a:cs typeface="Open Sans Semibold" pitchFamily="34" charset="0"/>
+            </a:endParaRPr>
           </a:p>
         </p:txBody>
       </p:sp>
     </p:spTree>
     <p:extLst>
       <p:ext uri="{BB962C8B-B14F-4D97-AF65-F5344CB8AC3E}">
-        <p14:creationId xmlns:p14="http://schemas.microsoft.com/office/powerpoint/2010/main" val="199516956"/>
+        <p14:creationId xmlns:p14="http://schemas.microsoft.com/office/powerpoint/2010/main" val="2460051769"/>
       </p:ext>
     </p:extLst>
   </p:cSld>
@@ -14092,19 +12695,387 @@
     <a:masterClrMapping/>
   </p:clrMapOvr>
   <p:transition spd="slow">
-    <p:push/>
+    <p:push dir="u"/>
   </p:transition>
   <p:timing>
     <p:tnLst>
       <p:par>
-        <p:cTn id="1" dur="indefinite" restart="never" nodeType="tmRoot"/>
+        <p:cTn id="1" dur="indefinite" restart="never" nodeType="tmRoot">
+          <p:childTnLst>
+            <p:seq concurrent="1" nextAc="seek">
+              <p:cTn id="2" dur="indefinite" nodeType="mainSeq">
+                <p:childTnLst>
+                  <p:par>
+                    <p:cTn id="3" fill="hold">
+                      <p:stCondLst>
+                        <p:cond delay="indefinite"/>
+                      </p:stCondLst>
+                      <p:childTnLst>
+                        <p:par>
+                          <p:cTn id="4" fill="hold">
+                            <p:stCondLst>
+                              <p:cond delay="0"/>
+                            </p:stCondLst>
+                            <p:childTnLst>
+                              <p:par>
+                                <p:cTn id="5" presetID="42" presetClass="entr" presetSubtype="0" fill="hold" nodeType="clickEffect">
+                                  <p:stCondLst>
+                                    <p:cond delay="0"/>
+                                  </p:stCondLst>
+                                  <p:childTnLst>
+                                    <p:set>
+                                      <p:cBhvr>
+                                        <p:cTn id="6" dur="1" fill="hold">
+                                          <p:stCondLst>
+                                            <p:cond delay="0"/>
+                                          </p:stCondLst>
+                                        </p:cTn>
+                                        <p:tgtEl>
+                                          <p:spTgt spid="3">
+                                            <p:txEl>
+                                              <p:pRg st="0" end="0"/>
+                                            </p:txEl>
+                                          </p:spTgt>
+                                        </p:tgtEl>
+                                        <p:attrNameLst>
+                                          <p:attrName>style.visibility</p:attrName>
+                                        </p:attrNameLst>
+                                      </p:cBhvr>
+                                      <p:to>
+                                        <p:strVal val="visible"/>
+                                      </p:to>
+                                    </p:set>
+                                    <p:animEffect transition="in" filter="fade">
+                                      <p:cBhvr>
+                                        <p:cTn id="7" dur="1000"/>
+                                        <p:tgtEl>
+                                          <p:spTgt spid="3">
+                                            <p:txEl>
+                                              <p:pRg st="0" end="0"/>
+                                            </p:txEl>
+                                          </p:spTgt>
+                                        </p:tgtEl>
+                                      </p:cBhvr>
+                                    </p:animEffect>
+                                    <p:anim calcmode="lin" valueType="num">
+                                      <p:cBhvr>
+                                        <p:cTn id="8" dur="1000" fill="hold"/>
+                                        <p:tgtEl>
+                                          <p:spTgt spid="3">
+                                            <p:txEl>
+                                              <p:pRg st="0" end="0"/>
+                                            </p:txEl>
+                                          </p:spTgt>
+                                        </p:tgtEl>
+                                        <p:attrNameLst>
+                                          <p:attrName>ppt_x</p:attrName>
+                                        </p:attrNameLst>
+                                      </p:cBhvr>
+                                      <p:tavLst>
+                                        <p:tav tm="0">
+                                          <p:val>
+                                            <p:strVal val="#ppt_x"/>
+                                          </p:val>
+                                        </p:tav>
+                                        <p:tav tm="100000">
+                                          <p:val>
+                                            <p:strVal val="#ppt_x"/>
+                                          </p:val>
+                                        </p:tav>
+                                      </p:tavLst>
+                                    </p:anim>
+                                    <p:anim calcmode="lin" valueType="num">
+                                      <p:cBhvr>
+                                        <p:cTn id="9" dur="1000" fill="hold"/>
+                                        <p:tgtEl>
+                                          <p:spTgt spid="3">
+                                            <p:txEl>
+                                              <p:pRg st="0" end="0"/>
+                                            </p:txEl>
+                                          </p:spTgt>
+                                        </p:tgtEl>
+                                        <p:attrNameLst>
+                                          <p:attrName>ppt_y</p:attrName>
+                                        </p:attrNameLst>
+                                      </p:cBhvr>
+                                      <p:tavLst>
+                                        <p:tav tm="0">
+                                          <p:val>
+                                            <p:strVal val="#ppt_y+.1"/>
+                                          </p:val>
+                                        </p:tav>
+                                        <p:tav tm="100000">
+                                          <p:val>
+                                            <p:strVal val="#ppt_y"/>
+                                          </p:val>
+                                        </p:tav>
+                                      </p:tavLst>
+                                    </p:anim>
+                                  </p:childTnLst>
+                                </p:cTn>
+                              </p:par>
+                            </p:childTnLst>
+                          </p:cTn>
+                        </p:par>
+                      </p:childTnLst>
+                    </p:cTn>
+                  </p:par>
+                  <p:par>
+                    <p:cTn id="10" fill="hold">
+                      <p:stCondLst>
+                        <p:cond delay="indefinite"/>
+                      </p:stCondLst>
+                      <p:childTnLst>
+                        <p:par>
+                          <p:cTn id="11" fill="hold">
+                            <p:stCondLst>
+                              <p:cond delay="0"/>
+                            </p:stCondLst>
+                            <p:childTnLst>
+                              <p:par>
+                                <p:cTn id="12" presetID="42" presetClass="entr" presetSubtype="0" fill="hold" nodeType="clickEffect">
+                                  <p:stCondLst>
+                                    <p:cond delay="0"/>
+                                  </p:stCondLst>
+                                  <p:childTnLst>
+                                    <p:set>
+                                      <p:cBhvr>
+                                        <p:cTn id="13" dur="1" fill="hold">
+                                          <p:stCondLst>
+                                            <p:cond delay="0"/>
+                                          </p:stCondLst>
+                                        </p:cTn>
+                                        <p:tgtEl>
+                                          <p:spTgt spid="3">
+                                            <p:txEl>
+                                              <p:pRg st="2" end="2"/>
+                                            </p:txEl>
+                                          </p:spTgt>
+                                        </p:tgtEl>
+                                        <p:attrNameLst>
+                                          <p:attrName>style.visibility</p:attrName>
+                                        </p:attrNameLst>
+                                      </p:cBhvr>
+                                      <p:to>
+                                        <p:strVal val="visible"/>
+                                      </p:to>
+                                    </p:set>
+                                    <p:animEffect transition="in" filter="fade">
+                                      <p:cBhvr>
+                                        <p:cTn id="14" dur="1000"/>
+                                        <p:tgtEl>
+                                          <p:spTgt spid="3">
+                                            <p:txEl>
+                                              <p:pRg st="2" end="2"/>
+                                            </p:txEl>
+                                          </p:spTgt>
+                                        </p:tgtEl>
+                                      </p:cBhvr>
+                                    </p:animEffect>
+                                    <p:anim calcmode="lin" valueType="num">
+                                      <p:cBhvr>
+                                        <p:cTn id="15" dur="1000" fill="hold"/>
+                                        <p:tgtEl>
+                                          <p:spTgt spid="3">
+                                            <p:txEl>
+                                              <p:pRg st="2" end="2"/>
+                                            </p:txEl>
+                                          </p:spTgt>
+                                        </p:tgtEl>
+                                        <p:attrNameLst>
+                                          <p:attrName>ppt_x</p:attrName>
+                                        </p:attrNameLst>
+                                      </p:cBhvr>
+                                      <p:tavLst>
+                                        <p:tav tm="0">
+                                          <p:val>
+                                            <p:strVal val="#ppt_x"/>
+                                          </p:val>
+                                        </p:tav>
+                                        <p:tav tm="100000">
+                                          <p:val>
+                                            <p:strVal val="#ppt_x"/>
+                                          </p:val>
+                                        </p:tav>
+                                      </p:tavLst>
+                                    </p:anim>
+                                    <p:anim calcmode="lin" valueType="num">
+                                      <p:cBhvr>
+                                        <p:cTn id="16" dur="1000" fill="hold"/>
+                                        <p:tgtEl>
+                                          <p:spTgt spid="3">
+                                            <p:txEl>
+                                              <p:pRg st="2" end="2"/>
+                                            </p:txEl>
+                                          </p:spTgt>
+                                        </p:tgtEl>
+                                        <p:attrNameLst>
+                                          <p:attrName>ppt_y</p:attrName>
+                                        </p:attrNameLst>
+                                      </p:cBhvr>
+                                      <p:tavLst>
+                                        <p:tav tm="0">
+                                          <p:val>
+                                            <p:strVal val="#ppt_y+.1"/>
+                                          </p:val>
+                                        </p:tav>
+                                        <p:tav tm="100000">
+                                          <p:val>
+                                            <p:strVal val="#ppt_y"/>
+                                          </p:val>
+                                        </p:tav>
+                                      </p:tavLst>
+                                    </p:anim>
+                                  </p:childTnLst>
+                                </p:cTn>
+                              </p:par>
+                            </p:childTnLst>
+                          </p:cTn>
+                        </p:par>
+                      </p:childTnLst>
+                    </p:cTn>
+                  </p:par>
+                  <p:par>
+                    <p:cTn id="17" fill="hold">
+                      <p:stCondLst>
+                        <p:cond delay="indefinite"/>
+                      </p:stCondLst>
+                      <p:childTnLst>
+                        <p:par>
+                          <p:cTn id="18" fill="hold">
+                            <p:stCondLst>
+                              <p:cond delay="0"/>
+                            </p:stCondLst>
+                            <p:childTnLst>
+                              <p:par>
+                                <p:cTn id="19" presetID="42" presetClass="entr" presetSubtype="0" fill="hold" nodeType="clickEffect">
+                                  <p:stCondLst>
+                                    <p:cond delay="0"/>
+                                  </p:stCondLst>
+                                  <p:childTnLst>
+                                    <p:set>
+                                      <p:cBhvr>
+                                        <p:cTn id="20" dur="1" fill="hold">
+                                          <p:stCondLst>
+                                            <p:cond delay="0"/>
+                                          </p:stCondLst>
+                                        </p:cTn>
+                                        <p:tgtEl>
+                                          <p:spTgt spid="3">
+                                            <p:txEl>
+                                              <p:pRg st="4" end="4"/>
+                                            </p:txEl>
+                                          </p:spTgt>
+                                        </p:tgtEl>
+                                        <p:attrNameLst>
+                                          <p:attrName>style.visibility</p:attrName>
+                                        </p:attrNameLst>
+                                      </p:cBhvr>
+                                      <p:to>
+                                        <p:strVal val="visible"/>
+                                      </p:to>
+                                    </p:set>
+                                    <p:animEffect transition="in" filter="fade">
+                                      <p:cBhvr>
+                                        <p:cTn id="21" dur="1000"/>
+                                        <p:tgtEl>
+                                          <p:spTgt spid="3">
+                                            <p:txEl>
+                                              <p:pRg st="4" end="4"/>
+                                            </p:txEl>
+                                          </p:spTgt>
+                                        </p:tgtEl>
+                                      </p:cBhvr>
+                                    </p:animEffect>
+                                    <p:anim calcmode="lin" valueType="num">
+                                      <p:cBhvr>
+                                        <p:cTn id="22" dur="1000" fill="hold"/>
+                                        <p:tgtEl>
+                                          <p:spTgt spid="3">
+                                            <p:txEl>
+                                              <p:pRg st="4" end="4"/>
+                                            </p:txEl>
+                                          </p:spTgt>
+                                        </p:tgtEl>
+                                        <p:attrNameLst>
+                                          <p:attrName>ppt_x</p:attrName>
+                                        </p:attrNameLst>
+                                      </p:cBhvr>
+                                      <p:tavLst>
+                                        <p:tav tm="0">
+                                          <p:val>
+                                            <p:strVal val="#ppt_x"/>
+                                          </p:val>
+                                        </p:tav>
+                                        <p:tav tm="100000">
+                                          <p:val>
+                                            <p:strVal val="#ppt_x"/>
+                                          </p:val>
+                                        </p:tav>
+                                      </p:tavLst>
+                                    </p:anim>
+                                    <p:anim calcmode="lin" valueType="num">
+                                      <p:cBhvr>
+                                        <p:cTn id="23" dur="1000" fill="hold"/>
+                                        <p:tgtEl>
+                                          <p:spTgt spid="3">
+                                            <p:txEl>
+                                              <p:pRg st="4" end="4"/>
+                                            </p:txEl>
+                                          </p:spTgt>
+                                        </p:tgtEl>
+                                        <p:attrNameLst>
+                                          <p:attrName>ppt_y</p:attrName>
+                                        </p:attrNameLst>
+                                      </p:cBhvr>
+                                      <p:tavLst>
+                                        <p:tav tm="0">
+                                          <p:val>
+                                            <p:strVal val="#ppt_y+.1"/>
+                                          </p:val>
+                                        </p:tav>
+                                        <p:tav tm="100000">
+                                          <p:val>
+                                            <p:strVal val="#ppt_y"/>
+                                          </p:val>
+                                        </p:tav>
+                                      </p:tavLst>
+                                    </p:anim>
+                                  </p:childTnLst>
+                                </p:cTn>
+                              </p:par>
+                            </p:childTnLst>
+                          </p:cTn>
+                        </p:par>
+                      </p:childTnLst>
+                    </p:cTn>
+                  </p:par>
+                </p:childTnLst>
+              </p:cTn>
+              <p:prevCondLst>
+                <p:cond evt="onPrev" delay="0">
+                  <p:tgtEl>
+                    <p:sldTgt/>
+                  </p:tgtEl>
+                </p:cond>
+              </p:prevCondLst>
+              <p:nextCondLst>
+                <p:cond evt="onNext" delay="0">
+                  <p:tgtEl>
+                    <p:sldTgt/>
+                  </p:tgtEl>
+                </p:cond>
+              </p:nextCondLst>
+            </p:seq>
+          </p:childTnLst>
+        </p:cTn>
       </p:par>
     </p:tnLst>
   </p:timing>
 </p:sld>
 </file>
 
-<file path=ppt/slides/slide32.xml><?xml version="1.0" encoding="utf-8"?>
+<file path=ppt/slides/slide23.xml><?xml version="1.0" encoding="utf-8"?>
 <p:sld xmlns:a="http://schemas.openxmlformats.org/drawingml/2006/main" xmlns:r="http://schemas.openxmlformats.org/officeDocument/2006/relationships" xmlns:p="http://schemas.openxmlformats.org/presentationml/2006/main">
   <p:cSld>
     <p:spTree>
@@ -14136,6 +13107,7 @@
           <a:bodyPr/>
           <a:lstStyle/>
           <a:p>
+            <a:pPr algn="ctr"/>
             <a:r>
               <a:rPr lang="en-GB" dirty="0" smtClean="0"/>
               <a:t>Thank you!</a:t>
@@ -14188,7 +13160,7 @@
     <a:masterClrMapping/>
   </p:clrMapOvr>
   <p:transition spd="slow">
-    <p:push/>
+    <p:push dir="u"/>
   </p:transition>
   <p:timing>
     <p:tnLst>
@@ -14200,7 +13172,7 @@
 </p:sld>
 </file>
 
-<file path=ppt/slides/slide33.xml><?xml version="1.0" encoding="utf-8"?>
+<file path=ppt/slides/slide24.xml><?xml version="1.0" encoding="utf-8"?>
 <p:sld xmlns:a="http://schemas.openxmlformats.org/drawingml/2006/main" xmlns:r="http://schemas.openxmlformats.org/officeDocument/2006/relationships" xmlns:p="http://schemas.openxmlformats.org/presentationml/2006/main">
   <p:cSld>
     <p:spTree>
@@ -14290,6 +13262,215 @@
 </p:sld>
 </file>
 
+<file path=ppt/slides/slide3.xml><?xml version="1.0" encoding="utf-8"?>
+<p:sld xmlns:a="http://schemas.openxmlformats.org/drawingml/2006/main" xmlns:r="http://schemas.openxmlformats.org/officeDocument/2006/relationships" xmlns:p="http://schemas.openxmlformats.org/presentationml/2006/main">
+  <p:cSld>
+    <p:spTree>
+      <p:nvGrpSpPr>
+        <p:cNvPr id="1" name=""/>
+        <p:cNvGrpSpPr/>
+        <p:nvPr/>
+      </p:nvGrpSpPr>
+      <p:grpSpPr>
+        <a:xfrm>
+          <a:off x="0" y="0"/>
+          <a:ext cx="0" cy="0"/>
+          <a:chOff x="0" y="0"/>
+          <a:chExt cx="0" cy="0"/>
+        </a:xfrm>
+      </p:grpSpPr>
+      <p:sp>
+        <p:nvSpPr>
+          <p:cNvPr id="4" name="Title 3"/>
+          <p:cNvSpPr>
+            <a:spLocks noGrp="1"/>
+          </p:cNvSpPr>
+          <p:nvPr>
+            <p:ph type="title"/>
+          </p:nvPr>
+        </p:nvSpPr>
+        <p:spPr/>
+        <p:txBody>
+          <a:bodyPr>
+            <a:normAutofit/>
+          </a:bodyPr>
+          <a:lstStyle/>
+          <a:p>
+            <a:pPr algn="ctr"/>
+            <a:r>
+              <a:rPr lang="en-GB" sz="4800" dirty="0" smtClean="0"/>
+              <a:t>Room-mate </a:t>
+            </a:r>
+            <a:r>
+              <a:rPr lang="en-GB" sz="4800" dirty="0" smtClean="0"/>
+              <a:t>Matching Service</a:t>
+            </a:r>
+            <a:endParaRPr lang="en-GB" sz="4800" dirty="0"/>
+          </a:p>
+        </p:txBody>
+      </p:sp>
+      <p:sp>
+        <p:nvSpPr>
+          <p:cNvPr id="5" name="Content Placeholder 4"/>
+          <p:cNvSpPr>
+            <a:spLocks noGrp="1"/>
+          </p:cNvSpPr>
+          <p:nvPr>
+            <p:ph idx="1"/>
+          </p:nvPr>
+        </p:nvSpPr>
+        <p:spPr/>
+        <p:txBody>
+          <a:bodyPr>
+            <a:normAutofit/>
+          </a:bodyPr>
+          <a:lstStyle/>
+          <a:p>
+            <a:pPr marL="457200" indent="-457200">
+              <a:buFont typeface="+mj-lt"/>
+              <a:buAutoNum type="arabicPeriod"/>
+            </a:pPr>
+            <a:r>
+              <a:rPr lang="en-GB" sz="2400" dirty="0" smtClean="0">
+                <a:latin typeface="Open Sans" pitchFamily="34" charset="0"/>
+                <a:ea typeface="Open Sans" pitchFamily="34" charset="0"/>
+                <a:cs typeface="Open Sans" pitchFamily="34" charset="0"/>
+              </a:rPr>
+              <a:t>People need to find room-mates.</a:t>
+            </a:r>
+          </a:p>
+          <a:p>
+            <a:pPr marL="457200" indent="-457200">
+              <a:buFont typeface="+mj-lt"/>
+              <a:buAutoNum type="arabicPeriod"/>
+            </a:pPr>
+            <a:r>
+              <a:rPr lang="en-GB" sz="2400" dirty="0" smtClean="0">
+                <a:latin typeface="Open Sans" pitchFamily="34" charset="0"/>
+                <a:ea typeface="Open Sans" pitchFamily="34" charset="0"/>
+                <a:cs typeface="Open Sans" pitchFamily="34" charset="0"/>
+              </a:rPr>
+              <a:t>Finding </a:t>
+            </a:r>
+            <a:r>
+              <a:rPr lang="en-GB" sz="2400" i="1" dirty="0" smtClean="0">
+                <a:latin typeface="Open Sans" pitchFamily="34" charset="0"/>
+                <a:ea typeface="Open Sans" pitchFamily="34" charset="0"/>
+                <a:cs typeface="Open Sans" pitchFamily="34" charset="0"/>
+              </a:rPr>
+              <a:t>suitable</a:t>
+            </a:r>
+            <a:r>
+              <a:rPr lang="en-GB" sz="2400" dirty="0" smtClean="0">
+                <a:latin typeface="Open Sans" pitchFamily="34" charset="0"/>
+                <a:ea typeface="Open Sans" pitchFamily="34" charset="0"/>
+                <a:cs typeface="Open Sans" pitchFamily="34" charset="0"/>
+              </a:rPr>
+              <a:t> room-mates can be hard.</a:t>
+            </a:r>
+          </a:p>
+          <a:p>
+            <a:pPr marL="457200" indent="-457200">
+              <a:buFont typeface="+mj-lt"/>
+              <a:buAutoNum type="arabicPeriod"/>
+            </a:pPr>
+            <a:r>
+              <a:rPr lang="en-GB" sz="2400" dirty="0" smtClean="0">
+                <a:latin typeface="Open Sans" pitchFamily="34" charset="0"/>
+                <a:ea typeface="Open Sans" pitchFamily="34" charset="0"/>
+                <a:cs typeface="Open Sans" pitchFamily="34" charset="0"/>
+              </a:rPr>
+              <a:t>We aim to help them do that.</a:t>
+            </a:r>
+          </a:p>
+          <a:p>
+            <a:pPr marL="0" indent="0">
+              <a:buNone/>
+            </a:pPr>
+            <a:r>
+              <a:rPr lang="en-GB" sz="2400" dirty="0" smtClean="0">
+                <a:solidFill>
+                  <a:srgbClr val="F87910"/>
+                </a:solidFill>
+                <a:latin typeface="Open Sans" pitchFamily="34" charset="0"/>
+                <a:ea typeface="Open Sans" pitchFamily="34" charset="0"/>
+                <a:cs typeface="Open Sans" pitchFamily="34" charset="0"/>
+              </a:rPr>
+              <a:t>4.   </a:t>
+            </a:r>
+            <a:r>
+              <a:rPr lang="en-GB" sz="2400" strike="sngStrike" dirty="0" smtClean="0">
+                <a:latin typeface="Open Sans" pitchFamily="34" charset="0"/>
+                <a:ea typeface="Open Sans" pitchFamily="34" charset="0"/>
+                <a:cs typeface="Open Sans" pitchFamily="34" charset="0"/>
+              </a:rPr>
+              <a:t>Profit</a:t>
+            </a:r>
+            <a:r>
+              <a:rPr lang="en-GB" sz="2400" dirty="0">
+                <a:latin typeface="Open Sans" pitchFamily="34" charset="0"/>
+                <a:ea typeface="Open Sans" pitchFamily="34" charset="0"/>
+                <a:cs typeface="Open Sans" pitchFamily="34" charset="0"/>
+              </a:rPr>
+              <a:t>. Just kidding. Maybe</a:t>
+            </a:r>
+            <a:r>
+              <a:rPr lang="en-GB" sz="2400" dirty="0" smtClean="0">
+                <a:latin typeface="Open Sans" pitchFamily="34" charset="0"/>
+                <a:ea typeface="Open Sans" pitchFamily="34" charset="0"/>
+                <a:cs typeface="Open Sans" pitchFamily="34" charset="0"/>
+              </a:rPr>
+              <a:t>.</a:t>
+            </a:r>
+          </a:p>
+          <a:p>
+            <a:pPr marL="0" indent="0">
+              <a:buNone/>
+            </a:pPr>
+            <a:endParaRPr lang="en-GB" sz="2400" dirty="0">
+              <a:latin typeface="Open Sans" pitchFamily="34" charset="0"/>
+              <a:ea typeface="Open Sans" pitchFamily="34" charset="0"/>
+              <a:cs typeface="Open Sans" pitchFamily="34" charset="0"/>
+            </a:endParaRPr>
+          </a:p>
+          <a:p>
+            <a:pPr marL="0" indent="0">
+              <a:buNone/>
+            </a:pPr>
+            <a:r>
+              <a:rPr lang="en-GB" sz="2400" i="1" dirty="0" smtClean="0">
+                <a:latin typeface="Open Sans" pitchFamily="34" charset="0"/>
+                <a:ea typeface="Open Sans" pitchFamily="34" charset="0"/>
+                <a:cs typeface="Open Sans" pitchFamily="34" charset="0"/>
+              </a:rPr>
+              <a:t>Ideally aimed at university students.</a:t>
+            </a:r>
+          </a:p>
+        </p:txBody>
+      </p:sp>
+    </p:spTree>
+    <p:extLst>
+      <p:ext uri="{BB962C8B-B14F-4D97-AF65-F5344CB8AC3E}">
+        <p14:creationId xmlns:p14="http://schemas.microsoft.com/office/powerpoint/2010/main" val="107611468"/>
+      </p:ext>
+    </p:extLst>
+  </p:cSld>
+  <p:clrMapOvr>
+    <a:masterClrMapping/>
+  </p:clrMapOvr>
+  <p:transition spd="slow">
+    <p:push/>
+  </p:transition>
+  <p:timing>
+    <p:tnLst>
+      <p:par>
+        <p:cTn id="1" dur="indefinite" restart="never" nodeType="tmRoot"/>
+      </p:par>
+    </p:tnLst>
+  </p:timing>
+</p:sld>
+</file>
+
 <file path=ppt/slides/slide4.xml><?xml version="1.0" encoding="utf-8"?>
 <p:sld xmlns:a="http://schemas.openxmlformats.org/drawingml/2006/main" xmlns:r="http://schemas.openxmlformats.org/officeDocument/2006/relationships" xmlns:p="http://schemas.openxmlformats.org/presentationml/2006/main">
   <p:cSld>
@@ -14309,7 +13490,7 @@
       </p:grpSpPr>
       <p:sp>
         <p:nvSpPr>
-          <p:cNvPr id="4" name="Title 3"/>
+          <p:cNvPr id="2" name="Title 1"/>
           <p:cNvSpPr>
             <a:spLocks noGrp="1"/>
           </p:cNvSpPr>
@@ -14322,36 +13503,10 @@
           <a:bodyPr/>
           <a:lstStyle/>
           <a:p>
+            <a:pPr algn="ctr"/>
             <a:r>
               <a:rPr lang="en-GB" dirty="0" smtClean="0"/>
-              <a:t>We can’t tell you </a:t>
-            </a:r>
-            <a:r>
-              <a:rPr lang="en-GB" i="1" dirty="0" smtClean="0"/>
-              <a:t>everything</a:t>
-            </a:r>
-            <a:endParaRPr lang="en-GB" i="1" dirty="0"/>
-          </a:p>
-        </p:txBody>
-      </p:sp>
-      <p:sp>
-        <p:nvSpPr>
-          <p:cNvPr id="6" name="Text Placeholder 5"/>
-          <p:cNvSpPr>
-            <a:spLocks noGrp="1"/>
-          </p:cNvSpPr>
-          <p:nvPr>
-            <p:ph type="body" idx="1"/>
-          </p:nvPr>
-        </p:nvSpPr>
-        <p:spPr/>
-        <p:txBody>
-          <a:bodyPr/>
-          <a:lstStyle/>
-          <a:p>
-            <a:r>
-              <a:rPr lang="en-GB" dirty="0" smtClean="0"/>
-              <a:t>You</a:t>
+              <a:t>What does it do?</a:t>
             </a:r>
             <a:endParaRPr lang="en-GB" dirty="0"/>
           </a:p>
@@ -14364,7 +13519,7 @@
             <a:spLocks noGrp="1"/>
           </p:cNvSpPr>
           <p:nvPr>
-            <p:ph sz="half" idx="2"/>
+            <p:ph idx="1"/>
           </p:nvPr>
         </p:nvSpPr>
         <p:spPr/>
@@ -14380,7 +13535,20 @@
             </a:pPr>
             <a:r>
               <a:rPr lang="en-GB" sz="2400" dirty="0" smtClean="0"/>
-              <a:t>Likes computers.</a:t>
+              <a:t>Checks compatibility of users</a:t>
+            </a:r>
+          </a:p>
+          <a:p>
+            <a:pPr marL="292608" lvl="1" indent="0">
+              <a:buNone/>
+            </a:pPr>
+            <a:r>
+              <a:rPr lang="en-GB" sz="2400" dirty="0"/>
+              <a:t>	</a:t>
+            </a:r>
+            <a:r>
+              <a:rPr lang="en-GB" sz="2400" dirty="0" smtClean="0"/>
+              <a:t>…based on their preferences.</a:t>
             </a:r>
           </a:p>
           <a:p>
@@ -14390,7 +13558,7 @@
             </a:pPr>
             <a:r>
               <a:rPr lang="en-GB" sz="2400" dirty="0" smtClean="0"/>
-              <a:t>Likes sports.</a:t>
+              <a:t>Suggests them to each other.</a:t>
             </a:r>
           </a:p>
           <a:p>
@@ -14400,7 +13568,7 @@
             </a:pPr>
             <a:r>
               <a:rPr lang="en-GB" sz="2400" dirty="0" smtClean="0"/>
-              <a:t>Dislikes tomatoes.</a:t>
+              <a:t>They add each other.</a:t>
             </a:r>
           </a:p>
           <a:p>
@@ -14410,23 +13578,8 @@
             </a:pPr>
             <a:r>
               <a:rPr lang="en-GB" sz="2400" dirty="0" smtClean="0"/>
-              <a:t>Etc.</a:t>
-            </a:r>
-          </a:p>
-          <a:p>
-            <a:pPr marL="201168" lvl="1" indent="0">
-              <a:buNone/>
-            </a:pPr>
-            <a:endParaRPr lang="en-GB" sz="2400" dirty="0" smtClean="0"/>
-          </a:p>
-          <a:p>
-            <a:pPr marL="201168" lvl="1" indent="0">
-              <a:lnSpc>
-                <a:spcPct val="100000"/>
-              </a:lnSpc>
-              <a:buNone/>
-            </a:pPr>
-            <a:endParaRPr lang="en-GB" sz="2400" dirty="0" smtClean="0"/>
+              <a:t>They become friends.</a:t>
+            </a:r>
           </a:p>
           <a:p>
             <a:pPr lvl="1">
@@ -14435,119 +13588,21 @@
             </a:pPr>
             <a:r>
               <a:rPr lang="en-GB" sz="2400" dirty="0" smtClean="0"/>
-              <a:t>Dislikes spiders.</a:t>
-            </a:r>
-            <a:endParaRPr lang="en-GB" sz="2400" dirty="0"/>
-          </a:p>
-        </p:txBody>
-      </p:sp>
-      <p:sp>
-        <p:nvSpPr>
-          <p:cNvPr id="7" name="Text Placeholder 6"/>
-          <p:cNvSpPr>
-            <a:spLocks noGrp="1"/>
-          </p:cNvSpPr>
-          <p:nvPr>
-            <p:ph type="body" sz="quarter" idx="3"/>
-          </p:nvPr>
-        </p:nvSpPr>
-        <p:spPr/>
-        <p:txBody>
-          <a:bodyPr/>
-          <a:lstStyle/>
-          <a:p>
-            <a:r>
-              <a:rPr lang="en-GB" dirty="0" smtClean="0"/>
-              <a:t>Larry</a:t>
-            </a:r>
-            <a:endParaRPr lang="en-GB" dirty="0"/>
-          </a:p>
-        </p:txBody>
-      </p:sp>
-      <p:sp>
-        <p:nvSpPr>
-          <p:cNvPr id="8" name="Content Placeholder 7"/>
-          <p:cNvSpPr>
-            <a:spLocks noGrp="1"/>
-          </p:cNvSpPr>
-          <p:nvPr>
-            <p:ph sz="quarter" idx="4"/>
-          </p:nvPr>
-        </p:nvSpPr>
-        <p:spPr/>
-        <p:txBody>
-          <a:bodyPr>
-            <a:normAutofit/>
-          </a:bodyPr>
-          <a:lstStyle/>
+              <a:t>They become room-mates.</a:t>
+            </a:r>
+          </a:p>
           <a:p>
             <a:pPr lvl="1">
               <a:buFont typeface="Arial" panose="020B0604020202020204" pitchFamily="34" charset="0"/>
               <a:buChar char="•"/>
             </a:pPr>
             <a:r>
-              <a:rPr lang="en-GB" sz="2800" dirty="0" smtClean="0"/>
-              <a:t>Likes computers.</a:t>
-            </a:r>
-          </a:p>
-          <a:p>
-            <a:pPr lvl="1">
-              <a:buFont typeface="Arial" panose="020B0604020202020204" pitchFamily="34" charset="0"/>
-              <a:buChar char="•"/>
-            </a:pPr>
-            <a:r>
-              <a:rPr lang="en-GB" sz="2800" dirty="0" smtClean="0"/>
-              <a:t>Likes sports.</a:t>
-            </a:r>
-          </a:p>
-          <a:p>
-            <a:pPr lvl="1">
-              <a:buFont typeface="Arial" panose="020B0604020202020204" pitchFamily="34" charset="0"/>
-              <a:buChar char="•"/>
-            </a:pPr>
-            <a:r>
-              <a:rPr lang="en-GB" sz="2800" dirty="0" smtClean="0"/>
-              <a:t>Dislikes tomatoes.</a:t>
-            </a:r>
-          </a:p>
-          <a:p>
-            <a:pPr lvl="1">
-              <a:buFont typeface="Arial" panose="020B0604020202020204" pitchFamily="34" charset="0"/>
-              <a:buChar char="•"/>
-            </a:pPr>
-            <a:r>
-              <a:rPr lang="en-GB" sz="2800" dirty="0" smtClean="0"/>
-              <a:t>Etc.</a:t>
-            </a:r>
-          </a:p>
-          <a:p>
-            <a:pPr lvl="1">
-              <a:buFont typeface="Arial" panose="020B0604020202020204" pitchFamily="34" charset="0"/>
-              <a:buChar char="•"/>
-            </a:pPr>
-            <a:endParaRPr lang="en-GB" sz="2800" dirty="0" smtClean="0"/>
-          </a:p>
-          <a:p>
-            <a:pPr lvl="1">
-              <a:buFont typeface="Arial" panose="020B0604020202020204" pitchFamily="34" charset="0"/>
-              <a:buChar char="•"/>
-            </a:pPr>
-            <a:r>
-              <a:rPr lang="en-GB" sz="2800" dirty="0" smtClean="0"/>
-              <a:t>Owns a pet spider.</a:t>
-            </a:r>
-          </a:p>
-          <a:p>
-            <a:pPr marL="201168" lvl="1" indent="0">
-              <a:buNone/>
-            </a:pPr>
-            <a:r>
-              <a:rPr lang="en-GB" sz="2800" dirty="0"/>
-              <a:t>	</a:t>
-            </a:r>
-            <a:r>
-              <a:rPr lang="en-GB" sz="2000" dirty="0" smtClean="0"/>
-              <a:t>/\(0 0)/\</a:t>
+              <a:rPr lang="en-GB" sz="2400" dirty="0" smtClean="0"/>
+              <a:t> </a:t>
+            </a:r>
+            <a:r>
+              <a:rPr lang="en-GB" sz="2400" strike="sngStrike" dirty="0" smtClean="0"/>
+              <a:t>And they all live happily ever after.</a:t>
             </a:r>
           </a:p>
         </p:txBody>
@@ -14555,7 +13610,7 @@
     </p:spTree>
     <p:extLst>
       <p:ext uri="{BB962C8B-B14F-4D97-AF65-F5344CB8AC3E}">
-        <p14:creationId xmlns:p14="http://schemas.microsoft.com/office/powerpoint/2010/main" val="3885574848"/>
+        <p14:creationId xmlns:p14="http://schemas.microsoft.com/office/powerpoint/2010/main" val="3039609042"/>
       </p:ext>
     </p:extLst>
   </p:cSld>
@@ -14563,7 +13618,7 @@
     <a:masterClrMapping/>
   </p:clrMapOvr>
   <p:transition spd="slow">
-    <p:push/>
+    <p:push dir="u"/>
   </p:transition>
   <p:timing>
     <p:tnLst>
@@ -14607,17 +13662,18 @@
           <a:bodyPr/>
           <a:lstStyle/>
           <a:p>
-            <a:r>
-              <a:rPr lang="en-GB" dirty="0" smtClean="0"/>
-              <a:t>Contacts</a:t>
-            </a:r>
-            <a:endParaRPr lang="en-GB" dirty="0"/>
-          </a:p>
-        </p:txBody>
-      </p:sp>
-      <p:sp>
-        <p:nvSpPr>
-          <p:cNvPr id="3" name="Content Placeholder 2"/>
+            <a:pPr algn="ctr"/>
+            <a:r>
+              <a:rPr lang="en-IN" dirty="0" smtClean="0"/>
+              <a:t>Matching and Compatibility</a:t>
+            </a:r>
+            <a:endParaRPr lang="en-IN" dirty="0"/>
+          </a:p>
+        </p:txBody>
+      </p:sp>
+      <p:sp>
+        <p:nvSpPr>
+          <p:cNvPr id="4" name="Content Placeholder 3"/>
           <p:cNvSpPr>
             <a:spLocks noGrp="1"/>
           </p:cNvSpPr>
@@ -14625,65 +13681,173 @@
             <p:ph idx="1"/>
           </p:nvPr>
         </p:nvSpPr>
-        <p:spPr/>
-        <p:txBody>
-          <a:bodyPr>
-            <a:normAutofit/>
-          </a:bodyPr>
-          <a:lstStyle/>
-          <a:p>
-            <a:pPr lvl="1">
-              <a:buFont typeface="Arial" panose="020B0604020202020204" pitchFamily="34" charset="0"/>
+        <p:spPr>
+          <a:xfrm>
+            <a:off x="1110158" y="2064675"/>
+            <a:ext cx="10058400" cy="4023360"/>
+          </a:xfrm>
+        </p:spPr>
+        <p:txBody>
+          <a:bodyPr/>
+          <a:lstStyle/>
+          <a:p>
+            <a:pPr>
+              <a:buFont typeface="Arial" pitchFamily="34" charset="0"/>
               <a:buChar char="•"/>
             </a:pPr>
             <a:r>
-              <a:rPr lang="en-GB" sz="2400" dirty="0" smtClean="0"/>
-              <a:t>You add people</a:t>
-            </a:r>
-          </a:p>
-          <a:p>
-            <a:pPr marL="457200" lvl="1" indent="0">
-              <a:buNone/>
-            </a:pPr>
-            <a:r>
-              <a:rPr lang="en-GB" sz="2400" dirty="0" smtClean="0"/>
-              <a:t>…that the site suggests.</a:t>
-            </a:r>
-          </a:p>
-          <a:p>
-            <a:pPr lvl="1">
-              <a:buFont typeface="Arial" panose="020B0604020202020204" pitchFamily="34" charset="0"/>
+              <a:rPr lang="en-IN" sz="2400" dirty="0" smtClean="0"/>
+              <a:t> </a:t>
+            </a:r>
+            <a:r>
+              <a:rPr lang="en-IN" sz="2400" dirty="0" smtClean="0">
+                <a:latin typeface="Open Sans" pitchFamily="34" charset="0"/>
+                <a:ea typeface="Open Sans" pitchFamily="34" charset="0"/>
+                <a:cs typeface="Open Sans" pitchFamily="34" charset="0"/>
+              </a:rPr>
+              <a:t>Users can fill up a questionnaire which covers everything from religion to allergies to music preference.</a:t>
+            </a:r>
+          </a:p>
+          <a:p>
+            <a:pPr lvl="2"/>
+            <a:r>
+              <a:rPr lang="en-IN" sz="2600" dirty="0">
+                <a:latin typeface="Open Sans" pitchFamily="34" charset="0"/>
+                <a:ea typeface="Open Sans" pitchFamily="34" charset="0"/>
+                <a:cs typeface="Open Sans" pitchFamily="34" charset="0"/>
+              </a:rPr>
+              <a:t>	</a:t>
+            </a:r>
+            <a:r>
+              <a:rPr lang="en-IN" sz="2000" dirty="0">
+                <a:solidFill>
+                  <a:schemeClr val="bg1">
+                    <a:lumMod val="65000"/>
+                  </a:schemeClr>
+                </a:solidFill>
+              </a:rPr>
+              <a:t>Because nobody should have to deal with </a:t>
+            </a:r>
+            <a:r>
+              <a:rPr lang="en-IN" sz="2000" dirty="0" smtClean="0">
+                <a:solidFill>
+                  <a:schemeClr val="bg1">
+                    <a:lumMod val="65000"/>
+                  </a:schemeClr>
+                </a:solidFill>
+              </a:rPr>
+              <a:t>Nicki </a:t>
+            </a:r>
+            <a:r>
+              <a:rPr lang="en-IN" sz="2000" dirty="0" err="1" smtClean="0">
+                <a:solidFill>
+                  <a:schemeClr val="bg1">
+                    <a:lumMod val="65000"/>
+                  </a:schemeClr>
+                </a:solidFill>
+              </a:rPr>
+              <a:t>Minaj</a:t>
+            </a:r>
+            <a:r>
+              <a:rPr lang="en-IN" sz="2000" dirty="0" smtClean="0">
+                <a:solidFill>
+                  <a:schemeClr val="bg1">
+                    <a:lumMod val="65000"/>
+                  </a:schemeClr>
+                </a:solidFill>
+              </a:rPr>
+              <a:t>.</a:t>
+            </a:r>
+            <a:endParaRPr lang="en-IN" sz="2600" dirty="0" smtClean="0">
+              <a:solidFill>
+                <a:schemeClr val="bg1">
+                  <a:lumMod val="65000"/>
+                </a:schemeClr>
+              </a:solidFill>
+              <a:latin typeface="Open Sans" pitchFamily="34" charset="0"/>
+              <a:ea typeface="Open Sans" pitchFamily="34" charset="0"/>
+              <a:cs typeface="Open Sans" pitchFamily="34" charset="0"/>
+            </a:endParaRPr>
+          </a:p>
+          <a:p>
+            <a:pPr>
+              <a:buFont typeface="Arial" pitchFamily="34" charset="0"/>
               <a:buChar char="•"/>
             </a:pPr>
             <a:r>
-              <a:rPr lang="en-GB" sz="2400" dirty="0" smtClean="0"/>
-              <a:t>Then you talk to them</a:t>
-            </a:r>
-          </a:p>
-          <a:p>
-            <a:pPr marL="457200" lvl="1" indent="0">
-              <a:buNone/>
+              <a:rPr lang="en-IN" sz="2400" dirty="0" smtClean="0">
+                <a:latin typeface="Open Sans" pitchFamily="34" charset="0"/>
+                <a:ea typeface="Open Sans" pitchFamily="34" charset="0"/>
+                <a:cs typeface="Open Sans" pitchFamily="34" charset="0"/>
+              </a:rPr>
+              <a:t>The </a:t>
+            </a:r>
+            <a:r>
+              <a:rPr lang="en-IN" sz="2400" dirty="0">
+                <a:latin typeface="Open Sans" pitchFamily="34" charset="0"/>
+                <a:ea typeface="Open Sans" pitchFamily="34" charset="0"/>
+                <a:cs typeface="Open Sans" pitchFamily="34" charset="0"/>
+              </a:rPr>
+              <a:t>matching depends on their answer and what they would want their potential room-mate to answer</a:t>
+            </a:r>
+            <a:r>
+              <a:rPr lang="en-IN" sz="2400" dirty="0" smtClean="0">
+                <a:latin typeface="Open Sans" pitchFamily="34" charset="0"/>
+                <a:ea typeface="Open Sans" pitchFamily="34" charset="0"/>
+                <a:cs typeface="Open Sans" pitchFamily="34" charset="0"/>
+              </a:rPr>
+              <a:t>.</a:t>
+            </a:r>
+          </a:p>
+          <a:p>
+            <a:pPr>
+              <a:buFont typeface="Arial" pitchFamily="34" charset="0"/>
+              <a:buChar char="•"/>
             </a:pPr>
-            <a:r>
-              <a:rPr lang="en-GB" sz="2400" dirty="0" smtClean="0"/>
-              <a:t>…and get to know them.</a:t>
-            </a:r>
-          </a:p>
-          <a:p>
-            <a:endParaRPr lang="en-GB" sz="2400" dirty="0" smtClean="0"/>
-          </a:p>
-          <a:p>
-            <a:r>
-              <a:rPr lang="en-GB" sz="2400" dirty="0"/>
-              <a:t>The point of adding people is because they are a potential room-mate!</a:t>
-            </a:r>
+            <a:endParaRPr lang="en-IN" sz="2400" dirty="0">
+              <a:latin typeface="Open Sans" pitchFamily="34" charset="0"/>
+              <a:ea typeface="Open Sans" pitchFamily="34" charset="0"/>
+              <a:cs typeface="Open Sans" pitchFamily="34" charset="0"/>
+            </a:endParaRPr>
+          </a:p>
+          <a:p>
+            <a:pPr>
+              <a:buFont typeface="Arial" pitchFamily="34" charset="0"/>
+              <a:buChar char="•"/>
+            </a:pPr>
+            <a:endParaRPr lang="en-IN" sz="2400" dirty="0">
+              <a:latin typeface="Open Sans" pitchFamily="34" charset="0"/>
+              <a:ea typeface="Open Sans" pitchFamily="34" charset="0"/>
+              <a:cs typeface="Open Sans" pitchFamily="34" charset="0"/>
+            </a:endParaRPr>
+          </a:p>
+          <a:p>
+            <a:pPr>
+              <a:buFont typeface="Arial" pitchFamily="34" charset="0"/>
+              <a:buChar char="•"/>
+            </a:pPr>
+            <a:endParaRPr lang="en-IN" sz="2400" dirty="0" smtClean="0">
+              <a:latin typeface="Open Sans" pitchFamily="34" charset="0"/>
+              <a:ea typeface="Open Sans" pitchFamily="34" charset="0"/>
+              <a:cs typeface="Open Sans" pitchFamily="34" charset="0"/>
+            </a:endParaRPr>
+          </a:p>
+          <a:p>
+            <a:pPr marL="201168" lvl="1" indent="0">
+              <a:buNone/>
+            </a:pPr>
+            <a:r>
+              <a:rPr lang="en-IN" sz="2000" dirty="0" smtClean="0"/>
+              <a:t>	</a:t>
+            </a:r>
+            <a:endParaRPr lang="en-IN" sz="2800" dirty="0" smtClean="0"/>
           </a:p>
         </p:txBody>
       </p:sp>
     </p:spTree>
     <p:extLst>
       <p:ext uri="{BB962C8B-B14F-4D97-AF65-F5344CB8AC3E}">
-        <p14:creationId xmlns:p14="http://schemas.microsoft.com/office/powerpoint/2010/main" val="2750741192"/>
+        <p14:creationId xmlns:p14="http://schemas.microsoft.com/office/powerpoint/2010/main" val="1258808253"/>
       </p:ext>
     </p:extLst>
   </p:cSld>
@@ -14736,10 +13900,10 @@
           <a:lstStyle/>
           <a:p>
             <a:r>
-              <a:rPr lang="en-GB" dirty="0" smtClean="0"/>
-              <a:t>Messaging</a:t>
-            </a:r>
-            <a:endParaRPr lang="en-GB" dirty="0"/>
+              <a:rPr lang="en-IN" dirty="0" smtClean="0"/>
+              <a:t>Matching</a:t>
+            </a:r>
+            <a:endParaRPr lang="en-IN" dirty="0"/>
           </a:p>
         </p:txBody>
       </p:sp>
@@ -14758,77 +13922,22 @@
           <a:bodyPr/>
           <a:lstStyle/>
           <a:p>
-            <a:pPr lvl="1">
-              <a:buFont typeface="Arial" panose="020B0604020202020204" pitchFamily="34" charset="0"/>
+            <a:pPr>
+              <a:buFont typeface="Arial" pitchFamily="34" charset="0"/>
               <a:buChar char="•"/>
             </a:pPr>
             <a:r>
-              <a:rPr lang="en-GB" sz="2400" dirty="0" smtClean="0"/>
-              <a:t>In the future, we </a:t>
-            </a:r>
-            <a:r>
-              <a:rPr lang="en-GB" sz="2400" i="1" dirty="0" smtClean="0"/>
-              <a:t>could</a:t>
-            </a:r>
-            <a:r>
-              <a:rPr lang="en-GB" sz="2400" dirty="0" smtClean="0"/>
-              <a:t> have instant chat.</a:t>
-            </a:r>
-          </a:p>
-          <a:p>
-            <a:pPr lvl="1">
-              <a:buFont typeface="Arial" panose="020B0604020202020204" pitchFamily="34" charset="0"/>
-              <a:buChar char="•"/>
-            </a:pPr>
-            <a:r>
-              <a:rPr lang="en-GB" sz="2400" dirty="0" smtClean="0"/>
-              <a:t>Not important, but useful.</a:t>
-            </a:r>
-          </a:p>
-          <a:p>
-            <a:pPr lvl="1">
-              <a:buFont typeface="Arial" panose="020B0604020202020204" pitchFamily="34" charset="0"/>
-              <a:buChar char="•"/>
-            </a:pPr>
-            <a:r>
-              <a:rPr lang="en-GB" sz="2400" dirty="0" smtClean="0"/>
-              <a:t>An inbox would work fine.</a:t>
-            </a:r>
-          </a:p>
-          <a:p>
-            <a:pPr lvl="1">
-              <a:buFont typeface="Arial" panose="020B0604020202020204" pitchFamily="34" charset="0"/>
-              <a:buChar char="•"/>
-            </a:pPr>
-            <a:endParaRPr lang="en-GB" sz="2400" dirty="0"/>
-          </a:p>
-          <a:p>
-            <a:endParaRPr lang="en-GB" dirty="0" smtClean="0"/>
-          </a:p>
-          <a:p>
-            <a:endParaRPr lang="en-GB" dirty="0"/>
-          </a:p>
-          <a:p>
-            <a:r>
-              <a:rPr lang="en-GB" dirty="0" smtClean="0">
-                <a:solidFill>
-                  <a:schemeClr val="bg1">
-                    <a:lumMod val="50000"/>
-                  </a:schemeClr>
-                </a:solidFill>
-              </a:rPr>
-              <a:t>But the chat could be pretty powerful.</a:t>
-            </a:r>
-          </a:p>
-          <a:p>
-            <a:endParaRPr lang="en-GB" dirty="0"/>
+              <a:rPr lang="en-IN" dirty="0" smtClean="0"/>
+              <a:t> </a:t>
+            </a:r>
+            <a:endParaRPr lang="en-IN" dirty="0"/>
           </a:p>
         </p:txBody>
       </p:sp>
     </p:spTree>
     <p:extLst>
       <p:ext uri="{BB962C8B-B14F-4D97-AF65-F5344CB8AC3E}">
-        <p14:creationId xmlns:p14="http://schemas.microsoft.com/office/powerpoint/2010/main" val="93455588"/>
+        <p14:creationId xmlns:p14="http://schemas.microsoft.com/office/powerpoint/2010/main" val="3560240031"/>
       </p:ext>
     </p:extLst>
   </p:cSld>
@@ -14836,7 +13945,7 @@
     <a:masterClrMapping/>
   </p:clrMapOvr>
   <p:transition spd="slow">
-    <p:push/>
+    <p:push dir="u"/>
   </p:transition>
   <p:timing>
     <p:tnLst>
@@ -14867,7 +13976,7 @@
       </p:grpSpPr>
       <p:sp>
         <p:nvSpPr>
-          <p:cNvPr id="4" name="Title 3"/>
+          <p:cNvPr id="2" name="Title 1"/>
           <p:cNvSpPr>
             <a:spLocks noGrp="1"/>
           </p:cNvSpPr>
@@ -14881,16 +13990,32 @@
           <a:lstStyle/>
           <a:p>
             <a:r>
-              <a:rPr lang="en-GB" dirty="0" smtClean="0"/>
-              <a:t>Room-mate Matching Service</a:t>
-            </a:r>
-            <a:endParaRPr lang="en-GB" dirty="0"/>
-          </a:p>
-        </p:txBody>
-      </p:sp>
-      <p:sp>
-        <p:nvSpPr>
-          <p:cNvPr id="5" name="Content Placeholder 4"/>
+              <a:rPr lang="en-IN" dirty="0" smtClean="0"/>
+              <a:t>Techniques: </a:t>
+            </a:r>
+            <a:r>
+              <a:rPr lang="en-IN" dirty="0" smtClean="0">
+                <a:solidFill>
+                  <a:schemeClr val="bg1">
+                    <a:lumMod val="65000"/>
+                  </a:schemeClr>
+                </a:solidFill>
+              </a:rPr>
+              <a:t>PHP</a:t>
+            </a:r>
+            <a:endParaRPr lang="en-IN" dirty="0">
+              <a:solidFill>
+                <a:schemeClr val="bg1">
+                  <a:lumMod val="65000"/>
+                </a:schemeClr>
+              </a:solidFill>
+            </a:endParaRPr>
+          </a:p>
+        </p:txBody>
+      </p:sp>
+      <p:sp>
+        <p:nvSpPr>
+          <p:cNvPr id="3" name="Content Placeholder 2"/>
           <p:cNvSpPr>
             <a:spLocks noGrp="1"/>
           </p:cNvSpPr>
@@ -14898,99 +14023,63 @@
             <p:ph idx="1"/>
           </p:nvPr>
         </p:nvSpPr>
-        <p:spPr/>
+        <p:spPr>
+          <a:xfrm>
+            <a:off x="891218" y="2451040"/>
+            <a:ext cx="10058400" cy="4023360"/>
+          </a:xfrm>
+        </p:spPr>
         <p:txBody>
           <a:bodyPr>
             <a:normAutofit/>
           </a:bodyPr>
           <a:lstStyle/>
           <a:p>
-            <a:pPr marL="514350" indent="-514350">
-              <a:buFont typeface="+mj-lt"/>
-              <a:buAutoNum type="arabicPeriod"/>
+            <a:pPr lvl="1">
+              <a:buFont typeface="Arial" pitchFamily="34" charset="0"/>
+              <a:buChar char="•"/>
             </a:pPr>
             <a:r>
-              <a:rPr lang="en-GB" sz="2400" dirty="0" smtClean="0"/>
-              <a:t> People need to find room-mates.</a:t>
-            </a:r>
-          </a:p>
-          <a:p>
-            <a:pPr marL="514350" indent="-514350">
-              <a:buFont typeface="+mj-lt"/>
-              <a:buAutoNum type="arabicPeriod"/>
+              <a:rPr lang="en-IN" dirty="0" smtClean="0"/>
+              <a:t>Making </a:t>
+            </a:r>
+            <a:r>
+              <a:rPr lang="en-IN" dirty="0"/>
+              <a:t>use of inheritance to avoid redundant code</a:t>
+            </a:r>
+          </a:p>
+          <a:p>
+            <a:pPr lvl="1">
+              <a:buFont typeface="Arial" pitchFamily="34" charset="0"/>
+              <a:buChar char="•"/>
             </a:pPr>
             <a:r>
-              <a:rPr lang="en-GB" sz="2400" dirty="0" smtClean="0"/>
-              <a:t> Finding </a:t>
-            </a:r>
-            <a:r>
-              <a:rPr lang="en-GB" sz="2400" i="1" dirty="0" smtClean="0"/>
-              <a:t>suitable</a:t>
-            </a:r>
-            <a:r>
-              <a:rPr lang="en-GB" sz="2400" dirty="0" smtClean="0"/>
-              <a:t> room-mates can be hard.</a:t>
-            </a:r>
-          </a:p>
-          <a:p>
-            <a:pPr marL="514350" indent="-514350">
-              <a:buFont typeface="+mj-lt"/>
-              <a:buAutoNum type="arabicPeriod"/>
+              <a:rPr lang="en-IN" dirty="0"/>
+              <a:t>Designing classes for every table in the database</a:t>
+            </a:r>
+          </a:p>
+          <a:p>
+            <a:pPr lvl="1">
+              <a:buFont typeface="Arial" pitchFamily="34" charset="0"/>
+              <a:buChar char="•"/>
             </a:pPr>
             <a:r>
-              <a:rPr lang="en-GB" sz="2400" dirty="0" smtClean="0"/>
-              <a:t> We help them do that.</a:t>
-            </a:r>
-          </a:p>
-          <a:p>
-            <a:pPr marL="514350" indent="-514350">
-              <a:buFont typeface="+mj-lt"/>
-              <a:buAutoNum type="arabicPeriod"/>
+              <a:rPr lang="en-IN" dirty="0"/>
+              <a:t>Using exceptions for handling all possible errors</a:t>
+            </a:r>
+          </a:p>
+          <a:p>
+            <a:pPr marL="201168" lvl="1" indent="0">
+              <a:buNone/>
             </a:pPr>
-            <a:r>
-              <a:rPr lang="en-GB" sz="2400" dirty="0" smtClean="0"/>
-              <a:t> ???</a:t>
-            </a:r>
-          </a:p>
-          <a:p>
-            <a:pPr marL="514350" indent="-514350">
-              <a:buFont typeface="+mj-lt"/>
-              <a:buAutoNum type="arabicPeriod"/>
-            </a:pPr>
-            <a:r>
-              <a:rPr lang="en-GB" sz="2400" dirty="0" smtClean="0"/>
-              <a:t> </a:t>
-            </a:r>
-            <a:r>
-              <a:rPr lang="en-GB" sz="2400" strike="sngStrike" dirty="0" smtClean="0"/>
-              <a:t>Profit.</a:t>
-            </a:r>
-            <a:r>
-              <a:rPr lang="en-GB" sz="2400" dirty="0" smtClean="0"/>
-              <a:t> Just kidding. Maybe.</a:t>
-            </a:r>
-          </a:p>
-          <a:p>
-            <a:pPr marL="0" indent="0">
-              <a:buNone/>
-            </a:pPr>
-            <a:endParaRPr lang="en-GB" sz="2400" dirty="0"/>
-          </a:p>
-          <a:p>
-            <a:pPr marL="0" indent="0">
-              <a:buNone/>
-            </a:pPr>
-            <a:r>
-              <a:rPr lang="en-GB" sz="2400" i="1" u="sng" dirty="0" smtClean="0"/>
-              <a:t>Ideally aimed at university students.</a:t>
-            </a:r>
+            <a:endParaRPr lang="en-IN" sz="2000" dirty="0" smtClean="0"/>
           </a:p>
         </p:txBody>
       </p:sp>
     </p:spTree>
     <p:extLst>
       <p:ext uri="{BB962C8B-B14F-4D97-AF65-F5344CB8AC3E}">
-        <p14:creationId xmlns:p14="http://schemas.microsoft.com/office/powerpoint/2010/main" val="952381156"/>
+        <p14:creationId xmlns:p14="http://schemas.microsoft.com/office/powerpoint/2010/main" val="1673400800"/>
       </p:ext>
     </p:extLst>
   </p:cSld>
@@ -15029,7 +14118,7 @@
       </p:grpSpPr>
       <p:sp>
         <p:nvSpPr>
-          <p:cNvPr id="3" name="Title 2"/>
+          <p:cNvPr id="2" name="Title 1"/>
           <p:cNvSpPr>
             <a:spLocks noGrp="1"/>
           </p:cNvSpPr>
@@ -15043,94 +14132,113 @@
           <a:lstStyle/>
           <a:p>
             <a:r>
-              <a:rPr lang="en-GB" dirty="0"/>
-              <a:t>Accommodation R</a:t>
-            </a:r>
-            <a:r>
-              <a:rPr lang="en-GB" dirty="0" smtClean="0"/>
-              <a:t>eviews</a:t>
-            </a:r>
-            <a:endParaRPr lang="en-GB" dirty="0"/>
-          </a:p>
-        </p:txBody>
-      </p:sp>
-      <p:pic>
-        <p:nvPicPr>
-          <p:cNvPr id="6" name="Content Placeholder 5" descr="uowlivingbanner.jpg+w=606.jpeg"/>
-          <p:cNvPicPr>
-            <a:picLocks noGrp="1" noChangeAspect="1"/>
-          </p:cNvPicPr>
-          <p:nvPr>
-            <p:ph sz="half" idx="1"/>
-          </p:nvPr>
-        </p:nvPicPr>
-        <p:blipFill>
-          <a:blip r:embed="rId2">
-            <a:extLst>
-              <a:ext uri="{28A0092B-C50C-407E-A947-70E740481C1C}">
-                <a14:useLocalDpi xmlns:a14="http://schemas.microsoft.com/office/drawing/2010/main" val="0"/>
-              </a:ext>
-            </a:extLst>
-          </a:blip>
-          <a:stretch>
-            <a:fillRect/>
-          </a:stretch>
-        </p:blipFill>
+              <a:rPr lang="en-IN" dirty="0" smtClean="0"/>
+              <a:t>Techniques: </a:t>
+            </a:r>
+            <a:r>
+              <a:rPr lang="en-IN" dirty="0" smtClean="0">
+                <a:solidFill>
+                  <a:schemeClr val="bg1">
+                    <a:lumMod val="65000"/>
+                  </a:schemeClr>
+                </a:solidFill>
+              </a:rPr>
+              <a:t>MySQL</a:t>
+            </a:r>
+            <a:endParaRPr lang="en-IN" dirty="0">
+              <a:solidFill>
+                <a:schemeClr val="bg1">
+                  <a:lumMod val="65000"/>
+                </a:schemeClr>
+              </a:solidFill>
+            </a:endParaRPr>
+          </a:p>
+        </p:txBody>
+      </p:sp>
+      <p:sp>
+        <p:nvSpPr>
+          <p:cNvPr id="3" name="Content Placeholder 2"/>
+          <p:cNvSpPr>
+            <a:spLocks noGrp="1"/>
+          </p:cNvSpPr>
+          <p:nvPr>
+            <p:ph idx="1"/>
+          </p:nvPr>
+        </p:nvSpPr>
         <p:spPr>
           <a:xfrm>
-            <a:off x="4229704" y="1985963"/>
-            <a:ext cx="2962654" cy="1965325"/>
+            <a:off x="1084401" y="2296495"/>
+            <a:ext cx="10058400" cy="4023360"/>
           </a:xfrm>
         </p:spPr>
-      </p:pic>
-      <p:sp>
-        <p:nvSpPr>
-          <p:cNvPr id="5" name="Content Placeholder 4"/>
-          <p:cNvSpPr>
-            <a:spLocks noGrp="1"/>
-          </p:cNvSpPr>
-          <p:nvPr>
-            <p:ph sz="half" idx="14"/>
-          </p:nvPr>
-        </p:nvSpPr>
-        <p:spPr>
-          <a:xfrm>
-            <a:off x="664690" y="4368799"/>
-            <a:ext cx="10092209" cy="1762125"/>
-          </a:xfrm>
-        </p:spPr>
-        <p:txBody>
-          <a:bodyPr>
-            <a:normAutofit/>
-          </a:bodyPr>
-          <a:lstStyle/>
-          <a:p>
-            <a:pPr>
-              <a:buFont typeface="Arial" panose="020B0604020202020204" pitchFamily="34" charset="0"/>
+        <p:txBody>
+          <a:bodyPr/>
+          <a:lstStyle/>
+          <a:p>
+            <a:pPr lvl="1">
+              <a:buFont typeface="Arial" pitchFamily="34" charset="0"/>
               <a:buChar char="•"/>
             </a:pPr>
             <a:r>
-              <a:rPr lang="en-GB" sz="2400" dirty="0" smtClean="0"/>
-              <a:t>Having the possibility to look through accommodation offers as group</a:t>
-            </a:r>
-          </a:p>
-          <a:p>
-            <a:pPr>
-              <a:buFont typeface="Arial" panose="020B0604020202020204" pitchFamily="34" charset="0"/>
+              <a:rPr lang="en-IN" dirty="0" smtClean="0"/>
+              <a:t>Designed tables for every entity</a:t>
+            </a:r>
+          </a:p>
+          <a:p>
+            <a:pPr lvl="1">
+              <a:buFont typeface="Arial" pitchFamily="34" charset="0"/>
               <a:buChar char="•"/>
             </a:pPr>
             <a:r>
-              <a:rPr lang="en-GB" sz="2400" dirty="0" smtClean="0"/>
-              <a:t>After finding perfect roommates, only thing left to do is find accommodation</a:t>
-            </a:r>
-            <a:endParaRPr lang="en-GB" sz="2400" dirty="0"/>
+              <a:rPr lang="en-IN" dirty="0" smtClean="0"/>
+              <a:t>Normalising the database by adding intersection tables (many to many relations) </a:t>
+            </a:r>
+          </a:p>
+          <a:p>
+            <a:pPr lvl="2"/>
+            <a:r>
+              <a:rPr lang="en-IN" sz="2400" dirty="0" smtClean="0">
+                <a:latin typeface="Open Sans" pitchFamily="34" charset="0"/>
+                <a:ea typeface="Open Sans" pitchFamily="34" charset="0"/>
+                <a:cs typeface="Open Sans" pitchFamily="34" charset="0"/>
+              </a:rPr>
+              <a:t>e.g. Table for storing percentages and friendships for each user</a:t>
+            </a:r>
+          </a:p>
+          <a:p>
+            <a:pPr lvl="1">
+              <a:buFont typeface="Arial" pitchFamily="34" charset="0"/>
+              <a:buChar char="•"/>
+            </a:pPr>
+            <a:endParaRPr lang="en-IN" dirty="0" smtClean="0"/>
+          </a:p>
+          <a:p>
+            <a:pPr lvl="1">
+              <a:buFont typeface="Arial" pitchFamily="34" charset="0"/>
+              <a:buChar char="•"/>
+            </a:pPr>
+            <a:endParaRPr lang="en-IN" dirty="0" smtClean="0"/>
+          </a:p>
+          <a:p>
+            <a:pPr lvl="1">
+              <a:buFont typeface="Arial" pitchFamily="34" charset="0"/>
+              <a:buChar char="•"/>
+            </a:pPr>
+            <a:endParaRPr lang="en-IN" dirty="0" smtClean="0"/>
+          </a:p>
+          <a:p>
+            <a:pPr lvl="1">
+              <a:buFont typeface="Arial" pitchFamily="34" charset="0"/>
+              <a:buChar char="•"/>
+            </a:pPr>
+            <a:endParaRPr lang="en-IN" dirty="0"/>
           </a:p>
         </p:txBody>
       </p:sp>
     </p:spTree>
     <p:extLst>
       <p:ext uri="{BB962C8B-B14F-4D97-AF65-F5344CB8AC3E}">
-        <p14:creationId xmlns:p14="http://schemas.microsoft.com/office/powerpoint/2010/main" val="167553770"/>
+        <p14:creationId xmlns:p14="http://schemas.microsoft.com/office/powerpoint/2010/main" val="2019775461"/>
       </p:ext>
     </p:extLst>
   </p:cSld>
@@ -15179,95 +14287,133 @@
         </p:nvSpPr>
         <p:spPr/>
         <p:txBody>
-          <a:bodyPr>
-            <a:normAutofit/>
-          </a:bodyPr>
-          <a:lstStyle/>
-          <a:p>
-            <a:r>
-              <a:rPr lang="en-US" dirty="0" smtClean="0"/>
-              <a:t>Review formatting</a:t>
-            </a:r>
-            <a:endParaRPr lang="en-US" dirty="0"/>
-          </a:p>
-        </p:txBody>
-      </p:sp>
-      <p:pic>
-        <p:nvPicPr>
-          <p:cNvPr id="5" name="Content Placeholder 4" descr="shutterstock5star.jpg"/>
-          <p:cNvPicPr>
-            <a:picLocks noGrp="1" noChangeAspect="1"/>
-          </p:cNvPicPr>
-          <p:nvPr>
-            <p:ph sz="half" idx="1"/>
-          </p:nvPr>
-        </p:nvPicPr>
-        <p:blipFill>
-          <a:blip r:embed="rId2" cstate="print">
-            <a:extLst>
-              <a:ext uri="{28A0092B-C50C-407E-A947-70E740481C1C}">
-                <a14:useLocalDpi xmlns:a14="http://schemas.microsoft.com/office/drawing/2010/main" val="0"/>
-              </a:ext>
-            </a:extLst>
-          </a:blip>
-          <a:stretch>
-            <a:fillRect/>
-          </a:stretch>
-        </p:blipFill>
+          <a:bodyPr/>
+          <a:lstStyle/>
+          <a:p>
+            <a:r>
+              <a:rPr lang="en-IN" dirty="0" smtClean="0"/>
+              <a:t>Accommodation and Reviews</a:t>
+            </a:r>
+            <a:endParaRPr lang="en-IN" dirty="0"/>
+          </a:p>
+        </p:txBody>
+      </p:sp>
+      <p:sp>
+        <p:nvSpPr>
+          <p:cNvPr id="3" name="Content Placeholder 2"/>
+          <p:cNvSpPr>
+            <a:spLocks noGrp="1"/>
+          </p:cNvSpPr>
+          <p:nvPr>
+            <p:ph idx="1"/>
+          </p:nvPr>
+        </p:nvSpPr>
         <p:spPr>
           <a:xfrm>
-            <a:off x="1554956" y="1846263"/>
-            <a:ext cx="4022725" cy="4022725"/>
+            <a:off x="1110159" y="2180584"/>
+            <a:ext cx="10058400" cy="4023360"/>
           </a:xfrm>
         </p:spPr>
-      </p:pic>
-      <p:sp>
-        <p:nvSpPr>
-          <p:cNvPr id="3" name="Content Placeholder 2"/>
-          <p:cNvSpPr>
-            <a:spLocks noGrp="1"/>
-          </p:cNvSpPr>
-          <p:nvPr>
-            <p:ph sz="half" idx="2"/>
-          </p:nvPr>
-        </p:nvSpPr>
-        <p:spPr>
-          <a:xfrm>
-            <a:off x="6217920" y="1845735"/>
-            <a:ext cx="5186680" cy="4023360"/>
-          </a:xfrm>
-        </p:spPr>
-        <p:txBody>
-          <a:bodyPr>
-            <a:normAutofit/>
-          </a:bodyPr>
-          <a:lstStyle/>
-          <a:p>
-            <a:pPr lvl="1">
-              <a:buFont typeface="Arial" panose="020B0604020202020204" pitchFamily="34" charset="0"/>
+        <p:txBody>
+          <a:bodyPr/>
+          <a:lstStyle/>
+          <a:p>
+            <a:pPr>
+              <a:buFont typeface="Arial" pitchFamily="34" charset="0"/>
               <a:buChar char="•"/>
             </a:pPr>
             <a:r>
-              <a:rPr lang="en-GB" sz="2400" dirty="0" smtClean="0"/>
-              <a:t>5-star rating system</a:t>
-            </a:r>
-          </a:p>
-          <a:p>
-            <a:pPr lvl="1">
-              <a:buFont typeface="Arial" panose="020B0604020202020204" pitchFamily="34" charset="0"/>
+              <a:rPr lang="en-IN" sz="2400" dirty="0">
+                <a:latin typeface="Open Sans" pitchFamily="34" charset="0"/>
+                <a:ea typeface="Open Sans" pitchFamily="34" charset="0"/>
+                <a:cs typeface="Open Sans" pitchFamily="34" charset="0"/>
+              </a:rPr>
+              <a:t>Includes reviews of current university housing as well as a complete accommodation index.</a:t>
+            </a:r>
+          </a:p>
+          <a:p>
+            <a:pPr>
+              <a:buFont typeface="Arial" pitchFamily="34" charset="0"/>
               <a:buChar char="•"/>
             </a:pPr>
             <a:r>
-              <a:rPr lang="en-GB" sz="2400" dirty="0" smtClean="0"/>
-              <a:t>Optional text review (carefully filtered)</a:t>
-            </a:r>
+              <a:rPr lang="en-IN" sz="2400" dirty="0">
+                <a:latin typeface="Open Sans" pitchFamily="34" charset="0"/>
+                <a:ea typeface="Open Sans" pitchFamily="34" charset="0"/>
+                <a:cs typeface="Open Sans" pitchFamily="34" charset="0"/>
+              </a:rPr>
+              <a:t>Possibility for owner’s of private accommodation to add their listings</a:t>
+            </a:r>
+            <a:r>
+              <a:rPr lang="en-IN" sz="2400" dirty="0" smtClean="0">
+                <a:latin typeface="Open Sans" pitchFamily="34" charset="0"/>
+                <a:ea typeface="Open Sans" pitchFamily="34" charset="0"/>
+                <a:cs typeface="Open Sans" pitchFamily="34" charset="0"/>
+              </a:rPr>
+              <a:t>.</a:t>
+            </a:r>
+          </a:p>
+          <a:p>
+            <a:pPr>
+              <a:buFont typeface="Arial" pitchFamily="34" charset="0"/>
+              <a:buChar char="•"/>
+            </a:pPr>
+            <a:r>
+              <a:rPr lang="en-IN" sz="2400" dirty="0" smtClean="0">
+                <a:latin typeface="Open Sans" pitchFamily="34" charset="0"/>
+                <a:ea typeface="Open Sans" pitchFamily="34" charset="0"/>
+                <a:cs typeface="Open Sans" pitchFamily="34" charset="0"/>
+              </a:rPr>
+              <a:t>Need pictures of accommodation index</a:t>
+            </a:r>
+            <a:endParaRPr lang="en-IN" sz="2400" dirty="0">
+              <a:latin typeface="Open Sans" pitchFamily="34" charset="0"/>
+              <a:ea typeface="Open Sans" pitchFamily="34" charset="0"/>
+              <a:cs typeface="Open Sans" pitchFamily="34" charset="0"/>
+            </a:endParaRPr>
+          </a:p>
+          <a:p>
+            <a:pPr>
+              <a:buFont typeface="Arial" pitchFamily="34" charset="0"/>
+              <a:buChar char="•"/>
+            </a:pPr>
+            <a:endParaRPr lang="en-IN" sz="2400" dirty="0" smtClean="0">
+              <a:latin typeface="Open Sans" pitchFamily="34" charset="0"/>
+              <a:ea typeface="Open Sans" pitchFamily="34" charset="0"/>
+              <a:cs typeface="Open Sans" pitchFamily="34" charset="0"/>
+            </a:endParaRPr>
+          </a:p>
+          <a:p>
+            <a:pPr>
+              <a:buFont typeface="Arial" pitchFamily="34" charset="0"/>
+              <a:buChar char="•"/>
+            </a:pPr>
+            <a:endParaRPr lang="en-IN" sz="2400" dirty="0">
+              <a:latin typeface="Open Sans" pitchFamily="34" charset="0"/>
+              <a:ea typeface="Open Sans" pitchFamily="34" charset="0"/>
+              <a:cs typeface="Open Sans" pitchFamily="34" charset="0"/>
+            </a:endParaRPr>
+          </a:p>
+          <a:p>
+            <a:pPr>
+              <a:buFont typeface="Arial" pitchFamily="34" charset="0"/>
+              <a:buChar char="•"/>
+            </a:pPr>
+            <a:endParaRPr lang="en-IN" sz="2400" dirty="0">
+              <a:latin typeface="Open Sans" pitchFamily="34" charset="0"/>
+              <a:ea typeface="Open Sans" pitchFamily="34" charset="0"/>
+              <a:cs typeface="Open Sans" pitchFamily="34" charset="0"/>
+            </a:endParaRPr>
+          </a:p>
+          <a:p>
+            <a:endParaRPr lang="en-IN" dirty="0"/>
           </a:p>
         </p:txBody>
       </p:sp>
     </p:spTree>
     <p:extLst>
       <p:ext uri="{BB962C8B-B14F-4D97-AF65-F5344CB8AC3E}">
-        <p14:creationId xmlns:p14="http://schemas.microsoft.com/office/powerpoint/2010/main" val="3825578640"/>
+        <p14:creationId xmlns:p14="http://schemas.microsoft.com/office/powerpoint/2010/main" val="3619754706"/>
       </p:ext>
     </p:extLst>
   </p:cSld>
@@ -15330,7 +14476,7 @@
     </a:clrScheme>
     <a:fontScheme name="Retrospect">
       <a:majorFont>
-        <a:latin typeface="Calibri Light" panose="020F0302020204030204"/>
+        <a:latin typeface="Calibri Light"/>
         <a:ea typeface=""/>
         <a:cs typeface=""/>
         <a:font script="Jpan" typeface="ＭＳ Ｐゴシック"/>
@@ -15365,7 +14511,7 @@
         <a:font script="Geor" typeface="Sylfaen"/>
       </a:majorFont>
       <a:minorFont>
-        <a:latin typeface="Calibri" panose="020F0502020204030204"/>
+        <a:latin typeface="Calibri"/>
         <a:ea typeface=""/>
         <a:cs typeface=""/>
         <a:font script="Jpan" typeface="ＭＳ Ｐゴシック"/>
@@ -15564,7 +14710,7 @@
   <a:extraClrSchemeLst/>
   <a:extLst>
     <a:ext uri="{05A4C25C-085E-4340-85A3-A5531E510DB2}">
-      <thm15:themeFamily xmlns:thm15="http://schemas.microsoft.com/office/thememl/2012/main" xmlns="" name="Retrospect" id="{5F128B03-DCCA-4EEB-AB3B-CF2899314A46}" vid="{3F1AAB62-24C6-49D2-8E01-B56FAC9A3DCD}"/>
+      <thm15:themeFamily xmlns="" xmlns:thm15="http://schemas.microsoft.com/office/thememl/2012/main" name="Retrospect" id="{5F128B03-DCCA-4EEB-AB3B-CF2899314A46}" vid="{3F1AAB62-24C6-49D2-8E01-B56FAC9A3DCD}"/>
     </a:ext>
   </a:extLst>
 </a:theme>
@@ -15898,7 +15044,7 @@
     </a:clrScheme>
     <a:fontScheme name="Office">
       <a:majorFont>
-        <a:latin typeface="Calibri Light" panose="020F0302020204030204"/>
+        <a:latin typeface="Calibri Light"/>
         <a:ea typeface=""/>
         <a:cs typeface=""/>
         <a:font script="Jpan" typeface="ＭＳ Ｐゴシック"/>
@@ -15933,7 +15079,7 @@
         <a:font script="Geor" typeface="Sylfaen"/>
       </a:majorFont>
       <a:minorFont>
-        <a:latin typeface="Calibri" panose="020F0502020204030204"/>
+        <a:latin typeface="Calibri"/>
         <a:ea typeface=""/>
         <a:cs typeface=""/>
         <a:font script="Jpan" typeface="ＭＳ Ｐゴシック"/>
@@ -16110,7 +15256,7 @@
   <a:extraClrSchemeLst/>
   <a:extLst>
     <a:ext uri="{05A4C25C-085E-4340-85A3-A5531E510DB2}">
-      <thm15:themeFamily xmlns:thm15="http://schemas.microsoft.com/office/thememl/2012/main" xmlns="" name="Office Theme" id="{62F939B6-93AF-4DB8-9C6B-D6C7DFDC589F}" vid="{4A3C46E8-61CC-4603-A589-7422A47A8E4A}"/>
+      <thm15:themeFamily xmlns="" xmlns:thm15="http://schemas.microsoft.com/office/thememl/2012/main" name="Office Theme" id="{62F939B6-93AF-4DB8-9C6B-D6C7DFDC589F}" vid="{4A3C46E8-61CC-4603-A589-7422A47A8E4A}"/>
     </a:ext>
   </a:extLst>
 </a:theme>
